--- a/iotschema-17may20218.pptx
+++ b/iotschema-17may20218.pptx
@@ -4,20 +4,33 @@
   <p:sldMasterIdLst>
     <p:sldMasterId id="2147483660" r:id="rId1"/>
   </p:sldMasterIdLst>
+  <p:notesMasterIdLst>
+    <p:notesMasterId r:id="rId25"/>
+  </p:notesMasterIdLst>
   <p:sldIdLst>
     <p:sldId id="256" r:id="rId2"/>
     <p:sldId id="257" r:id="rId3"/>
-    <p:sldId id="258" r:id="rId4"/>
-    <p:sldId id="259" r:id="rId5"/>
-    <p:sldId id="260" r:id="rId6"/>
-    <p:sldId id="262" r:id="rId7"/>
-    <p:sldId id="261" r:id="rId8"/>
-    <p:sldId id="263" r:id="rId9"/>
-    <p:sldId id="264" r:id="rId10"/>
-    <p:sldId id="265" r:id="rId11"/>
-    <p:sldId id="266" r:id="rId12"/>
-    <p:sldId id="267" r:id="rId13"/>
-    <p:sldId id="268" r:id="rId14"/>
+    <p:sldId id="271" r:id="rId4"/>
+    <p:sldId id="272" r:id="rId5"/>
+    <p:sldId id="273" r:id="rId6"/>
+    <p:sldId id="274" r:id="rId7"/>
+    <p:sldId id="275" r:id="rId8"/>
+    <p:sldId id="276" r:id="rId9"/>
+    <p:sldId id="277" r:id="rId10"/>
+    <p:sldId id="278" r:id="rId11"/>
+    <p:sldId id="279" r:id="rId12"/>
+    <p:sldId id="280" r:id="rId13"/>
+    <p:sldId id="281" r:id="rId14"/>
+    <p:sldId id="282" r:id="rId15"/>
+    <p:sldId id="258" r:id="rId16"/>
+    <p:sldId id="259" r:id="rId17"/>
+    <p:sldId id="260" r:id="rId18"/>
+    <p:sldId id="262" r:id="rId19"/>
+    <p:sldId id="261" r:id="rId20"/>
+    <p:sldId id="263" r:id="rId21"/>
+    <p:sldId id="264" r:id="rId22"/>
+    <p:sldId id="267" r:id="rId23"/>
+    <p:sldId id="268" r:id="rId24"/>
   </p:sldIdLst>
   <p:sldSz cx="9144000" cy="6858000" type="letter"/>
   <p:notesSz cx="6858000" cy="9144000"/>
@@ -116,7 +129,362 @@
       </a:defRPr>
     </a:lvl9pPr>
   </p:defaultTextStyle>
+  <p:extLst>
+    <p:ext uri="{EFAFB233-063F-42B5-8137-9DF3F51BA10A}">
+      <p15:sldGuideLst xmlns:p15="http://schemas.microsoft.com/office/powerpoint/2012/main"/>
+    </p:ext>
+  </p:extLst>
 </p:presentation>
+</file>
+
+<file path=ppt/notesMasters/notesMaster1.xml><?xml version="1.0" encoding="utf-8"?>
+<p:notesMaster xmlns:a="http://schemas.openxmlformats.org/drawingml/2006/main" xmlns:r="http://schemas.openxmlformats.org/officeDocument/2006/relationships" xmlns:p="http://schemas.openxmlformats.org/presentationml/2006/main">
+  <p:cSld>
+    <p:bg>
+      <p:bgRef idx="1001">
+        <a:schemeClr val="bg1"/>
+      </p:bgRef>
+    </p:bg>
+    <p:spTree>
+      <p:nvGrpSpPr>
+        <p:cNvPr id="1" name=""/>
+        <p:cNvGrpSpPr/>
+        <p:nvPr/>
+      </p:nvGrpSpPr>
+      <p:grpSpPr>
+        <a:xfrm>
+          <a:off x="0" y="0"/>
+          <a:ext cx="0" cy="0"/>
+          <a:chOff x="0" y="0"/>
+          <a:chExt cx="0" cy="0"/>
+        </a:xfrm>
+      </p:grpSpPr>
+      <p:sp>
+        <p:nvSpPr>
+          <p:cNvPr id="2" name="Header Placeholder 1"/>
+          <p:cNvSpPr>
+            <a:spLocks noGrp="1"/>
+          </p:cNvSpPr>
+          <p:nvPr>
+            <p:ph type="hdr" sz="quarter"/>
+          </p:nvPr>
+        </p:nvSpPr>
+        <p:spPr>
+          <a:xfrm>
+            <a:off x="0" y="0"/>
+            <a:ext cx="2971800" cy="458788"/>
+          </a:xfrm>
+          <a:prstGeom prst="rect">
+            <a:avLst/>
+          </a:prstGeom>
+        </p:spPr>
+        <p:txBody>
+          <a:bodyPr vert="horz" lIns="91440" tIns="45720" rIns="91440" bIns="45720" rtlCol="0"/>
+          <a:lstStyle>
+            <a:lvl1pPr algn="l">
+              <a:defRPr sz="1200"/>
+            </a:lvl1pPr>
+          </a:lstStyle>
+          <a:p>
+            <a:endParaRPr lang="en-US"/>
+          </a:p>
+        </p:txBody>
+      </p:sp>
+      <p:sp>
+        <p:nvSpPr>
+          <p:cNvPr id="3" name="Date Placeholder 2"/>
+          <p:cNvSpPr>
+            <a:spLocks noGrp="1"/>
+          </p:cNvSpPr>
+          <p:nvPr>
+            <p:ph type="dt" idx="1"/>
+          </p:nvPr>
+        </p:nvSpPr>
+        <p:spPr>
+          <a:xfrm>
+            <a:off x="3884613" y="0"/>
+            <a:ext cx="2971800" cy="458788"/>
+          </a:xfrm>
+          <a:prstGeom prst="rect">
+            <a:avLst/>
+          </a:prstGeom>
+        </p:spPr>
+        <p:txBody>
+          <a:bodyPr vert="horz" lIns="91440" tIns="45720" rIns="91440" bIns="45720" rtlCol="0"/>
+          <a:lstStyle>
+            <a:lvl1pPr algn="r">
+              <a:defRPr sz="1200"/>
+            </a:lvl1pPr>
+          </a:lstStyle>
+          <a:p>
+            <a:fld id="{17C8783D-F440-ED43-8E82-B584645D9A87}" type="datetimeFigureOut">
+              <a:rPr lang="en-US" smtClean="0"/>
+              <a:t>5/16/18</a:t>
+            </a:fld>
+            <a:endParaRPr lang="en-US"/>
+          </a:p>
+        </p:txBody>
+      </p:sp>
+      <p:sp>
+        <p:nvSpPr>
+          <p:cNvPr id="4" name="Slide Image Placeholder 3"/>
+          <p:cNvSpPr>
+            <a:spLocks noGrp="1" noRot="1" noChangeAspect="1"/>
+          </p:cNvSpPr>
+          <p:nvPr>
+            <p:ph type="sldImg" idx="2"/>
+          </p:nvPr>
+        </p:nvSpPr>
+        <p:spPr>
+          <a:xfrm>
+            <a:off x="1371600" y="1143000"/>
+            <a:ext cx="4114800" cy="3086100"/>
+          </a:xfrm>
+          <a:prstGeom prst="rect">
+            <a:avLst/>
+          </a:prstGeom>
+          <a:noFill/>
+          <a:ln w="12700">
+            <a:solidFill>
+              <a:prstClr val="black"/>
+            </a:solidFill>
+          </a:ln>
+        </p:spPr>
+        <p:txBody>
+          <a:bodyPr vert="horz" lIns="91440" tIns="45720" rIns="91440" bIns="45720" rtlCol="0" anchor="ctr"/>
+          <a:lstStyle/>
+          <a:p>
+            <a:endParaRPr lang="en-US"/>
+          </a:p>
+        </p:txBody>
+      </p:sp>
+      <p:sp>
+        <p:nvSpPr>
+          <p:cNvPr id="5" name="Notes Placeholder 4"/>
+          <p:cNvSpPr>
+            <a:spLocks noGrp="1"/>
+          </p:cNvSpPr>
+          <p:nvPr>
+            <p:ph type="body" sz="quarter" idx="3"/>
+          </p:nvPr>
+        </p:nvSpPr>
+        <p:spPr>
+          <a:xfrm>
+            <a:off x="685800" y="4400550"/>
+            <a:ext cx="5486400" cy="3600450"/>
+          </a:xfrm>
+          <a:prstGeom prst="rect">
+            <a:avLst/>
+          </a:prstGeom>
+        </p:spPr>
+        <p:txBody>
+          <a:bodyPr vert="horz" lIns="91440" tIns="45720" rIns="91440" bIns="45720" rtlCol="0"/>
+          <a:lstStyle/>
+          <a:p>
+            <a:pPr lvl="0"/>
+            <a:r>
+              <a:rPr lang="en-US" smtClean="0"/>
+              <a:t>Click to edit Master text styles</a:t>
+            </a:r>
+          </a:p>
+          <a:p>
+            <a:pPr lvl="1"/>
+            <a:r>
+              <a:rPr lang="en-US" smtClean="0"/>
+              <a:t>Second level</a:t>
+            </a:r>
+          </a:p>
+          <a:p>
+            <a:pPr lvl="2"/>
+            <a:r>
+              <a:rPr lang="en-US" smtClean="0"/>
+              <a:t>Third level</a:t>
+            </a:r>
+          </a:p>
+          <a:p>
+            <a:pPr lvl="3"/>
+            <a:r>
+              <a:rPr lang="en-US" smtClean="0"/>
+              <a:t>Fourth level</a:t>
+            </a:r>
+          </a:p>
+          <a:p>
+            <a:pPr lvl="4"/>
+            <a:r>
+              <a:rPr lang="en-US" smtClean="0"/>
+              <a:t>Fifth level</a:t>
+            </a:r>
+            <a:endParaRPr lang="en-US"/>
+          </a:p>
+        </p:txBody>
+      </p:sp>
+      <p:sp>
+        <p:nvSpPr>
+          <p:cNvPr id="6" name="Footer Placeholder 5"/>
+          <p:cNvSpPr>
+            <a:spLocks noGrp="1"/>
+          </p:cNvSpPr>
+          <p:nvPr>
+            <p:ph type="ftr" sz="quarter" idx="4"/>
+          </p:nvPr>
+        </p:nvSpPr>
+        <p:spPr>
+          <a:xfrm>
+            <a:off x="0" y="8685213"/>
+            <a:ext cx="2971800" cy="458787"/>
+          </a:xfrm>
+          <a:prstGeom prst="rect">
+            <a:avLst/>
+          </a:prstGeom>
+        </p:spPr>
+        <p:txBody>
+          <a:bodyPr vert="horz" lIns="91440" tIns="45720" rIns="91440" bIns="45720" rtlCol="0" anchor="b"/>
+          <a:lstStyle>
+            <a:lvl1pPr algn="l">
+              <a:defRPr sz="1200"/>
+            </a:lvl1pPr>
+          </a:lstStyle>
+          <a:p>
+            <a:endParaRPr lang="en-US"/>
+          </a:p>
+        </p:txBody>
+      </p:sp>
+      <p:sp>
+        <p:nvSpPr>
+          <p:cNvPr id="7" name="Slide Number Placeholder 6"/>
+          <p:cNvSpPr>
+            <a:spLocks noGrp="1"/>
+          </p:cNvSpPr>
+          <p:nvPr>
+            <p:ph type="sldNum" sz="quarter" idx="5"/>
+          </p:nvPr>
+        </p:nvSpPr>
+        <p:spPr>
+          <a:xfrm>
+            <a:off x="3884613" y="8685213"/>
+            <a:ext cx="2971800" cy="458787"/>
+          </a:xfrm>
+          <a:prstGeom prst="rect">
+            <a:avLst/>
+          </a:prstGeom>
+        </p:spPr>
+        <p:txBody>
+          <a:bodyPr vert="horz" lIns="91440" tIns="45720" rIns="91440" bIns="45720" rtlCol="0" anchor="b"/>
+          <a:lstStyle>
+            <a:lvl1pPr algn="r">
+              <a:defRPr sz="1200"/>
+            </a:lvl1pPr>
+          </a:lstStyle>
+          <a:p>
+            <a:fld id="{A53D0683-6165-0C4A-9295-086A6FCA8D0C}" type="slidenum">
+              <a:rPr lang="en-US" smtClean="0"/>
+              <a:t>‹#›</a:t>
+            </a:fld>
+            <a:endParaRPr lang="en-US"/>
+          </a:p>
+        </p:txBody>
+      </p:sp>
+    </p:spTree>
+    <p:extLst>
+      <p:ext uri="{BB962C8B-B14F-4D97-AF65-F5344CB8AC3E}">
+        <p14:creationId xmlns:p14="http://schemas.microsoft.com/office/powerpoint/2010/main" val="1441227132"/>
+      </p:ext>
+    </p:extLst>
+  </p:cSld>
+  <p:clrMap bg1="lt1" tx1="dk1" bg2="lt2" tx2="dk2" accent1="accent1" accent2="accent2" accent3="accent3" accent4="accent4" accent5="accent5" accent6="accent6" hlink="hlink" folHlink="folHlink"/>
+  <p:notesStyle>
+    <a:lvl1pPr marL="0" algn="l" defTabSz="914400" rtl="0" eaLnBrk="1" latinLnBrk="0" hangingPunct="1">
+      <a:defRPr sz="1200" kern="1200">
+        <a:solidFill>
+          <a:schemeClr val="tx1"/>
+        </a:solidFill>
+        <a:latin typeface="+mn-lt"/>
+        <a:ea typeface="+mn-ea"/>
+        <a:cs typeface="+mn-cs"/>
+      </a:defRPr>
+    </a:lvl1pPr>
+    <a:lvl2pPr marL="457200" algn="l" defTabSz="914400" rtl="0" eaLnBrk="1" latinLnBrk="0" hangingPunct="1">
+      <a:defRPr sz="1200" kern="1200">
+        <a:solidFill>
+          <a:schemeClr val="tx1"/>
+        </a:solidFill>
+        <a:latin typeface="+mn-lt"/>
+        <a:ea typeface="+mn-ea"/>
+        <a:cs typeface="+mn-cs"/>
+      </a:defRPr>
+    </a:lvl2pPr>
+    <a:lvl3pPr marL="914400" algn="l" defTabSz="914400" rtl="0" eaLnBrk="1" latinLnBrk="0" hangingPunct="1">
+      <a:defRPr sz="1200" kern="1200">
+        <a:solidFill>
+          <a:schemeClr val="tx1"/>
+        </a:solidFill>
+        <a:latin typeface="+mn-lt"/>
+        <a:ea typeface="+mn-ea"/>
+        <a:cs typeface="+mn-cs"/>
+      </a:defRPr>
+    </a:lvl3pPr>
+    <a:lvl4pPr marL="1371600" algn="l" defTabSz="914400" rtl="0" eaLnBrk="1" latinLnBrk="0" hangingPunct="1">
+      <a:defRPr sz="1200" kern="1200">
+        <a:solidFill>
+          <a:schemeClr val="tx1"/>
+        </a:solidFill>
+        <a:latin typeface="+mn-lt"/>
+        <a:ea typeface="+mn-ea"/>
+        <a:cs typeface="+mn-cs"/>
+      </a:defRPr>
+    </a:lvl4pPr>
+    <a:lvl5pPr marL="1828800" algn="l" defTabSz="914400" rtl="0" eaLnBrk="1" latinLnBrk="0" hangingPunct="1">
+      <a:defRPr sz="1200" kern="1200">
+        <a:solidFill>
+          <a:schemeClr val="tx1"/>
+        </a:solidFill>
+        <a:latin typeface="+mn-lt"/>
+        <a:ea typeface="+mn-ea"/>
+        <a:cs typeface="+mn-cs"/>
+      </a:defRPr>
+    </a:lvl5pPr>
+    <a:lvl6pPr marL="2286000" algn="l" defTabSz="914400" rtl="0" eaLnBrk="1" latinLnBrk="0" hangingPunct="1">
+      <a:defRPr sz="1200" kern="1200">
+        <a:solidFill>
+          <a:schemeClr val="tx1"/>
+        </a:solidFill>
+        <a:latin typeface="+mn-lt"/>
+        <a:ea typeface="+mn-ea"/>
+        <a:cs typeface="+mn-cs"/>
+      </a:defRPr>
+    </a:lvl6pPr>
+    <a:lvl7pPr marL="2743200" algn="l" defTabSz="914400" rtl="0" eaLnBrk="1" latinLnBrk="0" hangingPunct="1">
+      <a:defRPr sz="1200" kern="1200">
+        <a:solidFill>
+          <a:schemeClr val="tx1"/>
+        </a:solidFill>
+        <a:latin typeface="+mn-lt"/>
+        <a:ea typeface="+mn-ea"/>
+        <a:cs typeface="+mn-cs"/>
+      </a:defRPr>
+    </a:lvl7pPr>
+    <a:lvl8pPr marL="3200400" algn="l" defTabSz="914400" rtl="0" eaLnBrk="1" latinLnBrk="0" hangingPunct="1">
+      <a:defRPr sz="1200" kern="1200">
+        <a:solidFill>
+          <a:schemeClr val="tx1"/>
+        </a:solidFill>
+        <a:latin typeface="+mn-lt"/>
+        <a:ea typeface="+mn-ea"/>
+        <a:cs typeface="+mn-cs"/>
+      </a:defRPr>
+    </a:lvl8pPr>
+    <a:lvl9pPr marL="3657600" algn="l" defTabSz="914400" rtl="0" eaLnBrk="1" latinLnBrk="0" hangingPunct="1">
+      <a:defRPr sz="1200" kern="1200">
+        <a:solidFill>
+          <a:schemeClr val="tx1"/>
+        </a:solidFill>
+        <a:latin typeface="+mn-lt"/>
+        <a:ea typeface="+mn-ea"/>
+        <a:cs typeface="+mn-cs"/>
+      </a:defRPr>
+    </a:lvl9pPr>
+  </p:notesStyle>
+</p:notesMaster>
 </file>
 
 <file path=ppt/slideLayouts/slideLayout1.xml><?xml version="1.0" encoding="utf-8"?>
@@ -250,7 +618,7 @@
           <a:p>
             <a:fld id="{A37A7497-B40A-2944-AF6C-6A4B11C9A644}" type="datetimeFigureOut">
               <a:rPr lang="en-US" smtClean="0"/>
-              <a:t>5/15/18</a:t>
+              <a:t>5/16/18</a:t>
             </a:fld>
             <a:endParaRPr lang="en-US"/>
           </a:p>
@@ -415,7 +783,7 @@
           <a:p>
             <a:fld id="{A37A7497-B40A-2944-AF6C-6A4B11C9A644}" type="datetimeFigureOut">
               <a:rPr lang="en-US" smtClean="0"/>
-              <a:t>5/15/18</a:t>
+              <a:t>5/16/18</a:t>
             </a:fld>
             <a:endParaRPr lang="en-US"/>
           </a:p>
@@ -590,7 +958,7 @@
           <a:p>
             <a:fld id="{A37A7497-B40A-2944-AF6C-6A4B11C9A644}" type="datetimeFigureOut">
               <a:rPr lang="en-US" smtClean="0"/>
-              <a:t>5/15/18</a:t>
+              <a:t>5/16/18</a:t>
             </a:fld>
             <a:endParaRPr lang="en-US"/>
           </a:p>
@@ -755,7 +1123,7 @@
           <a:p>
             <a:fld id="{A37A7497-B40A-2944-AF6C-6A4B11C9A644}" type="datetimeFigureOut">
               <a:rPr lang="en-US" smtClean="0"/>
-              <a:t>5/15/18</a:t>
+              <a:t>5/16/18</a:t>
             </a:fld>
             <a:endParaRPr lang="en-US"/>
           </a:p>
@@ -994,7 +1362,7 @@
           <a:p>
             <a:fld id="{A37A7497-B40A-2944-AF6C-6A4B11C9A644}" type="datetimeFigureOut">
               <a:rPr lang="en-US" smtClean="0"/>
-              <a:t>5/15/18</a:t>
+              <a:t>5/16/18</a:t>
             </a:fld>
             <a:endParaRPr lang="en-US"/>
           </a:p>
@@ -1221,7 +1589,7 @@
           <a:p>
             <a:fld id="{A37A7497-B40A-2944-AF6C-6A4B11C9A644}" type="datetimeFigureOut">
               <a:rPr lang="en-US" smtClean="0"/>
-              <a:t>5/15/18</a:t>
+              <a:t>5/16/18</a:t>
             </a:fld>
             <a:endParaRPr lang="en-US"/>
           </a:p>
@@ -1583,7 +1951,7 @@
           <a:p>
             <a:fld id="{A37A7497-B40A-2944-AF6C-6A4B11C9A644}" type="datetimeFigureOut">
               <a:rPr lang="en-US" smtClean="0"/>
-              <a:t>5/15/18</a:t>
+              <a:t>5/16/18</a:t>
             </a:fld>
             <a:endParaRPr lang="en-US"/>
           </a:p>
@@ -1696,7 +2064,7 @@
           <a:p>
             <a:fld id="{A37A7497-B40A-2944-AF6C-6A4B11C9A644}" type="datetimeFigureOut">
               <a:rPr lang="en-US" smtClean="0"/>
-              <a:t>5/15/18</a:t>
+              <a:t>5/16/18</a:t>
             </a:fld>
             <a:endParaRPr lang="en-US"/>
           </a:p>
@@ -1786,7 +2154,7 @@
           <a:p>
             <a:fld id="{A37A7497-B40A-2944-AF6C-6A4B11C9A644}" type="datetimeFigureOut">
               <a:rPr lang="en-US" smtClean="0"/>
-              <a:t>5/15/18</a:t>
+              <a:t>5/16/18</a:t>
             </a:fld>
             <a:endParaRPr lang="en-US"/>
           </a:p>
@@ -2058,7 +2426,7 @@
           <a:p>
             <a:fld id="{A37A7497-B40A-2944-AF6C-6A4B11C9A644}" type="datetimeFigureOut">
               <a:rPr lang="en-US" smtClean="0"/>
-              <a:t>5/15/18</a:t>
+              <a:t>5/16/18</a:t>
             </a:fld>
             <a:endParaRPr lang="en-US"/>
           </a:p>
@@ -2310,7 +2678,7 @@
           <a:p>
             <a:fld id="{A37A7497-B40A-2944-AF6C-6A4B11C9A644}" type="datetimeFigureOut">
               <a:rPr lang="en-US" smtClean="0"/>
-              <a:t>5/15/18</a:t>
+              <a:t>5/16/18</a:t>
             </a:fld>
             <a:endParaRPr lang="en-US"/>
           </a:p>
@@ -2518,7 +2886,7 @@
           <a:p>
             <a:fld id="{A37A7497-B40A-2944-AF6C-6A4B11C9A644}" type="datetimeFigureOut">
               <a:rPr lang="en-US" smtClean="0"/>
-              <a:t>5/15/18</a:t>
+              <a:t>5/16/18</a:t>
             </a:fld>
             <a:endParaRPr lang="en-US"/>
           </a:p>
@@ -3012,7 +3380,7 @@
       </p:grpSpPr>
       <p:sp>
         <p:nvSpPr>
-          <p:cNvPr id="2" name="Title 1"/>
+          <p:cNvPr id="2" name="Titel 1"/>
           <p:cNvSpPr>
             <a:spLocks noGrp="1"/>
           </p:cNvSpPr>
@@ -3022,20 +3390,25 @@
         </p:nvSpPr>
         <p:spPr/>
         <p:txBody>
-          <a:bodyPr/>
-          <a:lstStyle/>
-          <a:p>
-            <a:r>
-              <a:rPr lang="en-US" dirty="0" smtClean="0"/>
-              <a:t>Meta-model Ontology Update</a:t>
-            </a:r>
-            <a:endParaRPr lang="en-US" dirty="0"/>
-          </a:p>
-        </p:txBody>
-      </p:sp>
-      <p:sp>
-        <p:nvSpPr>
-          <p:cNvPr id="3" name="Content Placeholder 2"/>
+          <a:bodyPr>
+            <a:normAutofit/>
+          </a:bodyPr>
+          <a:lstStyle/>
+          <a:p>
+            <a:r>
+              <a:rPr lang="de-DE" sz="3200" dirty="0" err="1" smtClean="0"/>
+              <a:t>Haystack</a:t>
+            </a:r>
+            <a:r>
+              <a:rPr lang="de-DE" sz="3200" dirty="0" smtClean="0"/>
+              <a:t> Model </a:t>
+            </a:r>
+          </a:p>
+        </p:txBody>
+      </p:sp>
+      <p:sp>
+        <p:nvSpPr>
+          <p:cNvPr id="3" name="Inhaltsplatzhalter 2"/>
           <p:cNvSpPr>
             <a:spLocks noGrp="1"/>
           </p:cNvSpPr>
@@ -3045,23 +3418,438 @@
         </p:nvSpPr>
         <p:spPr/>
         <p:txBody>
-          <a:bodyPr/>
-          <a:lstStyle/>
-          <a:p>
-            <a:endParaRPr lang="en-US" dirty="0"/>
+          <a:bodyPr>
+            <a:normAutofit fontScale="85000" lnSpcReduction="20000"/>
+          </a:bodyPr>
+          <a:lstStyle/>
+          <a:p>
+            <a:r>
+              <a:rPr lang="en-US" sz="2500" dirty="0" smtClean="0"/>
+              <a:t> </a:t>
+            </a:r>
+            <a:r>
+              <a:rPr lang="en-US" sz="2500" dirty="0" smtClean="0">
+                <a:solidFill>
+                  <a:schemeClr val="accent6">
+                    <a:lumMod val="75000"/>
+                  </a:schemeClr>
+                </a:solidFill>
+              </a:rPr>
+              <a:t>entity</a:t>
+            </a:r>
+            <a:r>
+              <a:rPr lang="en-US" sz="2500" dirty="0" smtClean="0"/>
+              <a:t>: is an abstraction for some physical object in the real world, e.g.  </a:t>
+            </a:r>
+          </a:p>
+          <a:p>
+            <a:pPr>
+              <a:buNone/>
+            </a:pPr>
+            <a:r>
+              <a:rPr lang="en-US" sz="2500" dirty="0" smtClean="0"/>
+              <a:t>       sites, equipment, sensor points, etc.</a:t>
+            </a:r>
+          </a:p>
+          <a:p>
+            <a:r>
+              <a:rPr lang="en-US" sz="2500" dirty="0" smtClean="0"/>
+              <a:t> </a:t>
+            </a:r>
+            <a:r>
+              <a:rPr lang="en-US" sz="2500" dirty="0" smtClean="0">
+                <a:solidFill>
+                  <a:schemeClr val="accent6">
+                    <a:lumMod val="75000"/>
+                  </a:schemeClr>
+                </a:solidFill>
+              </a:rPr>
+              <a:t>tag</a:t>
+            </a:r>
+            <a:r>
+              <a:rPr lang="en-US" sz="2500" dirty="0" smtClean="0"/>
+              <a:t>: is a name/value pair applied to an entity.</a:t>
+            </a:r>
+          </a:p>
+          <a:p>
+            <a:r>
+              <a:rPr lang="en-US" sz="2500" dirty="0" smtClean="0"/>
+              <a:t> </a:t>
+            </a:r>
+            <a:r>
+              <a:rPr lang="en-US" sz="2500" dirty="0" smtClean="0">
+                <a:solidFill>
+                  <a:schemeClr val="accent6">
+                    <a:lumMod val="75000"/>
+                  </a:schemeClr>
+                </a:solidFill>
+              </a:rPr>
+              <a:t>equip</a:t>
+            </a:r>
+            <a:r>
+              <a:rPr lang="en-US" sz="2500" dirty="0" smtClean="0"/>
+              <a:t>: is a physical asset, e.g. AHU, boiler, or chiller. Can also be used </a:t>
+            </a:r>
+          </a:p>
+          <a:p>
+            <a:pPr>
+              <a:buNone/>
+            </a:pPr>
+            <a:r>
+              <a:rPr lang="en-US" sz="2500" dirty="0" smtClean="0"/>
+              <a:t>       to model a logical grouping, e.g. chiller plant.</a:t>
+            </a:r>
+          </a:p>
+          <a:p>
+            <a:r>
+              <a:rPr lang="en-US" sz="2500" dirty="0" smtClean="0"/>
+              <a:t> </a:t>
+            </a:r>
+            <a:r>
+              <a:rPr lang="en-US" sz="2500" dirty="0" smtClean="0">
+                <a:solidFill>
+                  <a:schemeClr val="accent6">
+                    <a:lumMod val="75000"/>
+                  </a:schemeClr>
+                </a:solidFill>
+              </a:rPr>
+              <a:t>point</a:t>
+            </a:r>
+            <a:r>
+              <a:rPr lang="en-US" sz="2500" dirty="0" smtClean="0"/>
+              <a:t>: is typically a digital or analog sensor or actuator</a:t>
+            </a:r>
+          </a:p>
+          <a:p>
+            <a:pPr lvl="1"/>
+            <a:r>
+              <a:rPr lang="en-US" sz="2100" dirty="0" smtClean="0"/>
+              <a:t> </a:t>
+            </a:r>
+            <a:r>
+              <a:rPr lang="en-US" sz="2100" dirty="0" smtClean="0">
+                <a:solidFill>
+                  <a:schemeClr val="accent6">
+                    <a:lumMod val="75000"/>
+                  </a:schemeClr>
+                </a:solidFill>
+              </a:rPr>
+              <a:t>sensor</a:t>
+            </a:r>
+            <a:r>
+              <a:rPr lang="en-US" sz="2100" dirty="0" smtClean="0"/>
+              <a:t>: input, AI/BI, sensor</a:t>
+            </a:r>
+          </a:p>
+          <a:p>
+            <a:pPr lvl="1"/>
+            <a:r>
+              <a:rPr lang="en-US" sz="2100" dirty="0" smtClean="0"/>
+              <a:t> </a:t>
+            </a:r>
+            <a:r>
+              <a:rPr lang="en-US" sz="2100" dirty="0" err="1" smtClean="0">
+                <a:solidFill>
+                  <a:schemeClr val="accent6">
+                    <a:lumMod val="75000"/>
+                  </a:schemeClr>
+                </a:solidFill>
+              </a:rPr>
+              <a:t>cmd</a:t>
+            </a:r>
+            <a:r>
+              <a:rPr lang="en-US" sz="2100" dirty="0" smtClean="0"/>
+              <a:t>: output, AO/BO, actuator, command</a:t>
+            </a:r>
+          </a:p>
+          <a:p>
+            <a:pPr lvl="1"/>
+            <a:r>
+              <a:rPr lang="en-US" sz="2100" dirty="0" smtClean="0"/>
+              <a:t> </a:t>
+            </a:r>
+            <a:r>
+              <a:rPr lang="en-US" sz="2100" dirty="0" smtClean="0">
+                <a:solidFill>
+                  <a:schemeClr val="accent6">
+                    <a:lumMod val="75000"/>
+                  </a:schemeClr>
+                </a:solidFill>
+              </a:rPr>
+              <a:t>sp</a:t>
+            </a:r>
+            <a:r>
+              <a:rPr lang="en-US" sz="2100" dirty="0" smtClean="0"/>
+              <a:t>: </a:t>
+            </a:r>
+            <a:r>
+              <a:rPr lang="en-US" sz="2100" dirty="0" err="1" smtClean="0"/>
+              <a:t>setpoint</a:t>
+            </a:r>
+            <a:r>
+              <a:rPr lang="en-US" sz="2100" dirty="0" smtClean="0"/>
+              <a:t>, internal control variable, schedule</a:t>
+            </a:r>
+          </a:p>
+          <a:p>
+            <a:r>
+              <a:rPr lang="en-US" sz="2500" dirty="0" smtClean="0"/>
+              <a:t> </a:t>
+            </a:r>
+            <a:r>
+              <a:rPr lang="en-US" sz="2500" dirty="0" smtClean="0">
+                <a:solidFill>
+                  <a:schemeClr val="accent6">
+                    <a:lumMod val="75000"/>
+                  </a:schemeClr>
+                </a:solidFill>
+              </a:rPr>
+              <a:t>kind</a:t>
+            </a:r>
+            <a:r>
+              <a:rPr lang="en-US" sz="2500" dirty="0" smtClean="0"/>
+              <a:t>: Defines a tag value type, e.g., number, </a:t>
+            </a:r>
+            <a:r>
+              <a:rPr lang="en-US" sz="2500" dirty="0" err="1" smtClean="0"/>
+              <a:t>bool</a:t>
+            </a:r>
+            <a:r>
+              <a:rPr lang="en-US" sz="2500" dirty="0" smtClean="0"/>
+              <a:t>, </a:t>
+            </a:r>
+            <a:r>
+              <a:rPr lang="en-US" sz="2500" dirty="0" err="1" smtClean="0"/>
+              <a:t>str</a:t>
+            </a:r>
+            <a:endParaRPr lang="en-US" sz="2500" dirty="0" smtClean="0"/>
+          </a:p>
+          <a:p>
+            <a:pPr lvl="0"/>
+            <a:r>
+              <a:rPr lang="en-US" sz="2500" dirty="0" smtClean="0"/>
+              <a:t> Multiple tags are used to model the role of a point:</a:t>
+            </a:r>
+          </a:p>
+          <a:p>
+            <a:pPr lvl="1"/>
+            <a:r>
+              <a:rPr lang="en-US" sz="2100" dirty="0" smtClean="0"/>
+              <a:t> </a:t>
+            </a:r>
+            <a:r>
+              <a:rPr lang="en-US" sz="2100" dirty="0" smtClean="0">
+                <a:solidFill>
+                  <a:srgbClr val="0070C0"/>
+                </a:solidFill>
+              </a:rPr>
+              <a:t>where</a:t>
+            </a:r>
+            <a:r>
+              <a:rPr lang="en-US" sz="2100" dirty="0" smtClean="0"/>
+              <a:t>: </a:t>
+            </a:r>
+            <a:r>
+              <a:rPr lang="en-US" sz="2100" dirty="0" smtClean="0">
+                <a:solidFill>
+                  <a:schemeClr val="accent6">
+                    <a:lumMod val="75000"/>
+                  </a:schemeClr>
+                </a:solidFill>
+              </a:rPr>
+              <a:t>discharge</a:t>
+            </a:r>
+            <a:r>
+              <a:rPr lang="en-US" sz="2100" dirty="0" smtClean="0"/>
+              <a:t>, </a:t>
+            </a:r>
+            <a:r>
+              <a:rPr lang="en-US" sz="2100" dirty="0" smtClean="0">
+                <a:solidFill>
+                  <a:schemeClr val="accent6">
+                    <a:lumMod val="75000"/>
+                  </a:schemeClr>
+                </a:solidFill>
+              </a:rPr>
+              <a:t>return</a:t>
+            </a:r>
+            <a:r>
+              <a:rPr lang="en-US" sz="2100" dirty="0" smtClean="0"/>
+              <a:t>, </a:t>
+            </a:r>
+            <a:r>
+              <a:rPr lang="en-US" sz="2100" dirty="0" smtClean="0">
+                <a:solidFill>
+                  <a:schemeClr val="accent6">
+                    <a:lumMod val="75000"/>
+                  </a:schemeClr>
+                </a:solidFill>
+              </a:rPr>
+              <a:t>exhaust</a:t>
+            </a:r>
+            <a:r>
+              <a:rPr lang="en-US" sz="2100" dirty="0" smtClean="0"/>
+              <a:t>, </a:t>
+            </a:r>
+            <a:r>
+              <a:rPr lang="en-US" sz="2100" dirty="0" smtClean="0">
+                <a:solidFill>
+                  <a:schemeClr val="accent6">
+                    <a:lumMod val="75000"/>
+                  </a:schemeClr>
+                </a:solidFill>
+              </a:rPr>
+              <a:t>outside</a:t>
+            </a:r>
+          </a:p>
+          <a:p>
+            <a:pPr lvl="1"/>
+            <a:r>
+              <a:rPr lang="en-US" sz="2100" dirty="0" smtClean="0"/>
+              <a:t> </a:t>
+            </a:r>
+            <a:r>
+              <a:rPr lang="en-US" sz="2100" dirty="0" smtClean="0">
+                <a:solidFill>
+                  <a:srgbClr val="0070C0"/>
+                </a:solidFill>
+              </a:rPr>
+              <a:t>what</a:t>
+            </a:r>
+            <a:r>
+              <a:rPr lang="en-US" sz="2100" dirty="0" smtClean="0"/>
+              <a:t>: </a:t>
+            </a:r>
+            <a:r>
+              <a:rPr lang="en-US" sz="2100" dirty="0" smtClean="0">
+                <a:solidFill>
+                  <a:schemeClr val="accent6">
+                    <a:lumMod val="75000"/>
+                  </a:schemeClr>
+                </a:solidFill>
+              </a:rPr>
+              <a:t>air</a:t>
+            </a:r>
+            <a:r>
+              <a:rPr lang="en-US" sz="2100" dirty="0" smtClean="0"/>
+              <a:t>, </a:t>
+            </a:r>
+            <a:r>
+              <a:rPr lang="en-US" sz="2100" dirty="0" smtClean="0">
+                <a:solidFill>
+                  <a:schemeClr val="accent6">
+                    <a:lumMod val="75000"/>
+                  </a:schemeClr>
+                </a:solidFill>
+              </a:rPr>
+              <a:t>water</a:t>
+            </a:r>
+            <a:r>
+              <a:rPr lang="en-US" sz="2100" dirty="0" smtClean="0"/>
+              <a:t>, </a:t>
+            </a:r>
+            <a:r>
+              <a:rPr lang="en-US" sz="2100" dirty="0" smtClean="0">
+                <a:solidFill>
+                  <a:schemeClr val="accent6">
+                    <a:lumMod val="75000"/>
+                  </a:schemeClr>
+                </a:solidFill>
+              </a:rPr>
+              <a:t>steam</a:t>
+            </a:r>
+            <a:endParaRPr lang="en-US" sz="2100" dirty="0" smtClean="0"/>
+          </a:p>
+          <a:p>
+            <a:pPr lvl="1"/>
+            <a:r>
+              <a:rPr lang="en-US" sz="2100" dirty="0" smtClean="0"/>
+              <a:t> </a:t>
+            </a:r>
+            <a:r>
+              <a:rPr lang="en-US" sz="2100" dirty="0" smtClean="0">
+                <a:solidFill>
+                  <a:srgbClr val="0070C0"/>
+                </a:solidFill>
+              </a:rPr>
+              <a:t>measurement</a:t>
+            </a:r>
+            <a:r>
+              <a:rPr lang="en-US" sz="2100" dirty="0" smtClean="0"/>
+              <a:t>: </a:t>
+            </a:r>
+            <a:r>
+              <a:rPr lang="en-US" sz="2100" dirty="0" smtClean="0">
+                <a:solidFill>
+                  <a:schemeClr val="accent6">
+                    <a:lumMod val="75000"/>
+                  </a:schemeClr>
+                </a:solidFill>
+              </a:rPr>
+              <a:t>temp</a:t>
+            </a:r>
+            <a:r>
+              <a:rPr lang="en-US" sz="2100" dirty="0" smtClean="0"/>
+              <a:t>, </a:t>
+            </a:r>
+            <a:r>
+              <a:rPr lang="en-US" sz="2100" dirty="0" smtClean="0">
+                <a:solidFill>
+                  <a:schemeClr val="accent6">
+                    <a:lumMod val="75000"/>
+                  </a:schemeClr>
+                </a:solidFill>
+              </a:rPr>
+              <a:t>humidity</a:t>
+            </a:r>
+            <a:r>
+              <a:rPr lang="en-US" sz="2100" dirty="0" smtClean="0"/>
+              <a:t>, </a:t>
+            </a:r>
+            <a:r>
+              <a:rPr lang="en-US" sz="2100" dirty="0" smtClean="0">
+                <a:solidFill>
+                  <a:schemeClr val="accent6">
+                    <a:lumMod val="75000"/>
+                  </a:schemeClr>
+                </a:solidFill>
+              </a:rPr>
+              <a:t>flow</a:t>
+            </a:r>
+            <a:r>
+              <a:rPr lang="en-US" sz="2100" dirty="0" smtClean="0"/>
+              <a:t>, </a:t>
+            </a:r>
+            <a:r>
+              <a:rPr lang="en-US" sz="2100" dirty="0" smtClean="0">
+                <a:solidFill>
+                  <a:schemeClr val="accent6">
+                    <a:lumMod val="75000"/>
+                  </a:schemeClr>
+                </a:solidFill>
+              </a:rPr>
+              <a:t>pressure</a:t>
+            </a:r>
           </a:p>
         </p:txBody>
       </p:sp>
     </p:spTree>
     <p:extLst>
       <p:ext uri="{BB962C8B-B14F-4D97-AF65-F5344CB8AC3E}">
-        <p14:creationId xmlns:p14="http://schemas.microsoft.com/office/powerpoint/2010/main" val="61608825"/>
+        <p14:creationId xmlns:p14="http://schemas.microsoft.com/office/powerpoint/2010/main" val="1540977221"/>
       </p:ext>
     </p:extLst>
   </p:cSld>
   <p:clrMapOvr>
     <a:masterClrMapping/>
   </p:clrMapOvr>
+  <p:timing>
+    <p:tnLst>
+      <p:par>
+        <p:cTn id="1" dur="indefinite" restart="never" nodeType="tmRoot"/>
+      </p:par>
+    </p:tnLst>
+  </p:timing>
 </p:sld>
 </file>
 
@@ -3084,7 +3872,7 @@
       </p:grpSpPr>
       <p:sp>
         <p:nvSpPr>
-          <p:cNvPr id="2" name="Title 1"/>
+          <p:cNvPr id="2" name="Titel 1"/>
           <p:cNvSpPr>
             <a:spLocks noGrp="1"/>
           </p:cNvSpPr>
@@ -3094,50 +3882,61 @@
         </p:nvSpPr>
         <p:spPr/>
         <p:txBody>
-          <a:bodyPr/>
-          <a:lstStyle/>
-          <a:p>
-            <a:r>
-              <a:rPr lang="en-US" dirty="0" smtClean="0"/>
-              <a:t>Haystack Tags in </a:t>
-            </a:r>
-            <a:r>
-              <a:rPr lang="en-US" dirty="0" err="1" smtClean="0"/>
-              <a:t>iot.schema.org</a:t>
-            </a:r>
-            <a:endParaRPr lang="en-US" dirty="0"/>
-          </a:p>
-        </p:txBody>
-      </p:sp>
-      <p:sp>
-        <p:nvSpPr>
-          <p:cNvPr id="3" name="Content Placeholder 2"/>
-          <p:cNvSpPr>
-            <a:spLocks noGrp="1"/>
-          </p:cNvSpPr>
-          <p:nvPr>
-            <p:ph idx="1"/>
-          </p:nvPr>
-        </p:nvSpPr>
-        <p:spPr/>
-        <p:txBody>
-          <a:bodyPr/>
-          <a:lstStyle/>
-          <a:p>
-            <a:endParaRPr lang="en-US"/>
-          </a:p>
-        </p:txBody>
-      </p:sp>
+          <a:bodyPr>
+            <a:normAutofit/>
+          </a:bodyPr>
+          <a:lstStyle/>
+          <a:p>
+            <a:r>
+              <a:rPr lang="en-US" sz="3200" dirty="0" smtClean="0"/>
+              <a:t>Integration of Haystack vocabulary in iot.schema.org</a:t>
+            </a:r>
+          </a:p>
+        </p:txBody>
+      </p:sp>
+      <p:pic>
+        <p:nvPicPr>
+          <p:cNvPr id="1026" name="Picture 2" descr="D:\Work\Work on WoT Embedded Semantic Framework\Repositories\siemens-semantic-models\Haystack-iot.schema\Haystack-iotschema.png"/>
+          <p:cNvPicPr>
+            <a:picLocks noChangeAspect="1" noChangeArrowheads="1"/>
+          </p:cNvPicPr>
+          <p:nvPr/>
+        </p:nvPicPr>
+        <p:blipFill>
+          <a:blip r:embed="rId2" cstate="print"/>
+          <a:srcRect/>
+          <a:stretch>
+            <a:fillRect/>
+          </a:stretch>
+        </p:blipFill>
+        <p:spPr bwMode="auto">
+          <a:xfrm>
+            <a:off x="1115616" y="1484784"/>
+            <a:ext cx="6984776" cy="5128063"/>
+          </a:xfrm>
+          <a:prstGeom prst="rect">
+            <a:avLst/>
+          </a:prstGeom>
+          <a:noFill/>
+        </p:spPr>
+      </p:pic>
     </p:spTree>
     <p:extLst>
       <p:ext uri="{BB962C8B-B14F-4D97-AF65-F5344CB8AC3E}">
-        <p14:creationId xmlns:p14="http://schemas.microsoft.com/office/powerpoint/2010/main" val="1959475184"/>
+        <p14:creationId xmlns:p14="http://schemas.microsoft.com/office/powerpoint/2010/main" val="551370527"/>
       </p:ext>
     </p:extLst>
   </p:cSld>
   <p:clrMapOvr>
     <a:masterClrMapping/>
   </p:clrMapOvr>
+  <p:timing>
+    <p:tnLst>
+      <p:par>
+        <p:cTn id="1" dur="indefinite" restart="never" nodeType="tmRoot"/>
+      </p:par>
+    </p:tnLst>
+  </p:timing>
 </p:sld>
 </file>
 
@@ -3160,7 +3959,7 @@
       </p:grpSpPr>
       <p:sp>
         <p:nvSpPr>
-          <p:cNvPr id="2" name="Title 1"/>
+          <p:cNvPr id="2" name="Titel 1"/>
           <p:cNvSpPr>
             <a:spLocks noGrp="1"/>
           </p:cNvSpPr>
@@ -3168,172 +3967,363 @@
             <p:ph type="title"/>
           </p:nvPr>
         </p:nvSpPr>
-        <p:spPr>
-          <a:xfrm>
-            <a:off x="628650" y="157161"/>
-            <a:ext cx="7886700" cy="1325563"/>
-          </a:xfrm>
-        </p:spPr>
-        <p:txBody>
-          <a:bodyPr/>
-          <a:lstStyle/>
-          <a:p>
+        <p:spPr/>
+        <p:txBody>
+          <a:bodyPr>
+            <a:normAutofit/>
+          </a:bodyPr>
+          <a:lstStyle/>
+          <a:p>
+            <a:r>
+              <a:rPr lang="en-US" sz="3200" dirty="0" smtClean="0"/>
+              <a:t>Example: Boiler in Haystack</a:t>
+            </a:r>
+            <a:endParaRPr lang="de-DE" sz="3200" dirty="0"/>
+          </a:p>
+        </p:txBody>
+      </p:sp>
+      <p:sp>
+        <p:nvSpPr>
+          <p:cNvPr id="3" name="Inhaltsplatzhalter 2"/>
+          <p:cNvSpPr>
+            <a:spLocks noGrp="1"/>
+          </p:cNvSpPr>
+          <p:nvPr>
+            <p:ph idx="1"/>
+          </p:nvPr>
+        </p:nvSpPr>
+        <p:spPr/>
+        <p:txBody>
+          <a:bodyPr>
+            <a:normAutofit fontScale="77500" lnSpcReduction="20000"/>
+          </a:bodyPr>
+          <a:lstStyle/>
+          <a:p>
+            <a:pPr>
+              <a:buNone/>
+            </a:pPr>
+            <a:r>
+              <a:rPr lang="en-US" dirty="0" smtClean="0">
+                <a:solidFill>
+                  <a:schemeClr val="accent6">
+                    <a:lumMod val="75000"/>
+                  </a:schemeClr>
+                </a:solidFill>
+              </a:rPr>
+              <a:t>equip</a:t>
+            </a:r>
             <a:r>
               <a:rPr lang="en-US" dirty="0" smtClean="0"/>
-              <a:t>Organizational update</a:t>
-            </a:r>
-            <a:endParaRPr lang="en-US" dirty="0"/>
-          </a:p>
-        </p:txBody>
-      </p:sp>
-      <p:sp>
-        <p:nvSpPr>
-          <p:cNvPr id="3" name="Content Placeholder 2"/>
-          <p:cNvSpPr>
-            <a:spLocks noGrp="1"/>
-          </p:cNvSpPr>
-          <p:nvPr>
-            <p:ph idx="1"/>
-          </p:nvPr>
-        </p:nvSpPr>
-        <p:spPr>
-          <a:xfrm>
-            <a:off x="628650" y="1358033"/>
-            <a:ext cx="7886700" cy="4762211"/>
-          </a:xfrm>
-        </p:spPr>
-        <p:txBody>
-          <a:bodyPr/>
-          <a:lstStyle/>
-          <a:p>
+              <a:t>: </a:t>
+            </a:r>
+            <a:r>
+              <a:rPr lang="en-US" dirty="0" smtClean="0">
+                <a:solidFill>
+                  <a:schemeClr val="accent6">
+                    <a:lumMod val="75000"/>
+                  </a:schemeClr>
+                </a:solidFill>
+              </a:rPr>
+              <a:t>boiler </a:t>
+            </a:r>
+          </a:p>
+          <a:p>
+            <a:pPr>
+              <a:buNone/>
+            </a:pPr>
             <a:r>
               <a:rPr lang="en-US" dirty="0" smtClean="0"/>
-              <a:t>Resources</a:t>
+              <a:t>It is used to generate hot water or steam for heating. </a:t>
+            </a:r>
+          </a:p>
+          <a:p>
+            <a:pPr>
+              <a:buNone/>
+            </a:pPr>
+            <a:r>
+              <a:rPr lang="en-US" dirty="0" smtClean="0"/>
+              <a:t>Equip level tags:</a:t>
             </a:r>
           </a:p>
           <a:p>
             <a:pPr lvl="1"/>
             <a:r>
+              <a:rPr lang="en-US" sz="2500" dirty="0" smtClean="0"/>
+              <a:t> </a:t>
+            </a:r>
+            <a:r>
+              <a:rPr lang="en-US" sz="2500" dirty="0" smtClean="0">
+                <a:solidFill>
+                  <a:srgbClr val="0070C0"/>
+                </a:solidFill>
+              </a:rPr>
+              <a:t>where</a:t>
+            </a:r>
+            <a:r>
+              <a:rPr lang="en-US" sz="2500" dirty="0" smtClean="0"/>
+              <a:t>: </a:t>
+            </a:r>
+            <a:r>
+              <a:rPr lang="en-US" sz="2600" dirty="0" err="1" smtClean="0">
+                <a:solidFill>
+                  <a:schemeClr val="accent6">
+                    <a:lumMod val="75000"/>
+                  </a:schemeClr>
+                </a:solidFill>
+              </a:rPr>
+              <a:t>equipRef </a:t>
+            </a:r>
+            <a:r>
+              <a:rPr lang="en-US" sz="2500" dirty="0" smtClean="0"/>
+              <a:t>must reference parent plant if associated with a plant</a:t>
+            </a:r>
+          </a:p>
+          <a:p>
+            <a:pPr lvl="1"/>
+            <a:r>
+              <a:rPr lang="en-US" sz="2500" dirty="0" smtClean="0"/>
+              <a:t> </a:t>
+            </a:r>
+            <a:r>
+              <a:rPr lang="en-US" sz="2500" dirty="0" smtClean="0">
+                <a:solidFill>
+                  <a:srgbClr val="0070C0"/>
+                </a:solidFill>
+              </a:rPr>
+              <a:t>what</a:t>
+            </a:r>
+            <a:r>
+              <a:rPr lang="en-US" sz="2500" dirty="0" smtClean="0"/>
+              <a:t>: </a:t>
+            </a:r>
+            <a:r>
+              <a:rPr lang="en-US" sz="2600" dirty="0" smtClean="0">
+                <a:solidFill>
+                  <a:schemeClr val="accent6">
+                    <a:lumMod val="75000"/>
+                  </a:schemeClr>
+                </a:solidFill>
+              </a:rPr>
+              <a:t>hot water</a:t>
+            </a:r>
+            <a:r>
+              <a:rPr lang="en-US" sz="2500" dirty="0" smtClean="0"/>
+              <a:t> or </a:t>
+            </a:r>
+            <a:r>
+              <a:rPr lang="en-US" sz="2600" dirty="0" smtClean="0">
+                <a:solidFill>
+                  <a:schemeClr val="accent6">
+                    <a:lumMod val="75000"/>
+                  </a:schemeClr>
+                </a:solidFill>
+              </a:rPr>
+              <a:t>steam</a:t>
+            </a:r>
+            <a:r>
+              <a:rPr lang="en-US" sz="2500" dirty="0" smtClean="0"/>
+              <a:t> or </a:t>
+            </a:r>
+            <a:r>
+              <a:rPr lang="en-US" sz="2600" dirty="0" smtClean="0">
+                <a:solidFill>
+                  <a:schemeClr val="accent6">
+                    <a:lumMod val="75000"/>
+                  </a:schemeClr>
+                </a:solidFill>
+              </a:rPr>
+              <a:t>oil</a:t>
+            </a:r>
+            <a:r>
+              <a:rPr lang="en-US" sz="2500" dirty="0" smtClean="0"/>
+              <a:t> or </a:t>
+            </a:r>
+            <a:r>
+              <a:rPr lang="en-US" sz="2600" dirty="0" smtClean="0">
+                <a:solidFill>
+                  <a:schemeClr val="accent6">
+                    <a:lumMod val="75000"/>
+                  </a:schemeClr>
+                </a:solidFill>
+              </a:rPr>
+              <a:t>gas</a:t>
+            </a:r>
+            <a:r>
+              <a:rPr lang="en-US" sz="2500" dirty="0" smtClean="0"/>
+              <a:t> </a:t>
+            </a:r>
+          </a:p>
+          <a:p>
+            <a:pPr>
+              <a:buNone/>
+            </a:pPr>
+            <a:r>
               <a:rPr lang="en-US" dirty="0" smtClean="0"/>
-              <a:t>Shared Google Document </a:t>
-            </a:r>
-            <a:r>
-              <a:rPr lang="mr-IN" dirty="0" smtClean="0"/>
-              <a:t>–</a:t>
-            </a:r>
-            <a:r>
-              <a:rPr lang="en-US" dirty="0" smtClean="0"/>
-              <a:t> historical, rolling agenda</a:t>
+              <a:t>Points associated with the boiler equip:</a:t>
             </a:r>
           </a:p>
           <a:p>
             <a:pPr lvl="1"/>
             <a:r>
-              <a:rPr lang="en-US" dirty="0" smtClean="0"/>
-              <a:t>Google Discussion Group </a:t>
-            </a:r>
-            <a:r>
-              <a:rPr lang="mr-IN" dirty="0" smtClean="0"/>
-              <a:t>–</a:t>
-            </a:r>
-            <a:r>
-              <a:rPr lang="en-US" dirty="0" smtClean="0"/>
-              <a:t> broad issues</a:t>
-            </a:r>
+              <a:rPr lang="en-US" sz="2900" dirty="0" smtClean="0"/>
+              <a:t> </a:t>
+            </a:r>
+            <a:r>
+              <a:rPr lang="en-US" sz="2600" dirty="0" smtClean="0">
+                <a:solidFill>
+                  <a:schemeClr val="accent6">
+                    <a:lumMod val="75000"/>
+                  </a:schemeClr>
+                </a:solidFill>
+              </a:rPr>
+              <a:t>run </a:t>
+            </a:r>
+            <a:r>
+              <a:rPr lang="en-US" sz="2600" dirty="0" err="1" smtClean="0">
+                <a:solidFill>
+                  <a:schemeClr val="accent6">
+                    <a:lumMod val="75000"/>
+                  </a:schemeClr>
+                </a:solidFill>
+              </a:rPr>
+              <a:t>cmd</a:t>
+            </a:r>
+            <a:endParaRPr lang="en-US" sz="2600" dirty="0" smtClean="0">
+              <a:solidFill>
+                <a:schemeClr val="accent6">
+                  <a:lumMod val="75000"/>
+                </a:schemeClr>
+              </a:solidFill>
+            </a:endParaRPr>
           </a:p>
           <a:p>
             <a:pPr lvl="1"/>
             <a:r>
-              <a:rPr lang="en-US" dirty="0" err="1" smtClean="0"/>
-              <a:t>Github</a:t>
-            </a:r>
-            <a:r>
-              <a:rPr lang="en-US" dirty="0" smtClean="0"/>
-              <a:t> organization </a:t>
-            </a:r>
-            <a:r>
-              <a:rPr lang="mr-IN" dirty="0" smtClean="0"/>
-              <a:t>–</a:t>
-            </a:r>
-            <a:r>
-              <a:rPr lang="en-US" dirty="0" smtClean="0"/>
-              <a:t> issues and discussion</a:t>
-            </a:r>
-            <a:endParaRPr lang="en-US" dirty="0"/>
-          </a:p>
-          <a:p>
-            <a:r>
-              <a:rPr lang="en-US" dirty="0" smtClean="0"/>
-              <a:t>W3C Community Group</a:t>
+              <a:rPr lang="en-US" sz="2600" dirty="0" smtClean="0"/>
+              <a:t> </a:t>
+            </a:r>
+            <a:r>
+              <a:rPr lang="en-US" sz="2600" dirty="0" smtClean="0">
+                <a:solidFill>
+                  <a:schemeClr val="accent6">
+                    <a:lumMod val="75000"/>
+                  </a:schemeClr>
+                </a:solidFill>
+              </a:rPr>
+              <a:t>run sensor</a:t>
             </a:r>
           </a:p>
           <a:p>
             <a:pPr lvl="1"/>
             <a:r>
-              <a:rPr lang="en-US" dirty="0" smtClean="0"/>
-              <a:t>A venue for incubation and contribution of new definitions</a:t>
-            </a:r>
+              <a:rPr lang="en-US" sz="2600" dirty="0" smtClean="0"/>
+              <a:t> </a:t>
+            </a:r>
+            <a:r>
+              <a:rPr lang="en-US" sz="2600" dirty="0" smtClean="0">
+                <a:solidFill>
+                  <a:schemeClr val="accent6">
+                    <a:lumMod val="75000"/>
+                  </a:schemeClr>
+                </a:solidFill>
+              </a:rPr>
+              <a:t>circ pump </a:t>
+            </a:r>
+            <a:r>
+              <a:rPr lang="en-US" sz="2600" dirty="0" err="1" smtClean="0">
+                <a:solidFill>
+                  <a:schemeClr val="accent6">
+                    <a:lumMod val="75000"/>
+                  </a:schemeClr>
+                </a:solidFill>
+              </a:rPr>
+              <a:t>cmd</a:t>
+            </a:r>
+            <a:endParaRPr lang="en-US" sz="2600" dirty="0" smtClean="0">
+              <a:solidFill>
+                <a:schemeClr val="accent6">
+                  <a:lumMod val="75000"/>
+                </a:schemeClr>
+              </a:solidFill>
+            </a:endParaRPr>
           </a:p>
           <a:p>
             <a:pPr lvl="1"/>
             <a:r>
-              <a:rPr lang="en-US" dirty="0" smtClean="0"/>
-              <a:t>New application domains </a:t>
-            </a:r>
-            <a:r>
-              <a:rPr lang="mr-IN" dirty="0" smtClean="0"/>
-              <a:t>–</a:t>
-            </a:r>
-            <a:r>
-              <a:rPr lang="en-US" dirty="0" smtClean="0"/>
-              <a:t> eventually may split off</a:t>
+              <a:rPr lang="en-US" sz="2600" dirty="0" smtClean="0"/>
+              <a:t> </a:t>
+            </a:r>
+            <a:r>
+              <a:rPr lang="en-US" sz="2600" dirty="0" smtClean="0">
+                <a:solidFill>
+                  <a:schemeClr val="accent6">
+                    <a:lumMod val="75000"/>
+                  </a:schemeClr>
+                </a:solidFill>
+              </a:rPr>
+              <a:t>circ pump sensor</a:t>
             </a:r>
           </a:p>
           <a:p>
             <a:pPr lvl="1"/>
             <a:r>
-              <a:rPr lang="en-US" dirty="0" smtClean="0"/>
-              <a:t>Framework to apply a contributor </a:t>
-            </a:r>
-            <a:r>
-              <a:rPr lang="en-US" dirty="0"/>
-              <a:t>IPR </a:t>
-            </a:r>
-            <a:r>
-              <a:rPr lang="en-US" dirty="0" smtClean="0"/>
-              <a:t>policy to CG members</a:t>
-            </a:r>
+              <a:rPr lang="en-US" sz="2600" dirty="0" smtClean="0"/>
+              <a:t> </a:t>
+            </a:r>
+            <a:r>
+              <a:rPr lang="en-US" sz="2600" dirty="0" smtClean="0">
+                <a:solidFill>
+                  <a:schemeClr val="accent6">
+                    <a:lumMod val="75000"/>
+                  </a:schemeClr>
+                </a:solidFill>
+              </a:rPr>
+              <a:t>condensate pump </a:t>
+            </a:r>
+            <a:r>
+              <a:rPr lang="en-US" sz="2600" dirty="0" err="1" smtClean="0">
+                <a:solidFill>
+                  <a:schemeClr val="accent6">
+                    <a:lumMod val="75000"/>
+                  </a:schemeClr>
+                </a:solidFill>
+              </a:rPr>
+              <a:t>cmd</a:t>
+            </a:r>
+            <a:endParaRPr lang="en-US" sz="2600" dirty="0" smtClean="0">
+              <a:solidFill>
+                <a:schemeClr val="accent6">
+                  <a:lumMod val="75000"/>
+                </a:schemeClr>
+              </a:solidFill>
+            </a:endParaRPr>
           </a:p>
           <a:p>
             <a:pPr lvl="1"/>
             <a:r>
-              <a:rPr lang="en-US" dirty="0" smtClean="0"/>
-              <a:t>Also can accept contributions from </a:t>
-            </a:r>
-            <a:r>
-              <a:rPr lang="en-US" dirty="0" err="1" smtClean="0"/>
-              <a:t>schema.org</a:t>
-            </a:r>
-            <a:r>
-              <a:rPr lang="en-US" dirty="0" smtClean="0"/>
-              <a:t> members under the </a:t>
-            </a:r>
-            <a:r>
-              <a:rPr lang="en-US" dirty="0" err="1" smtClean="0"/>
-              <a:t>schema.org</a:t>
-            </a:r>
-            <a:r>
-              <a:rPr lang="en-US" dirty="0" smtClean="0"/>
-              <a:t> IPR policy</a:t>
-            </a:r>
-            <a:endParaRPr lang="en-US" dirty="0"/>
+              <a:rPr lang="en-US" sz="2600" dirty="0" smtClean="0"/>
+              <a:t> </a:t>
+            </a:r>
+            <a:r>
+              <a:rPr lang="en-US" sz="2600" dirty="0" smtClean="0">
+                <a:solidFill>
+                  <a:schemeClr val="accent6">
+                    <a:lumMod val="75000"/>
+                  </a:schemeClr>
+                </a:solidFill>
+              </a:rPr>
+              <a:t>condensate pump sensor</a:t>
+            </a:r>
+          </a:p>
+          <a:p>
+            <a:endParaRPr lang="de-DE" dirty="0"/>
           </a:p>
         </p:txBody>
       </p:sp>
     </p:spTree>
     <p:extLst>
       <p:ext uri="{BB962C8B-B14F-4D97-AF65-F5344CB8AC3E}">
-        <p14:creationId xmlns:p14="http://schemas.microsoft.com/office/powerpoint/2010/main" val="465878758"/>
+        <p14:creationId xmlns:p14="http://schemas.microsoft.com/office/powerpoint/2010/main" val="492510484"/>
       </p:ext>
     </p:extLst>
   </p:cSld>
@@ -3362,7 +4352,7 @@
       </p:grpSpPr>
       <p:sp>
         <p:nvSpPr>
-          <p:cNvPr id="2" name="Title 1"/>
+          <p:cNvPr id="2" name="Titel 1"/>
           <p:cNvSpPr>
             <a:spLocks noGrp="1"/>
           </p:cNvSpPr>
@@ -3372,20 +4362,22 @@
         </p:nvSpPr>
         <p:spPr/>
         <p:txBody>
-          <a:bodyPr/>
-          <a:lstStyle/>
-          <a:p>
-            <a:r>
-              <a:rPr lang="en-US" dirty="0" smtClean="0"/>
-              <a:t>Any Other Business</a:t>
-            </a:r>
-            <a:endParaRPr lang="en-US" dirty="0"/>
-          </a:p>
-        </p:txBody>
-      </p:sp>
-      <p:sp>
-        <p:nvSpPr>
-          <p:cNvPr id="3" name="Content Placeholder 2"/>
+          <a:bodyPr>
+            <a:normAutofit/>
+          </a:bodyPr>
+          <a:lstStyle/>
+          <a:p>
+            <a:r>
+              <a:rPr lang="en-US" sz="3200" dirty="0" smtClean="0"/>
+              <a:t>Example: Boiler mapped to iot.schema.org</a:t>
+            </a:r>
+            <a:endParaRPr lang="de-DE" sz="3200" dirty="0"/>
+          </a:p>
+        </p:txBody>
+      </p:sp>
+      <p:sp>
+        <p:nvSpPr>
+          <p:cNvPr id="3" name="Inhaltsplatzhalter 2"/>
           <p:cNvSpPr>
             <a:spLocks noGrp="1"/>
           </p:cNvSpPr>
@@ -3395,17 +4387,1149 @@
         </p:nvSpPr>
         <p:spPr/>
         <p:txBody>
-          <a:bodyPr/>
-          <a:lstStyle/>
-          <a:p>
-            <a:endParaRPr lang="en-US"/>
+          <a:bodyPr>
+            <a:normAutofit fontScale="70000" lnSpcReduction="20000"/>
+          </a:bodyPr>
+          <a:lstStyle/>
+          <a:p>
+            <a:pPr>
+              <a:buNone/>
+            </a:pPr>
+            <a:r>
+              <a:rPr lang="de-DE" dirty="0" err="1" smtClean="0"/>
+              <a:t>iot:Capability</a:t>
+            </a:r>
+            <a:r>
+              <a:rPr lang="de-DE" dirty="0" smtClean="0"/>
+              <a:t>: </a:t>
+            </a:r>
+            <a:r>
+              <a:rPr lang="de-DE" dirty="0" err="1" smtClean="0"/>
+              <a:t>iot:Boiler</a:t>
+            </a:r>
+            <a:r>
+              <a:rPr lang="de-DE" dirty="0" smtClean="0"/>
+              <a:t> </a:t>
+            </a:r>
+          </a:p>
+          <a:p>
+            <a:pPr lvl="1"/>
+            <a:r>
+              <a:rPr lang="de-DE" dirty="0" err="1" smtClean="0"/>
+              <a:t>subclasses</a:t>
+            </a:r>
+            <a:r>
+              <a:rPr lang="de-DE" dirty="0" smtClean="0"/>
+              <a:t>: </a:t>
+            </a:r>
+            <a:r>
+              <a:rPr lang="de-DE" dirty="0" err="1" smtClean="0"/>
+              <a:t>iot:HotWaterBoiler</a:t>
+            </a:r>
+            <a:r>
+              <a:rPr lang="de-DE" dirty="0" smtClean="0"/>
+              <a:t>, </a:t>
+            </a:r>
+            <a:r>
+              <a:rPr lang="de-DE" dirty="0" err="1" smtClean="0"/>
+              <a:t>iot:SteamBoiler</a:t>
+            </a:r>
+            <a:r>
+              <a:rPr lang="de-DE" dirty="0" smtClean="0"/>
+              <a:t>, </a:t>
+            </a:r>
+            <a:r>
+              <a:rPr lang="de-DE" dirty="0" err="1" smtClean="0"/>
+              <a:t>iot:OilBoiler</a:t>
+            </a:r>
+            <a:r>
+              <a:rPr lang="de-DE" dirty="0" smtClean="0"/>
+              <a:t> </a:t>
+            </a:r>
+            <a:r>
+              <a:rPr lang="de-DE" dirty="0" err="1" smtClean="0"/>
+              <a:t>etc</a:t>
+            </a:r>
+            <a:endParaRPr lang="de-DE" dirty="0" smtClean="0"/>
+          </a:p>
+          <a:p>
+            <a:pPr>
+              <a:buNone/>
+            </a:pPr>
+            <a:r>
+              <a:rPr lang="de-DE" dirty="0" err="1" smtClean="0"/>
+              <a:t>iot:InteractionPattern</a:t>
+            </a:r>
+            <a:r>
+              <a:rPr lang="de-DE" dirty="0" smtClean="0"/>
+              <a:t>:</a:t>
+            </a:r>
+          </a:p>
+          <a:p>
+            <a:pPr lvl="1"/>
+            <a:r>
+              <a:rPr lang="de-DE" dirty="0" err="1" smtClean="0"/>
+              <a:t>iot:Action</a:t>
+            </a:r>
+            <a:r>
+              <a:rPr lang="de-DE" dirty="0" smtClean="0"/>
+              <a:t>: </a:t>
+            </a:r>
+            <a:r>
+              <a:rPr lang="de-DE" dirty="0" err="1" smtClean="0"/>
+              <a:t>iot:TurnOn</a:t>
+            </a:r>
+            <a:r>
+              <a:rPr lang="de-DE" dirty="0" smtClean="0"/>
+              <a:t>, </a:t>
+            </a:r>
+            <a:r>
+              <a:rPr lang="de-DE" dirty="0" err="1" smtClean="0"/>
+              <a:t>iot:TurnOff</a:t>
+            </a:r>
+            <a:r>
+              <a:rPr lang="de-DE" dirty="0" smtClean="0"/>
+              <a:t>  (</a:t>
+            </a:r>
+            <a:r>
+              <a:rPr lang="de-DE" dirty="0" err="1" smtClean="0">
+                <a:solidFill>
+                  <a:schemeClr val="accent6">
+                    <a:lumMod val="75000"/>
+                  </a:schemeClr>
+                </a:solidFill>
+              </a:rPr>
+              <a:t>run</a:t>
+            </a:r>
+            <a:r>
+              <a:rPr lang="de-DE" dirty="0" smtClean="0">
+                <a:solidFill>
+                  <a:schemeClr val="accent6">
+                    <a:lumMod val="75000"/>
+                  </a:schemeClr>
+                </a:solidFill>
+              </a:rPr>
+              <a:t> </a:t>
+            </a:r>
+            <a:r>
+              <a:rPr lang="de-DE" dirty="0" err="1" smtClean="0">
+                <a:solidFill>
+                  <a:schemeClr val="accent6">
+                    <a:lumMod val="75000"/>
+                  </a:schemeClr>
+                </a:solidFill>
+              </a:rPr>
+              <a:t>cmd</a:t>
+            </a:r>
+            <a:r>
+              <a:rPr lang="de-DE" dirty="0" smtClean="0"/>
+              <a:t>)</a:t>
+            </a:r>
+          </a:p>
+          <a:p>
+            <a:pPr lvl="1"/>
+            <a:r>
+              <a:rPr lang="de-DE" dirty="0" err="1" smtClean="0"/>
+              <a:t>iot:Property</a:t>
+            </a:r>
+            <a:r>
+              <a:rPr lang="de-DE" dirty="0" smtClean="0"/>
+              <a:t>: </a:t>
+            </a:r>
+            <a:r>
+              <a:rPr lang="de-DE" dirty="0" err="1" smtClean="0"/>
+              <a:t>iot:RunStatus</a:t>
+            </a:r>
+            <a:r>
+              <a:rPr lang="de-DE" dirty="0" smtClean="0"/>
+              <a:t>  (</a:t>
+            </a:r>
+            <a:r>
+              <a:rPr lang="de-DE" dirty="0" err="1" smtClean="0">
+                <a:solidFill>
+                  <a:schemeClr val="accent6">
+                    <a:lumMod val="75000"/>
+                  </a:schemeClr>
+                </a:solidFill>
+              </a:rPr>
+              <a:t>run</a:t>
+            </a:r>
+            <a:r>
+              <a:rPr lang="de-DE" dirty="0" smtClean="0">
+                <a:solidFill>
+                  <a:schemeClr val="accent6">
+                    <a:lumMod val="75000"/>
+                  </a:schemeClr>
+                </a:solidFill>
+              </a:rPr>
+              <a:t> </a:t>
+            </a:r>
+            <a:r>
+              <a:rPr lang="de-DE" dirty="0" err="1" smtClean="0">
+                <a:solidFill>
+                  <a:schemeClr val="accent6">
+                    <a:lumMod val="75000"/>
+                  </a:schemeClr>
+                </a:solidFill>
+              </a:rPr>
+              <a:t>sensor</a:t>
+            </a:r>
+            <a:r>
+              <a:rPr lang="de-DE" dirty="0" smtClean="0"/>
+              <a:t>)</a:t>
+            </a:r>
+          </a:p>
+          <a:p>
+            <a:pPr lvl="1"/>
+            <a:r>
+              <a:rPr lang="de-DE" dirty="0" err="1" smtClean="0"/>
+              <a:t>iot:Action</a:t>
+            </a:r>
+            <a:r>
+              <a:rPr lang="de-DE" dirty="0" smtClean="0"/>
+              <a:t>: </a:t>
+            </a:r>
+            <a:r>
+              <a:rPr lang="de-DE" dirty="0" err="1" smtClean="0"/>
+              <a:t>iot:CirculatePumpOn</a:t>
+            </a:r>
+            <a:r>
+              <a:rPr lang="de-DE" dirty="0" smtClean="0"/>
+              <a:t>, </a:t>
+            </a:r>
+            <a:r>
+              <a:rPr lang="de-DE" dirty="0" err="1" smtClean="0"/>
+              <a:t>iot:CirculatePumpOff</a:t>
+            </a:r>
+            <a:r>
+              <a:rPr lang="de-DE" dirty="0" smtClean="0"/>
+              <a:t> (</a:t>
+            </a:r>
+            <a:r>
+              <a:rPr lang="de-DE" dirty="0" err="1" smtClean="0">
+                <a:solidFill>
+                  <a:schemeClr val="accent6">
+                    <a:lumMod val="75000"/>
+                  </a:schemeClr>
+                </a:solidFill>
+              </a:rPr>
+              <a:t>circ</a:t>
+            </a:r>
+            <a:r>
+              <a:rPr lang="de-DE" dirty="0" smtClean="0">
+                <a:solidFill>
+                  <a:schemeClr val="accent6">
+                    <a:lumMod val="75000"/>
+                  </a:schemeClr>
+                </a:solidFill>
+              </a:rPr>
+              <a:t> pump </a:t>
+            </a:r>
+            <a:r>
+              <a:rPr lang="de-DE" dirty="0" err="1" smtClean="0">
+                <a:solidFill>
+                  <a:schemeClr val="accent6">
+                    <a:lumMod val="75000"/>
+                  </a:schemeClr>
+                </a:solidFill>
+              </a:rPr>
+              <a:t>cmd</a:t>
+            </a:r>
+            <a:r>
+              <a:rPr lang="de-DE" dirty="0" smtClean="0"/>
+              <a:t>)</a:t>
+            </a:r>
+          </a:p>
+          <a:p>
+            <a:pPr lvl="1"/>
+            <a:r>
+              <a:rPr lang="de-DE" dirty="0" err="1" smtClean="0"/>
+              <a:t>iot:Property</a:t>
+            </a:r>
+            <a:r>
+              <a:rPr lang="de-DE" dirty="0" smtClean="0"/>
+              <a:t>: </a:t>
+            </a:r>
+            <a:r>
+              <a:rPr lang="de-DE" dirty="0" err="1" smtClean="0"/>
+              <a:t>iot:CirculatePumpStatus</a:t>
+            </a:r>
+            <a:r>
+              <a:rPr lang="de-DE" dirty="0" smtClean="0"/>
+              <a:t> (</a:t>
+            </a:r>
+            <a:r>
+              <a:rPr lang="de-DE" dirty="0" err="1" smtClean="0">
+                <a:solidFill>
+                  <a:schemeClr val="accent6">
+                    <a:lumMod val="75000"/>
+                  </a:schemeClr>
+                </a:solidFill>
+              </a:rPr>
+              <a:t>circ</a:t>
+            </a:r>
+            <a:r>
+              <a:rPr lang="de-DE" dirty="0" smtClean="0">
+                <a:solidFill>
+                  <a:schemeClr val="accent6">
+                    <a:lumMod val="75000"/>
+                  </a:schemeClr>
+                </a:solidFill>
+              </a:rPr>
+              <a:t> pump </a:t>
+            </a:r>
+            <a:r>
+              <a:rPr lang="de-DE" dirty="0" err="1" smtClean="0">
+                <a:solidFill>
+                  <a:schemeClr val="accent6">
+                    <a:lumMod val="75000"/>
+                  </a:schemeClr>
+                </a:solidFill>
+              </a:rPr>
+              <a:t>sensor</a:t>
+            </a:r>
+            <a:r>
+              <a:rPr lang="de-DE" dirty="0" smtClean="0"/>
+              <a:t>)</a:t>
+            </a:r>
+          </a:p>
+          <a:p>
+            <a:pPr lvl="1"/>
+            <a:r>
+              <a:rPr lang="de-DE" dirty="0" err="1" smtClean="0"/>
+              <a:t>iot:Action</a:t>
+            </a:r>
+            <a:r>
+              <a:rPr lang="de-DE" dirty="0" smtClean="0"/>
+              <a:t>: </a:t>
+            </a:r>
+            <a:r>
+              <a:rPr lang="de-DE" dirty="0" err="1" smtClean="0"/>
+              <a:t>iot:CondensatePumpOn</a:t>
+            </a:r>
+            <a:r>
+              <a:rPr lang="de-DE" dirty="0" smtClean="0"/>
+              <a:t>, </a:t>
+            </a:r>
+            <a:r>
+              <a:rPr lang="de-DE" dirty="0" err="1" smtClean="0"/>
+              <a:t>iot:CondensatePumpOff</a:t>
+            </a:r>
+            <a:r>
+              <a:rPr lang="de-DE" dirty="0" smtClean="0"/>
+              <a:t> (</a:t>
+            </a:r>
+            <a:r>
+              <a:rPr lang="de-DE" dirty="0" err="1" smtClean="0">
+                <a:solidFill>
+                  <a:schemeClr val="accent6">
+                    <a:lumMod val="75000"/>
+                  </a:schemeClr>
+                </a:solidFill>
+              </a:rPr>
+              <a:t>condensate</a:t>
+            </a:r>
+            <a:r>
+              <a:rPr lang="de-DE" dirty="0" smtClean="0">
+                <a:solidFill>
+                  <a:schemeClr val="accent6">
+                    <a:lumMod val="75000"/>
+                  </a:schemeClr>
+                </a:solidFill>
+              </a:rPr>
+              <a:t> pump </a:t>
+            </a:r>
+            <a:r>
+              <a:rPr lang="de-DE" dirty="0" err="1" smtClean="0">
+                <a:solidFill>
+                  <a:schemeClr val="accent6">
+                    <a:lumMod val="75000"/>
+                  </a:schemeClr>
+                </a:solidFill>
+              </a:rPr>
+              <a:t>cmd</a:t>
+            </a:r>
+            <a:r>
+              <a:rPr lang="de-DE" dirty="0" smtClean="0"/>
+              <a:t>)</a:t>
+            </a:r>
+          </a:p>
+          <a:p>
+            <a:pPr lvl="1"/>
+            <a:r>
+              <a:rPr lang="de-DE" dirty="0" err="1" smtClean="0"/>
+              <a:t>iot:Property</a:t>
+            </a:r>
+            <a:r>
+              <a:rPr lang="de-DE" dirty="0" smtClean="0"/>
+              <a:t>: </a:t>
+            </a:r>
+            <a:r>
+              <a:rPr lang="de-DE" dirty="0" err="1" smtClean="0"/>
+              <a:t>iot:CondensatePumpStatus</a:t>
+            </a:r>
+            <a:r>
+              <a:rPr lang="de-DE" dirty="0" smtClean="0"/>
+              <a:t> (</a:t>
+            </a:r>
+            <a:r>
+              <a:rPr lang="de-DE" dirty="0" err="1" smtClean="0">
+                <a:solidFill>
+                  <a:schemeClr val="accent6">
+                    <a:lumMod val="75000"/>
+                  </a:schemeClr>
+                </a:solidFill>
+              </a:rPr>
+              <a:t>condensate</a:t>
+            </a:r>
+            <a:r>
+              <a:rPr lang="de-DE" dirty="0" smtClean="0">
+                <a:solidFill>
+                  <a:schemeClr val="accent6">
+                    <a:lumMod val="75000"/>
+                  </a:schemeClr>
+                </a:solidFill>
+              </a:rPr>
+              <a:t> pump </a:t>
+            </a:r>
+            <a:r>
+              <a:rPr lang="de-DE" dirty="0" err="1" smtClean="0">
+                <a:solidFill>
+                  <a:schemeClr val="accent6">
+                    <a:lumMod val="75000"/>
+                  </a:schemeClr>
+                </a:solidFill>
+              </a:rPr>
+              <a:t>sensor</a:t>
+            </a:r>
+            <a:r>
+              <a:rPr lang="de-DE" dirty="0" smtClean="0"/>
+              <a:t>)</a:t>
+            </a:r>
+          </a:p>
+          <a:p>
+            <a:pPr lvl="1">
+              <a:buNone/>
+            </a:pPr>
+            <a:endParaRPr lang="de-DE" dirty="0" smtClean="0"/>
+          </a:p>
+          <a:p>
+            <a:r>
+              <a:rPr lang="de-DE" dirty="0" err="1" smtClean="0"/>
+              <a:t>What</a:t>
+            </a:r>
+            <a:r>
+              <a:rPr lang="de-DE" dirty="0" smtClean="0"/>
+              <a:t> </a:t>
+            </a:r>
+            <a:r>
+              <a:rPr lang="de-DE" dirty="0" err="1" smtClean="0"/>
+              <a:t>should</a:t>
+            </a:r>
+            <a:r>
+              <a:rPr lang="de-DE" dirty="0" smtClean="0"/>
+              <a:t> </a:t>
+            </a:r>
+            <a:r>
+              <a:rPr lang="de-DE" dirty="0" err="1" smtClean="0"/>
+              <a:t>be</a:t>
+            </a:r>
+            <a:r>
+              <a:rPr lang="de-DE" dirty="0" smtClean="0"/>
+              <a:t> </a:t>
+            </a:r>
+            <a:r>
+              <a:rPr lang="de-DE" dirty="0" err="1" smtClean="0"/>
+              <a:t>the</a:t>
+            </a:r>
+            <a:r>
+              <a:rPr lang="de-DE" dirty="0" smtClean="0"/>
+              <a:t> </a:t>
+            </a:r>
+            <a:r>
+              <a:rPr lang="de-DE" dirty="0" err="1" smtClean="0"/>
+              <a:t>result</a:t>
+            </a:r>
+            <a:r>
+              <a:rPr lang="de-DE" dirty="0" smtClean="0"/>
+              <a:t> of </a:t>
+            </a:r>
+            <a:r>
+              <a:rPr lang="de-DE" dirty="0" err="1" smtClean="0"/>
+              <a:t>mapping</a:t>
+            </a:r>
+            <a:r>
+              <a:rPr lang="de-DE" dirty="0" smtClean="0"/>
+              <a:t> </a:t>
+            </a:r>
+            <a:r>
+              <a:rPr lang="de-DE" dirty="0" err="1" smtClean="0"/>
+              <a:t>the</a:t>
+            </a:r>
+            <a:r>
+              <a:rPr lang="de-DE" dirty="0" smtClean="0"/>
+              <a:t> </a:t>
+            </a:r>
+            <a:r>
+              <a:rPr lang="de-DE" dirty="0" err="1" smtClean="0"/>
+              <a:t>Haystack</a:t>
+            </a:r>
+            <a:r>
+              <a:rPr lang="de-DE" dirty="0" smtClean="0"/>
+              <a:t> </a:t>
+            </a:r>
+            <a:r>
+              <a:rPr lang="de-DE" dirty="0" err="1" smtClean="0"/>
+              <a:t>vocabulary</a:t>
+            </a:r>
+            <a:r>
+              <a:rPr lang="de-DE" dirty="0" smtClean="0"/>
+              <a:t> </a:t>
+            </a:r>
+            <a:r>
+              <a:rPr lang="de-DE" dirty="0" err="1" smtClean="0"/>
+              <a:t>into</a:t>
+            </a:r>
+            <a:r>
+              <a:rPr lang="de-DE" dirty="0" smtClean="0"/>
+              <a:t> iot.schema.org?</a:t>
+            </a:r>
+          </a:p>
+          <a:p>
+            <a:pPr>
+              <a:buNone/>
+            </a:pPr>
+            <a:endParaRPr lang="de-DE" dirty="0"/>
           </a:p>
         </p:txBody>
       </p:sp>
     </p:spTree>
     <p:extLst>
       <p:ext uri="{BB962C8B-B14F-4D97-AF65-F5344CB8AC3E}">
-        <p14:creationId xmlns:p14="http://schemas.microsoft.com/office/powerpoint/2010/main" val="1258282975"/>
+        <p14:creationId xmlns:p14="http://schemas.microsoft.com/office/powerpoint/2010/main" val="1221729050"/>
+      </p:ext>
+    </p:extLst>
+  </p:cSld>
+  <p:clrMapOvr>
+    <a:masterClrMapping/>
+  </p:clrMapOvr>
+</p:sld>
+</file>
+
+<file path=ppt/slides/slide14.xml><?xml version="1.0" encoding="utf-8"?>
+<p:sld xmlns:a="http://schemas.openxmlformats.org/drawingml/2006/main" xmlns:r="http://schemas.openxmlformats.org/officeDocument/2006/relationships" xmlns:p="http://schemas.openxmlformats.org/presentationml/2006/main">
+  <p:cSld>
+    <p:spTree>
+      <p:nvGrpSpPr>
+        <p:cNvPr id="1" name=""/>
+        <p:cNvGrpSpPr/>
+        <p:nvPr/>
+      </p:nvGrpSpPr>
+      <p:grpSpPr>
+        <a:xfrm>
+          <a:off x="0" y="0"/>
+          <a:ext cx="0" cy="0"/>
+          <a:chOff x="0" y="0"/>
+          <a:chExt cx="0" cy="0"/>
+        </a:xfrm>
+      </p:grpSpPr>
+      <p:sp>
+        <p:nvSpPr>
+          <p:cNvPr id="2" name="Titel 1"/>
+          <p:cNvSpPr>
+            <a:spLocks noGrp="1"/>
+          </p:cNvSpPr>
+          <p:nvPr>
+            <p:ph type="ctrTitle"/>
+          </p:nvPr>
+        </p:nvSpPr>
+        <p:spPr/>
+        <p:txBody>
+          <a:bodyPr/>
+          <a:lstStyle/>
+          <a:p>
+            <a:r>
+              <a:rPr lang="en-US" smtClean="0"/>
+              <a:t>Thank You!</a:t>
+            </a:r>
+            <a:endParaRPr lang="en-US"/>
+          </a:p>
+        </p:txBody>
+      </p:sp>
+      <p:sp>
+        <p:nvSpPr>
+          <p:cNvPr id="3" name="Untertitel 2"/>
+          <p:cNvSpPr>
+            <a:spLocks noGrp="1"/>
+          </p:cNvSpPr>
+          <p:nvPr>
+            <p:ph type="subTitle" idx="1"/>
+          </p:nvPr>
+        </p:nvSpPr>
+        <p:spPr/>
+        <p:txBody>
+          <a:bodyPr/>
+          <a:lstStyle/>
+          <a:p>
+            <a:r>
+              <a:rPr lang="en-US" smtClean="0"/>
+              <a:t>Questions please…</a:t>
+            </a:r>
+            <a:endParaRPr lang="en-US"/>
+          </a:p>
+        </p:txBody>
+      </p:sp>
+    </p:spTree>
+    <p:extLst>
+      <p:ext uri="{BB962C8B-B14F-4D97-AF65-F5344CB8AC3E}">
+        <p14:creationId xmlns:p14="http://schemas.microsoft.com/office/powerpoint/2010/main" val="1508994383"/>
+      </p:ext>
+    </p:extLst>
+  </p:cSld>
+  <p:clrMapOvr>
+    <a:masterClrMapping/>
+  </p:clrMapOvr>
+  <p:timing>
+    <p:tnLst>
+      <p:par>
+        <p:cTn id="1" dur="indefinite" restart="never" nodeType="tmRoot"/>
+      </p:par>
+    </p:tnLst>
+  </p:timing>
+</p:sld>
+</file>
+
+<file path=ppt/slides/slide15.xml><?xml version="1.0" encoding="utf-8"?>
+<p:sld xmlns:a="http://schemas.openxmlformats.org/drawingml/2006/main" xmlns:r="http://schemas.openxmlformats.org/officeDocument/2006/relationships" xmlns:p="http://schemas.openxmlformats.org/presentationml/2006/main">
+  <p:cSld>
+    <p:spTree>
+      <p:nvGrpSpPr>
+        <p:cNvPr id="1" name=""/>
+        <p:cNvGrpSpPr/>
+        <p:nvPr/>
+      </p:nvGrpSpPr>
+      <p:grpSpPr>
+        <a:xfrm>
+          <a:off x="0" y="0"/>
+          <a:ext cx="0" cy="0"/>
+          <a:chOff x="0" y="0"/>
+          <a:chExt cx="0" cy="0"/>
+        </a:xfrm>
+      </p:grpSpPr>
+      <p:sp>
+        <p:nvSpPr>
+          <p:cNvPr id="2" name="Title 1"/>
+          <p:cNvSpPr>
+            <a:spLocks noGrp="1"/>
+          </p:cNvSpPr>
+          <p:nvPr>
+            <p:ph type="title"/>
+          </p:nvPr>
+        </p:nvSpPr>
+        <p:spPr/>
+        <p:txBody>
+          <a:bodyPr/>
+          <a:lstStyle/>
+          <a:p>
+            <a:r>
+              <a:rPr lang="en-US" dirty="0" smtClean="0"/>
+              <a:t>Documentation </a:t>
+            </a:r>
+            <a:r>
+              <a:rPr lang="en-US" dirty="0" err="1" smtClean="0"/>
+              <a:t>Workstream</a:t>
+            </a:r>
+            <a:endParaRPr lang="en-US" dirty="0"/>
+          </a:p>
+        </p:txBody>
+      </p:sp>
+      <p:sp>
+        <p:nvSpPr>
+          <p:cNvPr id="3" name="Content Placeholder 2"/>
+          <p:cNvSpPr>
+            <a:spLocks noGrp="1"/>
+          </p:cNvSpPr>
+          <p:nvPr>
+            <p:ph idx="1"/>
+          </p:nvPr>
+        </p:nvSpPr>
+        <p:spPr/>
+        <p:txBody>
+          <a:bodyPr/>
+          <a:lstStyle/>
+          <a:p>
+            <a:r>
+              <a:rPr lang="en-US" dirty="0" smtClean="0"/>
+              <a:t>Landing page</a:t>
+            </a:r>
+          </a:p>
+          <a:p>
+            <a:r>
+              <a:rPr lang="en-US" dirty="0" smtClean="0"/>
+              <a:t>One page summary</a:t>
+            </a:r>
+          </a:p>
+          <a:p>
+            <a:r>
+              <a:rPr lang="en-US" dirty="0" smtClean="0"/>
+              <a:t>White paper</a:t>
+            </a:r>
+          </a:p>
+          <a:p>
+            <a:r>
+              <a:rPr lang="en-US" dirty="0" smtClean="0"/>
+              <a:t>Slide deck</a:t>
+            </a:r>
+          </a:p>
+          <a:p>
+            <a:r>
+              <a:rPr lang="en-US" dirty="0" smtClean="0"/>
+              <a:t>User guide </a:t>
+            </a:r>
+          </a:p>
+          <a:p>
+            <a:r>
+              <a:rPr lang="en-US" dirty="0" smtClean="0"/>
+              <a:t>Developer guide</a:t>
+            </a:r>
+            <a:endParaRPr lang="en-US" dirty="0"/>
+          </a:p>
+        </p:txBody>
+      </p:sp>
+    </p:spTree>
+    <p:extLst>
+      <p:ext uri="{BB962C8B-B14F-4D97-AF65-F5344CB8AC3E}">
+        <p14:creationId xmlns:p14="http://schemas.microsoft.com/office/powerpoint/2010/main" val="1837432274"/>
+      </p:ext>
+    </p:extLst>
+  </p:cSld>
+  <p:clrMapOvr>
+    <a:masterClrMapping/>
+  </p:clrMapOvr>
+</p:sld>
+</file>
+
+<file path=ppt/slides/slide16.xml><?xml version="1.0" encoding="utf-8"?>
+<p:sld xmlns:a="http://schemas.openxmlformats.org/drawingml/2006/main" xmlns:r="http://schemas.openxmlformats.org/officeDocument/2006/relationships" xmlns:p="http://schemas.openxmlformats.org/presentationml/2006/main">
+  <p:cSld>
+    <p:spTree>
+      <p:nvGrpSpPr>
+        <p:cNvPr id="1" name=""/>
+        <p:cNvGrpSpPr/>
+        <p:nvPr/>
+      </p:nvGrpSpPr>
+      <p:grpSpPr>
+        <a:xfrm>
+          <a:off x="0" y="0"/>
+          <a:ext cx="0" cy="0"/>
+          <a:chOff x="0" y="0"/>
+          <a:chExt cx="0" cy="0"/>
+        </a:xfrm>
+      </p:grpSpPr>
+      <p:sp>
+        <p:nvSpPr>
+          <p:cNvPr id="2" name="Title 1"/>
+          <p:cNvSpPr>
+            <a:spLocks noGrp="1"/>
+          </p:cNvSpPr>
+          <p:nvPr>
+            <p:ph type="title"/>
+          </p:nvPr>
+        </p:nvSpPr>
+        <p:spPr/>
+        <p:txBody>
+          <a:bodyPr/>
+          <a:lstStyle/>
+          <a:p>
+            <a:r>
+              <a:rPr lang="en-US" dirty="0" smtClean="0"/>
+              <a:t>Landing Page (s)</a:t>
+            </a:r>
+            <a:endParaRPr lang="en-US" dirty="0"/>
+          </a:p>
+        </p:txBody>
+      </p:sp>
+      <p:sp>
+        <p:nvSpPr>
+          <p:cNvPr id="3" name="Content Placeholder 2"/>
+          <p:cNvSpPr>
+            <a:spLocks noGrp="1"/>
+          </p:cNvSpPr>
+          <p:nvPr>
+            <p:ph idx="1"/>
+          </p:nvPr>
+        </p:nvSpPr>
+        <p:spPr/>
+        <p:txBody>
+          <a:bodyPr/>
+          <a:lstStyle/>
+          <a:p>
+            <a:r>
+              <a:rPr lang="en-US" dirty="0" err="1" smtClean="0"/>
+              <a:t>iot.schema.org</a:t>
+            </a:r>
+            <a:r>
+              <a:rPr lang="en-US" dirty="0" smtClean="0"/>
+              <a:t> entry point</a:t>
+            </a:r>
+          </a:p>
+          <a:p>
+            <a:pPr lvl="1"/>
+            <a:r>
+              <a:rPr lang="en-US" dirty="0" smtClean="0"/>
+              <a:t>Browse the schemas</a:t>
+            </a:r>
+          </a:p>
+          <a:p>
+            <a:r>
+              <a:rPr lang="en-US" dirty="0" err="1" smtClean="0"/>
+              <a:t>github</a:t>
+            </a:r>
+            <a:r>
+              <a:rPr lang="en-US" dirty="0" smtClean="0"/>
+              <a:t> entry point</a:t>
+            </a:r>
+          </a:p>
+          <a:p>
+            <a:pPr lvl="1"/>
+            <a:r>
+              <a:rPr lang="en-US" dirty="0" smtClean="0"/>
+              <a:t>Focus on developers and users</a:t>
+            </a:r>
+          </a:p>
+          <a:p>
+            <a:pPr lvl="1"/>
+            <a:r>
+              <a:rPr lang="en-US" dirty="0" smtClean="0"/>
+              <a:t>Technical guidance and examples</a:t>
+            </a:r>
+          </a:p>
+          <a:p>
+            <a:pPr lvl="1"/>
+            <a:r>
+              <a:rPr lang="en-US" dirty="0" smtClean="0"/>
+              <a:t>Tools</a:t>
+            </a:r>
+          </a:p>
+          <a:p>
+            <a:r>
+              <a:rPr lang="en-US" dirty="0" smtClean="0"/>
+              <a:t>W3C Community Group entry point</a:t>
+            </a:r>
+          </a:p>
+          <a:p>
+            <a:pPr lvl="1"/>
+            <a:r>
+              <a:rPr lang="en-US" dirty="0" smtClean="0"/>
+              <a:t>Summary, informational, getting started</a:t>
+            </a:r>
+          </a:p>
+          <a:p>
+            <a:pPr lvl="1"/>
+            <a:r>
+              <a:rPr lang="en-US" dirty="0" smtClean="0"/>
+              <a:t>Focus on incubating new definitions</a:t>
+            </a:r>
+            <a:endParaRPr lang="en-US" dirty="0"/>
+          </a:p>
+        </p:txBody>
+      </p:sp>
+    </p:spTree>
+    <p:extLst>
+      <p:ext uri="{BB962C8B-B14F-4D97-AF65-F5344CB8AC3E}">
+        <p14:creationId xmlns:p14="http://schemas.microsoft.com/office/powerpoint/2010/main" val="665506004"/>
+      </p:ext>
+    </p:extLst>
+  </p:cSld>
+  <p:clrMapOvr>
+    <a:masterClrMapping/>
+  </p:clrMapOvr>
+</p:sld>
+</file>
+
+<file path=ppt/slides/slide17.xml><?xml version="1.0" encoding="utf-8"?>
+<p:sld xmlns:a="http://schemas.openxmlformats.org/drawingml/2006/main" xmlns:r="http://schemas.openxmlformats.org/officeDocument/2006/relationships" xmlns:p="http://schemas.openxmlformats.org/presentationml/2006/main">
+  <p:cSld>
+    <p:spTree>
+      <p:nvGrpSpPr>
+        <p:cNvPr id="1" name=""/>
+        <p:cNvGrpSpPr/>
+        <p:nvPr/>
+      </p:nvGrpSpPr>
+      <p:grpSpPr>
+        <a:xfrm>
+          <a:off x="0" y="0"/>
+          <a:ext cx="0" cy="0"/>
+          <a:chOff x="0" y="0"/>
+          <a:chExt cx="0" cy="0"/>
+        </a:xfrm>
+      </p:grpSpPr>
+      <p:sp>
+        <p:nvSpPr>
+          <p:cNvPr id="2" name="Title 1"/>
+          <p:cNvSpPr>
+            <a:spLocks noGrp="1"/>
+          </p:cNvSpPr>
+          <p:nvPr>
+            <p:ph type="title"/>
+          </p:nvPr>
+        </p:nvSpPr>
+        <p:spPr/>
+        <p:txBody>
+          <a:bodyPr/>
+          <a:lstStyle/>
+          <a:p>
+            <a:r>
+              <a:rPr lang="en-US" dirty="0" smtClean="0"/>
+              <a:t>One Pager</a:t>
+            </a:r>
+            <a:endParaRPr lang="en-US" dirty="0"/>
+          </a:p>
+        </p:txBody>
+      </p:sp>
+      <p:sp>
+        <p:nvSpPr>
+          <p:cNvPr id="3" name="Content Placeholder 2"/>
+          <p:cNvSpPr>
+            <a:spLocks noGrp="1"/>
+          </p:cNvSpPr>
+          <p:nvPr>
+            <p:ph idx="1"/>
+          </p:nvPr>
+        </p:nvSpPr>
+        <p:spPr/>
+        <p:txBody>
+          <a:bodyPr/>
+          <a:lstStyle/>
+          <a:p>
+            <a:r>
+              <a:rPr lang="en-US" dirty="0" smtClean="0"/>
+              <a:t>What, why, how, and getting involved on a single page</a:t>
+            </a:r>
+          </a:p>
+          <a:p>
+            <a:r>
+              <a:rPr lang="en-US" dirty="0" smtClean="0"/>
+              <a:t>Some technical detail to explain what part of the solution this is and what technology is being used</a:t>
+            </a:r>
+          </a:p>
+          <a:p>
+            <a:r>
+              <a:rPr lang="en-US" dirty="0" smtClean="0"/>
+              <a:t>Same information on the W3C Community page</a:t>
+            </a:r>
+            <a:endParaRPr lang="en-US" dirty="0"/>
+          </a:p>
+        </p:txBody>
+      </p:sp>
+    </p:spTree>
+    <p:extLst>
+      <p:ext uri="{BB962C8B-B14F-4D97-AF65-F5344CB8AC3E}">
+        <p14:creationId xmlns:p14="http://schemas.microsoft.com/office/powerpoint/2010/main" val="2115880194"/>
+      </p:ext>
+    </p:extLst>
+  </p:cSld>
+  <p:clrMapOvr>
+    <a:masterClrMapping/>
+  </p:clrMapOvr>
+</p:sld>
+</file>
+
+<file path=ppt/slides/slide18.xml><?xml version="1.0" encoding="utf-8"?>
+<p:sld xmlns:a="http://schemas.openxmlformats.org/drawingml/2006/main" xmlns:r="http://schemas.openxmlformats.org/officeDocument/2006/relationships" xmlns:p="http://schemas.openxmlformats.org/presentationml/2006/main">
+  <p:cSld>
+    <p:spTree>
+      <p:nvGrpSpPr>
+        <p:cNvPr id="1" name=""/>
+        <p:cNvGrpSpPr/>
+        <p:nvPr/>
+      </p:nvGrpSpPr>
+      <p:grpSpPr>
+        <a:xfrm>
+          <a:off x="0" y="0"/>
+          <a:ext cx="0" cy="0"/>
+          <a:chOff x="0" y="0"/>
+          <a:chExt cx="0" cy="0"/>
+        </a:xfrm>
+      </p:grpSpPr>
+      <p:sp>
+        <p:nvSpPr>
+          <p:cNvPr id="2" name="Title 1"/>
+          <p:cNvSpPr>
+            <a:spLocks noGrp="1"/>
+          </p:cNvSpPr>
+          <p:nvPr>
+            <p:ph type="title"/>
+          </p:nvPr>
+        </p:nvSpPr>
+        <p:spPr/>
+        <p:txBody>
+          <a:bodyPr/>
+          <a:lstStyle/>
+          <a:p>
+            <a:r>
+              <a:rPr lang="en-US" dirty="0" smtClean="0"/>
+              <a:t>White Paper</a:t>
+            </a:r>
+            <a:endParaRPr lang="en-US" dirty="0"/>
+          </a:p>
+        </p:txBody>
+      </p:sp>
+      <p:sp>
+        <p:nvSpPr>
+          <p:cNvPr id="3" name="Content Placeholder 2"/>
+          <p:cNvSpPr>
+            <a:spLocks noGrp="1"/>
+          </p:cNvSpPr>
+          <p:nvPr>
+            <p:ph idx="1"/>
+          </p:nvPr>
+        </p:nvSpPr>
+        <p:spPr/>
+        <p:txBody>
+          <a:bodyPr/>
+          <a:lstStyle/>
+          <a:p>
+            <a:r>
+              <a:rPr lang="en-US" dirty="0" smtClean="0"/>
+              <a:t>Describes </a:t>
+            </a:r>
+            <a:r>
+              <a:rPr lang="en-US" dirty="0" err="1" smtClean="0"/>
+              <a:t>iot.schema.org</a:t>
+            </a:r>
+            <a:r>
+              <a:rPr lang="en-US" dirty="0" smtClean="0"/>
+              <a:t> in a conference style and format</a:t>
+            </a:r>
+          </a:p>
+          <a:p>
+            <a:r>
+              <a:rPr lang="en-US" dirty="0" smtClean="0"/>
+              <a:t>Broad analysis of other approaches and formats</a:t>
+            </a:r>
+          </a:p>
+          <a:p>
+            <a:r>
+              <a:rPr lang="en-US" dirty="0" smtClean="0"/>
+              <a:t>References for research </a:t>
+            </a:r>
+          </a:p>
+          <a:p>
+            <a:endParaRPr lang="en-US" dirty="0"/>
+          </a:p>
+        </p:txBody>
+      </p:sp>
+    </p:spTree>
+    <p:extLst>
+      <p:ext uri="{BB962C8B-B14F-4D97-AF65-F5344CB8AC3E}">
+        <p14:creationId xmlns:p14="http://schemas.microsoft.com/office/powerpoint/2010/main" val="1003335686"/>
+      </p:ext>
+    </p:extLst>
+  </p:cSld>
+  <p:clrMapOvr>
+    <a:masterClrMapping/>
+  </p:clrMapOvr>
+</p:sld>
+</file>
+
+<file path=ppt/slides/slide19.xml><?xml version="1.0" encoding="utf-8"?>
+<p:sld xmlns:a="http://schemas.openxmlformats.org/drawingml/2006/main" xmlns:r="http://schemas.openxmlformats.org/officeDocument/2006/relationships" xmlns:p="http://schemas.openxmlformats.org/presentationml/2006/main">
+  <p:cSld>
+    <p:spTree>
+      <p:nvGrpSpPr>
+        <p:cNvPr id="1" name=""/>
+        <p:cNvGrpSpPr/>
+        <p:nvPr/>
+      </p:nvGrpSpPr>
+      <p:grpSpPr>
+        <a:xfrm>
+          <a:off x="0" y="0"/>
+          <a:ext cx="0" cy="0"/>
+          <a:chOff x="0" y="0"/>
+          <a:chExt cx="0" cy="0"/>
+        </a:xfrm>
+      </p:grpSpPr>
+      <p:sp>
+        <p:nvSpPr>
+          <p:cNvPr id="2" name="Title 1"/>
+          <p:cNvSpPr>
+            <a:spLocks noGrp="1"/>
+          </p:cNvSpPr>
+          <p:nvPr>
+            <p:ph type="title"/>
+          </p:nvPr>
+        </p:nvSpPr>
+        <p:spPr/>
+        <p:txBody>
+          <a:bodyPr/>
+          <a:lstStyle/>
+          <a:p>
+            <a:r>
+              <a:rPr lang="en-US" dirty="0" smtClean="0"/>
+              <a:t>Slide Deck</a:t>
+            </a:r>
+            <a:endParaRPr lang="en-US" dirty="0"/>
+          </a:p>
+        </p:txBody>
+      </p:sp>
+      <p:sp>
+        <p:nvSpPr>
+          <p:cNvPr id="3" name="Content Placeholder 2"/>
+          <p:cNvSpPr>
+            <a:spLocks noGrp="1"/>
+          </p:cNvSpPr>
+          <p:nvPr>
+            <p:ph idx="1"/>
+          </p:nvPr>
+        </p:nvSpPr>
+        <p:spPr/>
+        <p:txBody>
+          <a:bodyPr/>
+          <a:lstStyle/>
+          <a:p>
+            <a:r>
+              <a:rPr lang="en-US" dirty="0" smtClean="0"/>
+              <a:t>Explains </a:t>
+            </a:r>
+            <a:r>
+              <a:rPr lang="en-US" dirty="0" err="1" smtClean="0"/>
+              <a:t>iot.schema.org</a:t>
+            </a:r>
+            <a:r>
+              <a:rPr lang="en-US" dirty="0" smtClean="0"/>
+              <a:t> </a:t>
+            </a:r>
+          </a:p>
+          <a:p>
+            <a:r>
+              <a:rPr lang="en-US" dirty="0" smtClean="0"/>
+              <a:t>Comprehensive</a:t>
+            </a:r>
+          </a:p>
+          <a:p>
+            <a:r>
+              <a:rPr lang="en-US" dirty="0"/>
+              <a:t>A</a:t>
+            </a:r>
+            <a:r>
+              <a:rPr lang="en-US" dirty="0" smtClean="0"/>
+              <a:t>vailable as source material for anyone to include</a:t>
+            </a:r>
+          </a:p>
+          <a:p>
+            <a:r>
+              <a:rPr lang="en-US" dirty="0" smtClean="0"/>
+              <a:t>10 minute version for outreach </a:t>
+            </a:r>
+            <a:endParaRPr lang="en-US" dirty="0"/>
+          </a:p>
+        </p:txBody>
+      </p:sp>
+    </p:spTree>
+    <p:extLst>
+      <p:ext uri="{BB962C8B-B14F-4D97-AF65-F5344CB8AC3E}">
+        <p14:creationId xmlns:p14="http://schemas.microsoft.com/office/powerpoint/2010/main" val="1567271012"/>
       </p:ext>
     </p:extLst>
   </p:cSld>
@@ -3478,18 +5602,11 @@
           <a:p>
             <a:r>
               <a:rPr lang="en-US" dirty="0" smtClean="0"/>
-              <a:t>Documentation </a:t>
-            </a:r>
-            <a:r>
-              <a:rPr lang="en-US" dirty="0" err="1" smtClean="0"/>
-              <a:t>Workstream</a:t>
-            </a:r>
-            <a:endParaRPr lang="en-US" dirty="0" smtClean="0"/>
-          </a:p>
-          <a:p>
+              <a:t>Updated </a:t>
+            </a:r>
             <a:r>
               <a:rPr lang="en-US" dirty="0" smtClean="0"/>
-              <a:t>Updated meta model/ontology with </a:t>
+              <a:t>meta model/ontology with </a:t>
             </a:r>
             <a:r>
               <a:rPr lang="en-US" dirty="0" err="1" smtClean="0"/>
@@ -3510,8 +5627,23 @@
           </a:p>
           <a:p>
             <a:r>
+              <a:rPr lang="en-US" dirty="0"/>
+              <a:t>Documentation </a:t>
+            </a:r>
+            <a:r>
+              <a:rPr lang="en-US" dirty="0" err="1"/>
+              <a:t>Workstream</a:t>
+            </a:r>
+            <a:endParaRPr lang="en-US" dirty="0"/>
+          </a:p>
+          <a:p>
+            <a:r>
               <a:rPr lang="en-US" dirty="0" smtClean="0"/>
-              <a:t>Organizational updates</a:t>
+              <a:t>Organizational </a:t>
+            </a:r>
+            <a:r>
+              <a:rPr lang="en-US" dirty="0" smtClean="0"/>
+              <a:t>updates</a:t>
             </a:r>
           </a:p>
           <a:p>
@@ -3532,6 +5664,484 @@
     <p:extLst>
       <p:ext uri="{BB962C8B-B14F-4D97-AF65-F5344CB8AC3E}">
         <p14:creationId xmlns:p14="http://schemas.microsoft.com/office/powerpoint/2010/main" val="2020261940"/>
+      </p:ext>
+    </p:extLst>
+  </p:cSld>
+  <p:clrMapOvr>
+    <a:masterClrMapping/>
+  </p:clrMapOvr>
+</p:sld>
+</file>
+
+<file path=ppt/slides/slide20.xml><?xml version="1.0" encoding="utf-8"?>
+<p:sld xmlns:a="http://schemas.openxmlformats.org/drawingml/2006/main" xmlns:r="http://schemas.openxmlformats.org/officeDocument/2006/relationships" xmlns:p="http://schemas.openxmlformats.org/presentationml/2006/main">
+  <p:cSld>
+    <p:spTree>
+      <p:nvGrpSpPr>
+        <p:cNvPr id="1" name=""/>
+        <p:cNvGrpSpPr/>
+        <p:nvPr/>
+      </p:nvGrpSpPr>
+      <p:grpSpPr>
+        <a:xfrm>
+          <a:off x="0" y="0"/>
+          <a:ext cx="0" cy="0"/>
+          <a:chOff x="0" y="0"/>
+          <a:chExt cx="0" cy="0"/>
+        </a:xfrm>
+      </p:grpSpPr>
+      <p:sp>
+        <p:nvSpPr>
+          <p:cNvPr id="2" name="Title 1"/>
+          <p:cNvSpPr>
+            <a:spLocks noGrp="1"/>
+          </p:cNvSpPr>
+          <p:nvPr>
+            <p:ph type="title"/>
+          </p:nvPr>
+        </p:nvSpPr>
+        <p:spPr/>
+        <p:txBody>
+          <a:bodyPr/>
+          <a:lstStyle/>
+          <a:p>
+            <a:r>
+              <a:rPr lang="en-US" dirty="0" smtClean="0"/>
+              <a:t>User Guide </a:t>
+            </a:r>
+            <a:endParaRPr lang="en-US" dirty="0"/>
+          </a:p>
+        </p:txBody>
+      </p:sp>
+      <p:sp>
+        <p:nvSpPr>
+          <p:cNvPr id="3" name="Content Placeholder 2"/>
+          <p:cNvSpPr>
+            <a:spLocks noGrp="1"/>
+          </p:cNvSpPr>
+          <p:nvPr>
+            <p:ph idx="1"/>
+          </p:nvPr>
+        </p:nvSpPr>
+        <p:spPr/>
+        <p:txBody>
+          <a:bodyPr/>
+          <a:lstStyle/>
+          <a:p>
+            <a:r>
+              <a:rPr lang="en-US" dirty="0" smtClean="0"/>
+              <a:t>How to use </a:t>
+            </a:r>
+            <a:r>
+              <a:rPr lang="en-US" dirty="0" err="1" smtClean="0"/>
+              <a:t>iot.schema.org</a:t>
+            </a:r>
+            <a:r>
+              <a:rPr lang="en-US" dirty="0" smtClean="0"/>
+              <a:t> definitions in systems</a:t>
+            </a:r>
+          </a:p>
+          <a:p>
+            <a:r>
+              <a:rPr lang="en-US" dirty="0" smtClean="0"/>
+              <a:t>Semantic annotation and categories</a:t>
+            </a:r>
+          </a:p>
+          <a:p>
+            <a:r>
+              <a:rPr lang="en-US" dirty="0" smtClean="0"/>
+              <a:t>Annotation examples in TD, other formats</a:t>
+            </a:r>
+          </a:p>
+          <a:p>
+            <a:r>
+              <a:rPr lang="en-US" dirty="0"/>
+              <a:t>Discovery and </a:t>
+            </a:r>
+            <a:r>
+              <a:rPr lang="en-US" dirty="0" smtClean="0"/>
+              <a:t>filtering</a:t>
+            </a:r>
+          </a:p>
+          <a:p>
+            <a:r>
+              <a:rPr lang="en-US" dirty="0" smtClean="0"/>
+              <a:t>Feature of Interest annotation </a:t>
+            </a:r>
+            <a:endParaRPr lang="en-US" dirty="0"/>
+          </a:p>
+          <a:p>
+            <a:endParaRPr lang="en-US" dirty="0" smtClean="0"/>
+          </a:p>
+        </p:txBody>
+      </p:sp>
+    </p:spTree>
+    <p:extLst>
+      <p:ext uri="{BB962C8B-B14F-4D97-AF65-F5344CB8AC3E}">
+        <p14:creationId xmlns:p14="http://schemas.microsoft.com/office/powerpoint/2010/main" val="279690758"/>
+      </p:ext>
+    </p:extLst>
+  </p:cSld>
+  <p:clrMapOvr>
+    <a:masterClrMapping/>
+  </p:clrMapOvr>
+</p:sld>
+</file>
+
+<file path=ppt/slides/slide21.xml><?xml version="1.0" encoding="utf-8"?>
+<p:sld xmlns:a="http://schemas.openxmlformats.org/drawingml/2006/main" xmlns:r="http://schemas.openxmlformats.org/officeDocument/2006/relationships" xmlns:p="http://schemas.openxmlformats.org/presentationml/2006/main">
+  <p:cSld>
+    <p:spTree>
+      <p:nvGrpSpPr>
+        <p:cNvPr id="1" name=""/>
+        <p:cNvGrpSpPr/>
+        <p:nvPr/>
+      </p:nvGrpSpPr>
+      <p:grpSpPr>
+        <a:xfrm>
+          <a:off x="0" y="0"/>
+          <a:ext cx="0" cy="0"/>
+          <a:chOff x="0" y="0"/>
+          <a:chExt cx="0" cy="0"/>
+        </a:xfrm>
+      </p:grpSpPr>
+      <p:sp>
+        <p:nvSpPr>
+          <p:cNvPr id="2" name="Title 1"/>
+          <p:cNvSpPr>
+            <a:spLocks noGrp="1"/>
+          </p:cNvSpPr>
+          <p:nvPr>
+            <p:ph type="title"/>
+          </p:nvPr>
+        </p:nvSpPr>
+        <p:spPr/>
+        <p:txBody>
+          <a:bodyPr/>
+          <a:lstStyle/>
+          <a:p>
+            <a:r>
+              <a:rPr lang="en-US" dirty="0" smtClean="0"/>
+              <a:t>Developer Guide</a:t>
+            </a:r>
+            <a:endParaRPr lang="en-US" dirty="0"/>
+          </a:p>
+        </p:txBody>
+      </p:sp>
+      <p:sp>
+        <p:nvSpPr>
+          <p:cNvPr id="3" name="Content Placeholder 2"/>
+          <p:cNvSpPr>
+            <a:spLocks noGrp="1"/>
+          </p:cNvSpPr>
+          <p:nvPr>
+            <p:ph idx="1"/>
+          </p:nvPr>
+        </p:nvSpPr>
+        <p:spPr/>
+        <p:txBody>
+          <a:bodyPr/>
+          <a:lstStyle/>
+          <a:p>
+            <a:r>
+              <a:rPr lang="en-US" dirty="0" smtClean="0"/>
+              <a:t>How to create and contribute </a:t>
+            </a:r>
+            <a:r>
+              <a:rPr lang="en-US" dirty="0" err="1" smtClean="0"/>
+              <a:t>iot.schema.org</a:t>
+            </a:r>
+            <a:r>
+              <a:rPr lang="en-US" dirty="0" smtClean="0"/>
+              <a:t> definitions</a:t>
+            </a:r>
+          </a:p>
+          <a:p>
+            <a:r>
+              <a:rPr lang="en-US" dirty="0" smtClean="0"/>
+              <a:t>Best practices for definitions</a:t>
+            </a:r>
+          </a:p>
+        </p:txBody>
+      </p:sp>
+    </p:spTree>
+    <p:extLst>
+      <p:ext uri="{BB962C8B-B14F-4D97-AF65-F5344CB8AC3E}">
+        <p14:creationId xmlns:p14="http://schemas.microsoft.com/office/powerpoint/2010/main" val="1706777517"/>
+      </p:ext>
+    </p:extLst>
+  </p:cSld>
+  <p:clrMapOvr>
+    <a:masterClrMapping/>
+  </p:clrMapOvr>
+</p:sld>
+</file>
+
+<file path=ppt/slides/slide22.xml><?xml version="1.0" encoding="utf-8"?>
+<p:sld xmlns:a="http://schemas.openxmlformats.org/drawingml/2006/main" xmlns:r="http://schemas.openxmlformats.org/officeDocument/2006/relationships" xmlns:p="http://schemas.openxmlformats.org/presentationml/2006/main">
+  <p:cSld>
+    <p:spTree>
+      <p:nvGrpSpPr>
+        <p:cNvPr id="1" name=""/>
+        <p:cNvGrpSpPr/>
+        <p:nvPr/>
+      </p:nvGrpSpPr>
+      <p:grpSpPr>
+        <a:xfrm>
+          <a:off x="0" y="0"/>
+          <a:ext cx="0" cy="0"/>
+          <a:chOff x="0" y="0"/>
+          <a:chExt cx="0" cy="0"/>
+        </a:xfrm>
+      </p:grpSpPr>
+      <p:sp>
+        <p:nvSpPr>
+          <p:cNvPr id="2" name="Title 1"/>
+          <p:cNvSpPr>
+            <a:spLocks noGrp="1"/>
+          </p:cNvSpPr>
+          <p:nvPr>
+            <p:ph type="title"/>
+          </p:nvPr>
+        </p:nvSpPr>
+        <p:spPr>
+          <a:xfrm>
+            <a:off x="628650" y="157161"/>
+            <a:ext cx="7886700" cy="1325563"/>
+          </a:xfrm>
+        </p:spPr>
+        <p:txBody>
+          <a:bodyPr/>
+          <a:lstStyle/>
+          <a:p>
+            <a:r>
+              <a:rPr lang="en-US" dirty="0" smtClean="0"/>
+              <a:t>Organizational update</a:t>
+            </a:r>
+            <a:endParaRPr lang="en-US" dirty="0"/>
+          </a:p>
+        </p:txBody>
+      </p:sp>
+      <p:sp>
+        <p:nvSpPr>
+          <p:cNvPr id="3" name="Content Placeholder 2"/>
+          <p:cNvSpPr>
+            <a:spLocks noGrp="1"/>
+          </p:cNvSpPr>
+          <p:nvPr>
+            <p:ph idx="1"/>
+          </p:nvPr>
+        </p:nvSpPr>
+        <p:spPr>
+          <a:xfrm>
+            <a:off x="628650" y="1358033"/>
+            <a:ext cx="7886700" cy="4762211"/>
+          </a:xfrm>
+        </p:spPr>
+        <p:txBody>
+          <a:bodyPr/>
+          <a:lstStyle/>
+          <a:p>
+            <a:r>
+              <a:rPr lang="en-US" dirty="0" smtClean="0"/>
+              <a:t>Resources</a:t>
+            </a:r>
+          </a:p>
+          <a:p>
+            <a:pPr lvl="1"/>
+            <a:r>
+              <a:rPr lang="en-US" dirty="0" smtClean="0"/>
+              <a:t>Shared Google Document </a:t>
+            </a:r>
+            <a:r>
+              <a:rPr lang="mr-IN" dirty="0" smtClean="0"/>
+              <a:t>–</a:t>
+            </a:r>
+            <a:r>
+              <a:rPr lang="en-US" dirty="0" smtClean="0"/>
+              <a:t> historical, rolling agenda</a:t>
+            </a:r>
+          </a:p>
+          <a:p>
+            <a:pPr lvl="1"/>
+            <a:r>
+              <a:rPr lang="en-US" dirty="0" smtClean="0"/>
+              <a:t>Google Discussion Group </a:t>
+            </a:r>
+            <a:r>
+              <a:rPr lang="mr-IN" dirty="0" smtClean="0"/>
+              <a:t>–</a:t>
+            </a:r>
+            <a:r>
+              <a:rPr lang="en-US" dirty="0" smtClean="0"/>
+              <a:t> broad issues</a:t>
+            </a:r>
+          </a:p>
+          <a:p>
+            <a:pPr lvl="1"/>
+            <a:r>
+              <a:rPr lang="en-US" dirty="0" err="1" smtClean="0"/>
+              <a:t>Github</a:t>
+            </a:r>
+            <a:r>
+              <a:rPr lang="en-US" dirty="0" smtClean="0"/>
+              <a:t> organization </a:t>
+            </a:r>
+            <a:r>
+              <a:rPr lang="mr-IN" dirty="0" smtClean="0"/>
+              <a:t>–</a:t>
+            </a:r>
+            <a:r>
+              <a:rPr lang="en-US" dirty="0" smtClean="0"/>
+              <a:t> issues and discussion</a:t>
+            </a:r>
+            <a:endParaRPr lang="en-US" dirty="0"/>
+          </a:p>
+          <a:p>
+            <a:r>
+              <a:rPr lang="en-US" dirty="0" smtClean="0"/>
+              <a:t>W3C Community Group</a:t>
+            </a:r>
+          </a:p>
+          <a:p>
+            <a:pPr lvl="1"/>
+            <a:r>
+              <a:rPr lang="en-US" dirty="0" smtClean="0"/>
+              <a:t>A venue for incubation and contribution of new definitions</a:t>
+            </a:r>
+          </a:p>
+          <a:p>
+            <a:pPr lvl="1"/>
+            <a:r>
+              <a:rPr lang="en-US" dirty="0" smtClean="0"/>
+              <a:t>New application domains </a:t>
+            </a:r>
+            <a:r>
+              <a:rPr lang="mr-IN" dirty="0" smtClean="0"/>
+              <a:t>–</a:t>
+            </a:r>
+            <a:r>
+              <a:rPr lang="en-US" dirty="0" smtClean="0"/>
+              <a:t> eventually may split off</a:t>
+            </a:r>
+          </a:p>
+          <a:p>
+            <a:pPr lvl="1"/>
+            <a:r>
+              <a:rPr lang="en-US" dirty="0" smtClean="0"/>
+              <a:t>Framework to apply a contributor </a:t>
+            </a:r>
+            <a:r>
+              <a:rPr lang="en-US" dirty="0"/>
+              <a:t>IPR </a:t>
+            </a:r>
+            <a:r>
+              <a:rPr lang="en-US" dirty="0" smtClean="0"/>
+              <a:t>policy to CG members</a:t>
+            </a:r>
+          </a:p>
+          <a:p>
+            <a:pPr lvl="1"/>
+            <a:r>
+              <a:rPr lang="en-US" dirty="0" smtClean="0"/>
+              <a:t>Also can accept contributions from </a:t>
+            </a:r>
+            <a:r>
+              <a:rPr lang="en-US" dirty="0" err="1" smtClean="0"/>
+              <a:t>schema.org</a:t>
+            </a:r>
+            <a:r>
+              <a:rPr lang="en-US" dirty="0" smtClean="0"/>
+              <a:t> members under the </a:t>
+            </a:r>
+            <a:r>
+              <a:rPr lang="en-US" dirty="0" err="1" smtClean="0"/>
+              <a:t>schema.org</a:t>
+            </a:r>
+            <a:r>
+              <a:rPr lang="en-US" dirty="0" smtClean="0"/>
+              <a:t> IPR policy</a:t>
+            </a:r>
+            <a:endParaRPr lang="en-US" dirty="0"/>
+          </a:p>
+        </p:txBody>
+      </p:sp>
+    </p:spTree>
+    <p:extLst>
+      <p:ext uri="{BB962C8B-B14F-4D97-AF65-F5344CB8AC3E}">
+        <p14:creationId xmlns:p14="http://schemas.microsoft.com/office/powerpoint/2010/main" val="465878758"/>
+      </p:ext>
+    </p:extLst>
+  </p:cSld>
+  <p:clrMapOvr>
+    <a:masterClrMapping/>
+  </p:clrMapOvr>
+</p:sld>
+</file>
+
+<file path=ppt/slides/slide23.xml><?xml version="1.0" encoding="utf-8"?>
+<p:sld xmlns:a="http://schemas.openxmlformats.org/drawingml/2006/main" xmlns:r="http://schemas.openxmlformats.org/officeDocument/2006/relationships" xmlns:p="http://schemas.openxmlformats.org/presentationml/2006/main">
+  <p:cSld>
+    <p:spTree>
+      <p:nvGrpSpPr>
+        <p:cNvPr id="1" name=""/>
+        <p:cNvGrpSpPr/>
+        <p:nvPr/>
+      </p:nvGrpSpPr>
+      <p:grpSpPr>
+        <a:xfrm>
+          <a:off x="0" y="0"/>
+          <a:ext cx="0" cy="0"/>
+          <a:chOff x="0" y="0"/>
+          <a:chExt cx="0" cy="0"/>
+        </a:xfrm>
+      </p:grpSpPr>
+      <p:sp>
+        <p:nvSpPr>
+          <p:cNvPr id="2" name="Title 1"/>
+          <p:cNvSpPr>
+            <a:spLocks noGrp="1"/>
+          </p:cNvSpPr>
+          <p:nvPr>
+            <p:ph type="title"/>
+          </p:nvPr>
+        </p:nvSpPr>
+        <p:spPr/>
+        <p:txBody>
+          <a:bodyPr/>
+          <a:lstStyle/>
+          <a:p>
+            <a:r>
+              <a:rPr lang="en-US" dirty="0" smtClean="0"/>
+              <a:t>Any Other Business</a:t>
+            </a:r>
+            <a:endParaRPr lang="en-US" dirty="0"/>
+          </a:p>
+        </p:txBody>
+      </p:sp>
+      <p:sp>
+        <p:nvSpPr>
+          <p:cNvPr id="3" name="Content Placeholder 2"/>
+          <p:cNvSpPr>
+            <a:spLocks noGrp="1"/>
+          </p:cNvSpPr>
+          <p:nvPr>
+            <p:ph idx="1"/>
+          </p:nvPr>
+        </p:nvSpPr>
+        <p:spPr/>
+        <p:txBody>
+          <a:bodyPr/>
+          <a:lstStyle/>
+          <a:p>
+            <a:endParaRPr lang="en-US"/>
+          </a:p>
+        </p:txBody>
+      </p:sp>
+    </p:spTree>
+    <p:extLst>
+      <p:ext uri="{BB962C8B-B14F-4D97-AF65-F5344CB8AC3E}">
+        <p14:creationId xmlns:p14="http://schemas.microsoft.com/office/powerpoint/2010/main" val="1258282975"/>
       </p:ext>
     </p:extLst>
   </p:cSld>
@@ -3560,94 +6170,106 @@
       </p:grpSpPr>
       <p:sp>
         <p:nvSpPr>
-          <p:cNvPr id="2" name="Title 1"/>
-          <p:cNvSpPr>
-            <a:spLocks noGrp="1"/>
-          </p:cNvSpPr>
-          <p:nvPr>
-            <p:ph type="title"/>
-          </p:nvPr>
-        </p:nvSpPr>
-        <p:spPr/>
-        <p:txBody>
-          <a:bodyPr/>
-          <a:lstStyle/>
-          <a:p>
-            <a:r>
-              <a:rPr lang="en-US" dirty="0" smtClean="0"/>
-              <a:t>Documentation </a:t>
-            </a:r>
-            <a:r>
-              <a:rPr lang="en-US" dirty="0" err="1" smtClean="0"/>
-              <a:t>Workstream</a:t>
-            </a:r>
-            <a:endParaRPr lang="en-US" dirty="0"/>
-          </a:p>
-        </p:txBody>
-      </p:sp>
-      <p:sp>
-        <p:nvSpPr>
-          <p:cNvPr id="3" name="Content Placeholder 2"/>
-          <p:cNvSpPr>
-            <a:spLocks noGrp="1"/>
-          </p:cNvSpPr>
-          <p:nvPr>
-            <p:ph idx="1"/>
-          </p:nvPr>
-        </p:nvSpPr>
-        <p:spPr/>
-        <p:txBody>
-          <a:bodyPr/>
-          <a:lstStyle/>
-          <a:p>
-            <a:r>
-              <a:rPr lang="en-US" dirty="0" smtClean="0"/>
-              <a:t>Landing page</a:t>
-            </a:r>
-          </a:p>
-          <a:p>
-            <a:r>
-              <a:rPr lang="en-US" dirty="0" smtClean="0"/>
-              <a:t>One page summary</a:t>
-            </a:r>
-          </a:p>
-          <a:p>
-            <a:r>
-              <a:rPr lang="en-US" dirty="0" smtClean="0"/>
-              <a:t>White paper</a:t>
-            </a:r>
-          </a:p>
-          <a:p>
-            <a:r>
-              <a:rPr lang="en-US" dirty="0" smtClean="0"/>
-              <a:t>Slide deck</a:t>
-            </a:r>
-          </a:p>
-          <a:p>
-            <a:r>
-              <a:rPr lang="en-US" dirty="0" smtClean="0"/>
-              <a:t>User guide </a:t>
-            </a:r>
-          </a:p>
-          <a:p>
-            <a:r>
-              <a:rPr lang="en-US" dirty="0" smtClean="0"/>
-              <a:t>Developer guide</a:t>
-            </a:r>
-            <a:endParaRPr lang="en-US" dirty="0"/>
+          <p:cNvPr id="2" name="Titel 1"/>
+          <p:cNvSpPr>
+            <a:spLocks noGrp="1"/>
+          </p:cNvSpPr>
+          <p:nvPr>
+            <p:ph type="ctrTitle"/>
+          </p:nvPr>
+        </p:nvSpPr>
+        <p:spPr/>
+        <p:txBody>
+          <a:bodyPr>
+            <a:normAutofit/>
+          </a:bodyPr>
+          <a:lstStyle/>
+          <a:p>
+            <a:r>
+              <a:rPr lang="en-US" dirty="0" smtClean="0">
+                <a:solidFill>
+                  <a:schemeClr val="tx2">
+                    <a:lumMod val="60000"/>
+                    <a:lumOff val="40000"/>
+                  </a:schemeClr>
+                </a:solidFill>
+              </a:rPr>
+              <a:t>iot.schema.org</a:t>
+            </a:r>
+            <a:br>
+              <a:rPr lang="en-US" dirty="0" smtClean="0">
+                <a:solidFill>
+                  <a:schemeClr val="tx2">
+                    <a:lumMod val="60000"/>
+                    <a:lumOff val="40000"/>
+                  </a:schemeClr>
+                </a:solidFill>
+              </a:rPr>
+            </a:br>
+            <a:endParaRPr lang="en-US" dirty="0">
+              <a:solidFill>
+                <a:schemeClr val="tx2">
+                  <a:lumMod val="60000"/>
+                  <a:lumOff val="40000"/>
+                </a:schemeClr>
+              </a:solidFill>
+            </a:endParaRPr>
+          </a:p>
+        </p:txBody>
+      </p:sp>
+      <p:sp>
+        <p:nvSpPr>
+          <p:cNvPr id="3" name="Untertitel 2"/>
+          <p:cNvSpPr>
+            <a:spLocks noGrp="1"/>
+          </p:cNvSpPr>
+          <p:nvPr>
+            <p:ph type="subTitle" idx="1"/>
+          </p:nvPr>
+        </p:nvSpPr>
+        <p:spPr/>
+        <p:txBody>
+          <a:bodyPr>
+            <a:noAutofit/>
+          </a:bodyPr>
+          <a:lstStyle/>
+          <a:p>
+            <a:r>
+              <a:rPr lang="de-DE" sz="2400" dirty="0" smtClean="0"/>
+              <a:t>Feature of Interest </a:t>
+            </a:r>
+          </a:p>
+          <a:p>
+            <a:r>
+              <a:rPr lang="en-US" sz="2400" dirty="0" smtClean="0"/>
+              <a:t>Haystack Vocabulary Alignment</a:t>
+            </a:r>
+          </a:p>
+          <a:p>
+            <a:r>
+              <a:rPr lang="en-US" sz="2400" dirty="0" smtClean="0"/>
+              <a:t>May 17, 2018</a:t>
+            </a:r>
           </a:p>
         </p:txBody>
       </p:sp>
     </p:spTree>
     <p:extLst>
       <p:ext uri="{BB962C8B-B14F-4D97-AF65-F5344CB8AC3E}">
-        <p14:creationId xmlns:p14="http://schemas.microsoft.com/office/powerpoint/2010/main" val="1837432274"/>
+        <p14:creationId xmlns:p14="http://schemas.microsoft.com/office/powerpoint/2010/main" val="925745159"/>
       </p:ext>
     </p:extLst>
   </p:cSld>
   <p:clrMapOvr>
     <a:masterClrMapping/>
   </p:clrMapOvr>
+  <p:timing>
+    <p:tnLst>
+      <p:par>
+        <p:cTn id="1" dur="indefinite" restart="never" nodeType="tmRoot"/>
+      </p:par>
+    </p:tnLst>
+  </p:timing>
 </p:sld>
 </file>
 
@@ -3670,7 +6292,7 @@
       </p:grpSpPr>
       <p:sp>
         <p:nvSpPr>
-          <p:cNvPr id="2" name="Title 1"/>
+          <p:cNvPr id="2" name="Titel 1"/>
           <p:cNvSpPr>
             <a:spLocks noGrp="1"/>
           </p:cNvSpPr>
@@ -3680,97 +6302,45 @@
         </p:nvSpPr>
         <p:spPr/>
         <p:txBody>
+          <a:bodyPr>
+            <a:normAutofit/>
+          </a:bodyPr>
+          <a:lstStyle/>
+          <a:p>
+            <a:r>
+              <a:rPr lang="de-DE" dirty="0" smtClean="0"/>
+              <a:t>Feature of Interest </a:t>
+            </a:r>
+            <a:endParaRPr lang="en-US" dirty="0"/>
+          </a:p>
+        </p:txBody>
+      </p:sp>
+      <p:sp>
+        <p:nvSpPr>
+          <p:cNvPr id="3" name="Textplatzhalter 2"/>
+          <p:cNvSpPr>
+            <a:spLocks noGrp="1"/>
+          </p:cNvSpPr>
+          <p:nvPr>
+            <p:ph type="body" idx="1"/>
+          </p:nvPr>
+        </p:nvSpPr>
+        <p:spPr/>
+        <p:txBody>
           <a:bodyPr/>
           <a:lstStyle/>
           <a:p>
             <a:r>
-              <a:rPr lang="en-US" dirty="0" smtClean="0"/>
-              <a:t>Landing Page (s)</a:t>
-            </a:r>
-            <a:endParaRPr lang="en-US" dirty="0"/>
-          </a:p>
-        </p:txBody>
-      </p:sp>
-      <p:sp>
-        <p:nvSpPr>
-          <p:cNvPr id="3" name="Content Placeholder 2"/>
-          <p:cNvSpPr>
-            <a:spLocks noGrp="1"/>
-          </p:cNvSpPr>
-          <p:nvPr>
-            <p:ph idx="1"/>
-          </p:nvPr>
-        </p:nvSpPr>
-        <p:spPr/>
-        <p:txBody>
-          <a:bodyPr/>
-          <a:lstStyle/>
-          <a:p>
-            <a:r>
-              <a:rPr lang="en-US" dirty="0" err="1" smtClean="0"/>
-              <a:t>iot.schema.org</a:t>
-            </a:r>
-            <a:r>
-              <a:rPr lang="en-US" dirty="0" smtClean="0"/>
-              <a:t> entry point</a:t>
-            </a:r>
-          </a:p>
-          <a:p>
-            <a:pPr lvl="1"/>
-            <a:r>
-              <a:rPr lang="en-US" dirty="0" smtClean="0"/>
-              <a:t>Browse the schemas</a:t>
-            </a:r>
-          </a:p>
-          <a:p>
-            <a:r>
-              <a:rPr lang="en-US" dirty="0" err="1" smtClean="0"/>
-              <a:t>github</a:t>
-            </a:r>
-            <a:r>
-              <a:rPr lang="en-US" dirty="0" smtClean="0"/>
-              <a:t> entry point</a:t>
-            </a:r>
-          </a:p>
-          <a:p>
-            <a:pPr lvl="1"/>
-            <a:r>
-              <a:rPr lang="en-US" dirty="0" smtClean="0"/>
-              <a:t>Focus on developers and users</a:t>
-            </a:r>
-          </a:p>
-          <a:p>
-            <a:pPr lvl="1"/>
-            <a:r>
-              <a:rPr lang="en-US" dirty="0" smtClean="0"/>
-              <a:t>Technical guidance and examples</a:t>
-            </a:r>
-          </a:p>
-          <a:p>
-            <a:pPr lvl="1"/>
-            <a:r>
-              <a:rPr lang="en-US" dirty="0" smtClean="0"/>
-              <a:t>Tools</a:t>
-            </a:r>
-          </a:p>
-          <a:p>
-            <a:r>
-              <a:rPr lang="en-US" dirty="0" smtClean="0"/>
-              <a:t>W3C Community Group entry point</a:t>
-            </a:r>
-          </a:p>
-          <a:p>
-            <a:pPr lvl="1"/>
-            <a:r>
-              <a:rPr lang="en-US" dirty="0" smtClean="0"/>
-              <a:t>Summary, informational, getting started</a:t>
-            </a:r>
-          </a:p>
-          <a:p>
-            <a:pPr lvl="1"/>
-            <a:r>
-              <a:rPr lang="en-US" dirty="0" smtClean="0"/>
-              <a:t>Focus on incubating new definitions</a:t>
+              <a:rPr lang="de-DE" dirty="0" smtClean="0"/>
+              <a:t>Update on </a:t>
+            </a:r>
+            <a:r>
+              <a:rPr lang="de-DE" dirty="0" err="1" smtClean="0"/>
+              <a:t>the</a:t>
+            </a:r>
+            <a:r>
+              <a:rPr lang="de-DE" dirty="0" smtClean="0"/>
+              <a:t> meta-model</a:t>
             </a:r>
             <a:endParaRPr lang="en-US" dirty="0"/>
           </a:p>
@@ -3779,13 +6349,20 @@
     </p:spTree>
     <p:extLst>
       <p:ext uri="{BB962C8B-B14F-4D97-AF65-F5344CB8AC3E}">
-        <p14:creationId xmlns:p14="http://schemas.microsoft.com/office/powerpoint/2010/main" val="665506004"/>
+        <p14:creationId xmlns:p14="http://schemas.microsoft.com/office/powerpoint/2010/main" val="479864798"/>
       </p:ext>
     </p:extLst>
   </p:cSld>
   <p:clrMapOvr>
     <a:masterClrMapping/>
   </p:clrMapOvr>
+  <p:timing>
+    <p:tnLst>
+      <p:par>
+        <p:cTn id="1" dur="indefinite" restart="never" nodeType="tmRoot"/>
+      </p:par>
+    </p:tnLst>
+  </p:timing>
 </p:sld>
 </file>
 
@@ -3818,14 +6395,24 @@
         </p:nvSpPr>
         <p:spPr/>
         <p:txBody>
-          <a:bodyPr/>
-          <a:lstStyle/>
-          <a:p>
-            <a:r>
-              <a:rPr lang="en-US" dirty="0" smtClean="0"/>
-              <a:t>One Pager</a:t>
-            </a:r>
-            <a:endParaRPr lang="en-US" dirty="0"/>
+          <a:bodyPr>
+            <a:normAutofit/>
+          </a:bodyPr>
+          <a:lstStyle/>
+          <a:p>
+            <a:r>
+              <a:rPr lang="en-US" sz="3200" dirty="0" smtClean="0"/>
+              <a:t>Motivation for </a:t>
+            </a:r>
+            <a:r>
+              <a:rPr lang="de-DE" sz="3200" dirty="0" smtClean="0"/>
+              <a:t>Feature Of Interest Pattern</a:t>
+            </a:r>
+            <a:r>
+              <a:rPr lang="en-US" sz="3200" dirty="0" smtClean="0"/>
+              <a:t>	</a:t>
+            </a:r>
+            <a:endParaRPr lang="en-US" sz="3200" dirty="0"/>
           </a:p>
         </p:txBody>
       </p:sp>
@@ -3841,39 +6428,66 @@
         </p:nvSpPr>
         <p:spPr/>
         <p:txBody>
-          <a:bodyPr/>
-          <a:lstStyle/>
-          <a:p>
-            <a:r>
-              <a:rPr lang="en-US" dirty="0" smtClean="0"/>
-              <a:t>What, why, how, and getting involved on a single page</a:t>
-            </a:r>
-          </a:p>
-          <a:p>
-            <a:r>
-              <a:rPr lang="en-US" dirty="0" smtClean="0"/>
-              <a:t>Some technical detail to explain what part of the solution this is and what technology is being used</a:t>
-            </a:r>
-          </a:p>
-          <a:p>
-            <a:r>
-              <a:rPr lang="en-US" dirty="0" smtClean="0"/>
-              <a:t>Same information on the W3C Community page</a:t>
-            </a:r>
-            <a:endParaRPr lang="en-US" dirty="0"/>
+          <a:bodyPr>
+            <a:normAutofit/>
+          </a:bodyPr>
+          <a:lstStyle/>
+          <a:p>
+            <a:r>
+              <a:rPr lang="en-US" sz="2400" dirty="0" smtClean="0"/>
+              <a:t>Binds Capability and Interaction Patterns to real-world objects</a:t>
+            </a:r>
+            <a:endParaRPr lang="en-US" sz="2000" dirty="0" smtClean="0"/>
+          </a:p>
+          <a:p>
+            <a:r>
+              <a:rPr lang="en-US" sz="2400" dirty="0" smtClean="0"/>
+              <a:t>This provides information about the environment in which sensing/actuating is applied</a:t>
+            </a:r>
+          </a:p>
+          <a:p>
+            <a:r>
+              <a:rPr lang="en-US" sz="2400" dirty="0" err="1" smtClean="0"/>
+              <a:t>PlugFest</a:t>
+            </a:r>
+            <a:r>
+              <a:rPr lang="en-US" sz="2400" dirty="0" smtClean="0"/>
+              <a:t> use cases prove that the Feature of Interest (</a:t>
+            </a:r>
+            <a:r>
+              <a:rPr lang="en-US" sz="2400" dirty="0" err="1" smtClean="0"/>
+              <a:t>FoI</a:t>
+            </a:r>
+            <a:r>
+              <a:rPr lang="en-US" sz="2400" dirty="0" smtClean="0"/>
+              <a:t>) pattern is needed in iot.schema.org</a:t>
+            </a:r>
+          </a:p>
+          <a:p>
+            <a:endParaRPr lang="en-US" sz="2000" dirty="0" smtClean="0"/>
+          </a:p>
+          <a:p>
+            <a:endParaRPr lang="en-US" sz="2000" dirty="0" smtClean="0"/>
           </a:p>
         </p:txBody>
       </p:sp>
     </p:spTree>
     <p:extLst>
       <p:ext uri="{BB962C8B-B14F-4D97-AF65-F5344CB8AC3E}">
-        <p14:creationId xmlns:p14="http://schemas.microsoft.com/office/powerpoint/2010/main" val="2115880194"/>
+        <p14:creationId xmlns:p14="http://schemas.microsoft.com/office/powerpoint/2010/main" val="1286565501"/>
       </p:ext>
     </p:extLst>
   </p:cSld>
   <p:clrMapOvr>
     <a:masterClrMapping/>
   </p:clrMapOvr>
+  <p:timing>
+    <p:tnLst>
+      <p:par>
+        <p:cTn id="1" dur="indefinite" restart="never" nodeType="tmRoot"/>
+      </p:par>
+    </p:tnLst>
+  </p:timing>
 </p:sld>
 </file>
 
@@ -3896,7 +6510,7 @@
       </p:grpSpPr>
       <p:sp>
         <p:nvSpPr>
-          <p:cNvPr id="2" name="Title 1"/>
+          <p:cNvPr id="2" name="Titel 1"/>
           <p:cNvSpPr>
             <a:spLocks noGrp="1"/>
           </p:cNvSpPr>
@@ -3906,72 +6520,61 @@
         </p:nvSpPr>
         <p:spPr/>
         <p:txBody>
-          <a:bodyPr/>
-          <a:lstStyle/>
-          <a:p>
-            <a:r>
-              <a:rPr lang="en-US" dirty="0" smtClean="0"/>
-              <a:t>White Paper</a:t>
-            </a:r>
-            <a:endParaRPr lang="en-US" dirty="0"/>
-          </a:p>
-        </p:txBody>
-      </p:sp>
-      <p:sp>
-        <p:nvSpPr>
-          <p:cNvPr id="3" name="Content Placeholder 2"/>
-          <p:cNvSpPr>
-            <a:spLocks noGrp="1"/>
-          </p:cNvSpPr>
-          <p:nvPr>
-            <p:ph idx="1"/>
-          </p:nvPr>
-        </p:nvSpPr>
-        <p:spPr/>
-        <p:txBody>
-          <a:bodyPr/>
-          <a:lstStyle/>
-          <a:p>
-            <a:r>
-              <a:rPr lang="en-US" dirty="0" smtClean="0"/>
-              <a:t>Describes </a:t>
-            </a:r>
-            <a:r>
-              <a:rPr lang="en-US" dirty="0" err="1" smtClean="0"/>
-              <a:t>iot.schema.org</a:t>
-            </a:r>
-            <a:r>
-              <a:rPr lang="en-US" dirty="0" smtClean="0"/>
-              <a:t> in a conference style and format</a:t>
-            </a:r>
-          </a:p>
-          <a:p>
-            <a:r>
-              <a:rPr lang="en-US" dirty="0" smtClean="0"/>
-              <a:t>Broad analysis of other approaches and formats</a:t>
-            </a:r>
-          </a:p>
-          <a:p>
-            <a:r>
-              <a:rPr lang="en-US" dirty="0" smtClean="0"/>
-              <a:t>References for research </a:t>
-            </a:r>
-          </a:p>
-          <a:p>
-            <a:endParaRPr lang="en-US" dirty="0"/>
-          </a:p>
-        </p:txBody>
-      </p:sp>
+          <a:bodyPr>
+            <a:normAutofit/>
+          </a:bodyPr>
+          <a:lstStyle/>
+          <a:p>
+            <a:r>
+              <a:rPr lang="de-DE" sz="3200" dirty="0" smtClean="0"/>
+              <a:t>Feature Of Interest Pattern</a:t>
+            </a:r>
+          </a:p>
+        </p:txBody>
+      </p:sp>
+      <p:pic>
+        <p:nvPicPr>
+          <p:cNvPr id="2051" name="Picture 3" descr="D:\Work\Work on WoT Embedded Semantic Framework\Repositories\siemens-semantic-models\Haystack-iot.schema\Feature-Of-Interest-Pattern.png"/>
+          <p:cNvPicPr>
+            <a:picLocks noChangeAspect="1" noChangeArrowheads="1"/>
+          </p:cNvPicPr>
+          <p:nvPr/>
+        </p:nvPicPr>
+        <p:blipFill>
+          <a:blip r:embed="rId2" cstate="print"/>
+          <a:srcRect/>
+          <a:stretch>
+            <a:fillRect/>
+          </a:stretch>
+        </p:blipFill>
+        <p:spPr bwMode="auto">
+          <a:xfrm>
+            <a:off x="827584" y="1484783"/>
+            <a:ext cx="7488832" cy="4758661"/>
+          </a:xfrm>
+          <a:prstGeom prst="rect">
+            <a:avLst/>
+          </a:prstGeom>
+          <a:noFill/>
+        </p:spPr>
+      </p:pic>
     </p:spTree>
     <p:extLst>
       <p:ext uri="{BB962C8B-B14F-4D97-AF65-F5344CB8AC3E}">
-        <p14:creationId xmlns:p14="http://schemas.microsoft.com/office/powerpoint/2010/main" val="1003335686"/>
+        <p14:creationId xmlns:p14="http://schemas.microsoft.com/office/powerpoint/2010/main" val="293533664"/>
       </p:ext>
     </p:extLst>
   </p:cSld>
   <p:clrMapOvr>
     <a:masterClrMapping/>
   </p:clrMapOvr>
+  <p:timing>
+    <p:tnLst>
+      <p:par>
+        <p:cTn id="1" dur="indefinite" restart="never" nodeType="tmRoot"/>
+      </p:par>
+    </p:tnLst>
+  </p:timing>
 </p:sld>
 </file>
 
@@ -4004,14 +6607,16 @@
         </p:nvSpPr>
         <p:spPr/>
         <p:txBody>
-          <a:bodyPr/>
-          <a:lstStyle/>
-          <a:p>
-            <a:r>
-              <a:rPr lang="en-US" dirty="0" smtClean="0"/>
-              <a:t>Slide Deck</a:t>
-            </a:r>
-            <a:endParaRPr lang="en-US" dirty="0"/>
+          <a:bodyPr>
+            <a:normAutofit/>
+          </a:bodyPr>
+          <a:lstStyle/>
+          <a:p>
+            <a:r>
+              <a:rPr lang="en-US" sz="3200" dirty="0" smtClean="0"/>
+              <a:t>Feature of Interest Example</a:t>
+            </a:r>
+            <a:endParaRPr lang="en-US" sz="3200" dirty="0"/>
           </a:p>
         </p:txBody>
       </p:sp>
@@ -4025,59 +6630,506 @@
             <p:ph idx="1"/>
           </p:nvPr>
         </p:nvSpPr>
-        <p:spPr/>
-        <p:txBody>
-          <a:bodyPr/>
-          <a:lstStyle/>
-          <a:p>
-            <a:r>
-              <a:rPr lang="en-US" dirty="0" smtClean="0"/>
-              <a:t>Explains </a:t>
-            </a:r>
-            <a:r>
-              <a:rPr lang="en-US" dirty="0" err="1" smtClean="0"/>
-              <a:t>iot.schema.org</a:t>
-            </a:r>
-            <a:r>
-              <a:rPr lang="en-US" dirty="0" smtClean="0"/>
-              <a:t> </a:t>
-            </a:r>
-          </a:p>
-          <a:p>
-            <a:r>
-              <a:rPr lang="en-US" dirty="0" smtClean="0"/>
-              <a:t>Comprehensive</a:t>
-            </a:r>
-          </a:p>
-          <a:p>
-            <a:r>
-              <a:rPr lang="en-US" dirty="0"/>
-              <a:t>A</a:t>
-            </a:r>
-            <a:r>
-              <a:rPr lang="en-US" dirty="0" smtClean="0"/>
-              <a:t>vailable as source material for anyone to include</a:t>
-            </a:r>
-          </a:p>
-          <a:p>
-            <a:r>
-              <a:rPr lang="en-US" dirty="0" smtClean="0"/>
-              <a:t>10 minute version for outreach </a:t>
-            </a:r>
-            <a:endParaRPr lang="en-US" dirty="0"/>
+        <p:spPr>
+          <a:xfrm>
+            <a:off x="457200" y="1600200"/>
+            <a:ext cx="8229600" cy="4781128"/>
+          </a:xfrm>
+        </p:spPr>
+        <p:txBody>
+          <a:bodyPr>
+            <a:normAutofit fontScale="85000" lnSpcReduction="20000"/>
+          </a:bodyPr>
+          <a:lstStyle/>
+          <a:p>
+            <a:pPr>
+              <a:buNone/>
+            </a:pPr>
+            <a:r>
+              <a:rPr lang="en-US" sz="1800" dirty="0" smtClean="0"/>
+              <a:t>	  {</a:t>
+            </a:r>
+          </a:p>
+          <a:p>
+            <a:pPr>
+              <a:buNone/>
+            </a:pPr>
+            <a:r>
+              <a:rPr lang="en-US" sz="1800" dirty="0" smtClean="0"/>
+              <a:t>		"@id": "</a:t>
+            </a:r>
+            <a:r>
+              <a:rPr lang="en-US" sz="1800" dirty="0" err="1" smtClean="0"/>
+              <a:t>iot:TemperatureSensing</a:t>
+            </a:r>
+            <a:r>
+              <a:rPr lang="en-US" sz="1800" dirty="0" smtClean="0"/>
+              <a:t>",</a:t>
+            </a:r>
+          </a:p>
+          <a:p>
+            <a:pPr>
+              <a:buNone/>
+            </a:pPr>
+            <a:r>
+              <a:rPr lang="en-US" sz="1800" dirty="0" smtClean="0"/>
+              <a:t>		"</a:t>
+            </a:r>
+            <a:r>
+              <a:rPr lang="en-US" sz="1800" dirty="0" err="1" smtClean="0"/>
+              <a:t>rdfs:subClassOf</a:t>
+            </a:r>
+            <a:r>
+              <a:rPr lang="en-US" sz="1800" dirty="0" smtClean="0"/>
+              <a:t>": { "@id": "</a:t>
+            </a:r>
+            <a:r>
+              <a:rPr lang="en-US" sz="1800" dirty="0" err="1" smtClean="0"/>
+              <a:t>iot:Capability</a:t>
+            </a:r>
+            <a:r>
+              <a:rPr lang="en-US" sz="1800" dirty="0" smtClean="0"/>
+              <a:t>" },</a:t>
+            </a:r>
+          </a:p>
+          <a:p>
+            <a:pPr>
+              <a:buNone/>
+            </a:pPr>
+            <a:r>
+              <a:rPr lang="en-US" sz="1800" dirty="0" smtClean="0"/>
+              <a:t>		"</a:t>
+            </a:r>
+            <a:r>
+              <a:rPr lang="en-US" sz="1800" dirty="0" err="1" smtClean="0"/>
+              <a:t>iot:providesInteractionPattern</a:t>
+            </a:r>
+            <a:r>
+              <a:rPr lang="en-US" sz="1800" dirty="0" smtClean="0"/>
+              <a:t>": [	{	"@id": "</a:t>
+            </a:r>
+            <a:r>
+              <a:rPr lang="en-US" sz="1800" dirty="0" err="1" smtClean="0"/>
+              <a:t>iot:Temperature</a:t>
+            </a:r>
+            <a:r>
+              <a:rPr lang="en-US" sz="1800" dirty="0" smtClean="0"/>
+              <a:t>“	}]</a:t>
+            </a:r>
+          </a:p>
+          <a:p>
+            <a:pPr>
+              <a:buNone/>
+            </a:pPr>
+            <a:r>
+              <a:rPr lang="en-US" sz="1800" dirty="0" smtClean="0"/>
+              <a:t>	},  {</a:t>
+            </a:r>
+          </a:p>
+          <a:p>
+            <a:pPr>
+              <a:buNone/>
+            </a:pPr>
+            <a:r>
+              <a:rPr lang="en-US" sz="1800" dirty="0" smtClean="0"/>
+              <a:t>		"@id": "</a:t>
+            </a:r>
+            <a:r>
+              <a:rPr lang="en-US" sz="1800" dirty="0" err="1" smtClean="0"/>
+              <a:t>iot:Temperature</a:t>
+            </a:r>
+            <a:r>
+              <a:rPr lang="en-US" sz="1800" dirty="0" smtClean="0"/>
+              <a:t>",</a:t>
+            </a:r>
+          </a:p>
+          <a:p>
+            <a:pPr>
+              <a:buNone/>
+            </a:pPr>
+            <a:r>
+              <a:rPr lang="en-US" sz="1800" dirty="0" smtClean="0"/>
+              <a:t>		"</a:t>
+            </a:r>
+            <a:r>
+              <a:rPr lang="en-US" sz="1800" dirty="0" err="1" smtClean="0"/>
+              <a:t>rdfs:subClassOf</a:t>
+            </a:r>
+            <a:r>
+              <a:rPr lang="en-US" sz="1800" dirty="0" smtClean="0"/>
+              <a:t>": { "@id": "</a:t>
+            </a:r>
+            <a:r>
+              <a:rPr lang="en-US" sz="1800" dirty="0" err="1" smtClean="0"/>
+              <a:t>iot:Property</a:t>
+            </a:r>
+            <a:r>
+              <a:rPr lang="en-US" sz="1800" dirty="0" smtClean="0"/>
+              <a:t>" },</a:t>
+            </a:r>
+          </a:p>
+          <a:p>
+            <a:pPr>
+              <a:buNone/>
+            </a:pPr>
+            <a:r>
+              <a:rPr lang="en-US" sz="1800" dirty="0" smtClean="0"/>
+              <a:t>		</a:t>
+            </a:r>
+            <a:r>
+              <a:rPr lang="en-US" sz="1800" dirty="0" smtClean="0">
+                <a:solidFill>
+                  <a:schemeClr val="accent6">
+                    <a:lumMod val="75000"/>
+                  </a:schemeClr>
+                </a:solidFill>
+              </a:rPr>
+              <a:t>"</a:t>
+            </a:r>
+            <a:r>
+              <a:rPr lang="en-US" sz="1800" dirty="0" err="1" smtClean="0">
+                <a:solidFill>
+                  <a:schemeClr val="accent6">
+                    <a:lumMod val="75000"/>
+                  </a:schemeClr>
+                </a:solidFill>
+              </a:rPr>
+              <a:t>iot:isPropertyOf</a:t>
+            </a:r>
+            <a:r>
+              <a:rPr lang="en-US" sz="1800" dirty="0" smtClean="0">
+                <a:solidFill>
+                  <a:schemeClr val="accent6">
+                    <a:lumMod val="75000"/>
+                  </a:schemeClr>
+                </a:solidFill>
+              </a:rPr>
+              <a:t>": {"@type": "</a:t>
+            </a:r>
+            <a:r>
+              <a:rPr lang="en-US" sz="1800" dirty="0" err="1" smtClean="0">
+                <a:solidFill>
+                  <a:schemeClr val="accent6">
+                    <a:lumMod val="75000"/>
+                  </a:schemeClr>
+                </a:solidFill>
+              </a:rPr>
+              <a:t>iot:Room</a:t>
+            </a:r>
+            <a:r>
+              <a:rPr lang="en-US" sz="1800" dirty="0" smtClean="0">
+                <a:solidFill>
+                  <a:schemeClr val="accent6">
+                    <a:lumMod val="75000"/>
+                  </a:schemeClr>
+                </a:solidFill>
+              </a:rPr>
+              <a:t>"},</a:t>
+            </a:r>
+          </a:p>
+          <a:p>
+            <a:pPr>
+              <a:buNone/>
+            </a:pPr>
+            <a:r>
+              <a:rPr lang="en-US" sz="1800" dirty="0" smtClean="0"/>
+              <a:t>		"</a:t>
+            </a:r>
+            <a:r>
+              <a:rPr lang="en-US" sz="1800" dirty="0" err="1" smtClean="0"/>
+              <a:t>iot:providesOutputData</a:t>
+            </a:r>
+            <a:r>
+              <a:rPr lang="en-US" sz="1800" dirty="0" smtClean="0"/>
+              <a:t>": {	"@id": "</a:t>
+            </a:r>
+            <a:r>
+              <a:rPr lang="en-US" sz="1800" dirty="0" err="1" smtClean="0"/>
+              <a:t>iot:TemperatureData</a:t>
+            </a:r>
+            <a:r>
+              <a:rPr lang="en-US" sz="1800" dirty="0" smtClean="0"/>
+              <a:t>“	}</a:t>
+            </a:r>
+          </a:p>
+          <a:p>
+            <a:pPr>
+              <a:buNone/>
+            </a:pPr>
+            <a:r>
+              <a:rPr lang="en-US" sz="1800" dirty="0" smtClean="0"/>
+              <a:t>    },  {</a:t>
+            </a:r>
+          </a:p>
+          <a:p>
+            <a:pPr>
+              <a:buNone/>
+            </a:pPr>
+            <a:r>
+              <a:rPr lang="en-US" sz="1800" dirty="0" smtClean="0"/>
+              <a:t>		"@id": "</a:t>
+            </a:r>
+            <a:r>
+              <a:rPr lang="en-US" sz="1800" dirty="0" err="1" smtClean="0"/>
+              <a:t>iot:TemperatureData</a:t>
+            </a:r>
+            <a:r>
+              <a:rPr lang="en-US" sz="1800" dirty="0" smtClean="0"/>
+              <a:t>",</a:t>
+            </a:r>
+          </a:p>
+          <a:p>
+            <a:pPr>
+              <a:buNone/>
+            </a:pPr>
+            <a:r>
+              <a:rPr lang="en-US" sz="1800" dirty="0" smtClean="0"/>
+              <a:t>		</a:t>
+            </a:r>
+            <a:r>
+              <a:rPr lang="en-US" sz="1800" dirty="0" err="1" smtClean="0"/>
+              <a:t>"rdfs:subClassOf": { "@id": "iot:DataSchema" },</a:t>
+            </a:r>
+          </a:p>
+          <a:p>
+            <a:pPr>
+              <a:buNone/>
+            </a:pPr>
+            <a:r>
+              <a:rPr lang="en-US" sz="1800" dirty="0" smtClean="0">
+                <a:solidFill>
+                  <a:schemeClr val="accent6">
+                    <a:lumMod val="75000"/>
+                  </a:schemeClr>
+                </a:solidFill>
+              </a:rPr>
+              <a:t>		"</a:t>
+            </a:r>
+            <a:r>
+              <a:rPr lang="en-US" sz="1800" dirty="0" err="1" smtClean="0">
+                <a:solidFill>
+                  <a:schemeClr val="accent6">
+                    <a:lumMod val="75000"/>
+                  </a:schemeClr>
+                </a:solidFill>
+              </a:rPr>
+              <a:t>iot:hasFeatureOfInterest</a:t>
+            </a:r>
+            <a:r>
+              <a:rPr lang="en-US" sz="1800" dirty="0" smtClean="0">
+                <a:solidFill>
+                  <a:schemeClr val="accent6">
+                    <a:lumMod val="75000"/>
+                  </a:schemeClr>
+                </a:solidFill>
+              </a:rPr>
+              <a:t>": {"@type": "</a:t>
+            </a:r>
+            <a:r>
+              <a:rPr lang="en-US" sz="1800" dirty="0" err="1" smtClean="0">
+                <a:solidFill>
+                  <a:schemeClr val="accent6">
+                    <a:lumMod val="75000"/>
+                  </a:schemeClr>
+                </a:solidFill>
+              </a:rPr>
+              <a:t>iot:Room</a:t>
+            </a:r>
+            <a:r>
+              <a:rPr lang="en-US" sz="1800" dirty="0" smtClean="0">
+                <a:solidFill>
+                  <a:schemeClr val="accent6">
+                    <a:lumMod val="75000"/>
+                  </a:schemeClr>
+                </a:solidFill>
+              </a:rPr>
+              <a:t>"},</a:t>
+            </a:r>
+          </a:p>
+          <a:p>
+            <a:pPr>
+              <a:buNone/>
+            </a:pPr>
+            <a:r>
+              <a:rPr lang="en-US" sz="1800" dirty="0" smtClean="0">
+                <a:solidFill>
+                  <a:schemeClr val="accent6">
+                    <a:lumMod val="75000"/>
+                  </a:schemeClr>
+                </a:solidFill>
+              </a:rPr>
+              <a:t>		"</a:t>
+            </a:r>
+            <a:r>
+              <a:rPr lang="en-US" sz="1800" dirty="0" err="1" smtClean="0">
+                <a:solidFill>
+                  <a:schemeClr val="accent6">
+                    <a:lumMod val="75000"/>
+                  </a:schemeClr>
+                </a:solidFill>
+              </a:rPr>
+              <a:t>iot:observedProperty</a:t>
+            </a:r>
+            <a:r>
+              <a:rPr lang="en-US" sz="1800" dirty="0" smtClean="0">
+                <a:solidFill>
+                  <a:schemeClr val="accent6">
+                    <a:lumMod val="75000"/>
+                  </a:schemeClr>
+                </a:solidFill>
+              </a:rPr>
+              <a:t>": "</a:t>
+            </a:r>
+            <a:r>
+              <a:rPr lang="en-US" sz="1800" dirty="0" err="1" smtClean="0">
+                <a:solidFill>
+                  <a:schemeClr val="accent6">
+                    <a:lumMod val="75000"/>
+                  </a:schemeClr>
+                </a:solidFill>
+              </a:rPr>
+              <a:t>iot:Temperature</a:t>
+            </a:r>
+            <a:r>
+              <a:rPr lang="en-US" sz="1800" dirty="0" smtClean="0">
+                <a:solidFill>
+                  <a:schemeClr val="accent6">
+                    <a:lumMod val="75000"/>
+                  </a:schemeClr>
+                </a:solidFill>
+              </a:rPr>
+              <a:t>",</a:t>
+            </a:r>
+          </a:p>
+          <a:p>
+            <a:pPr>
+              <a:buNone/>
+            </a:pPr>
+            <a:r>
+              <a:rPr lang="en-US" sz="1800" dirty="0" smtClean="0"/>
+              <a:t>		"</a:t>
+            </a:r>
+            <a:r>
+              <a:rPr lang="en-US" sz="1800" dirty="0" err="1" smtClean="0"/>
+              <a:t>schema:propertyType</a:t>
+            </a:r>
+            <a:r>
+              <a:rPr lang="en-US" sz="1800" dirty="0" smtClean="0"/>
+              <a:t>": { "@id": "</a:t>
+            </a:r>
+            <a:r>
+              <a:rPr lang="en-US" sz="1800" dirty="0" err="1" smtClean="0"/>
+              <a:t>schema:Float</a:t>
+            </a:r>
+            <a:r>
+              <a:rPr lang="en-US" sz="1800" dirty="0" smtClean="0"/>
+              <a:t>" },</a:t>
+            </a:r>
+          </a:p>
+          <a:p>
+            <a:pPr>
+              <a:buNone/>
+            </a:pPr>
+            <a:r>
+              <a:rPr lang="en-US" sz="1800" dirty="0" smtClean="0"/>
+              <a:t>		"</a:t>
+            </a:r>
+            <a:r>
+              <a:rPr lang="en-US" sz="1800" dirty="0" err="1" smtClean="0"/>
+              <a:t>schema:unitCode</a:t>
+            </a:r>
+            <a:r>
+              <a:rPr lang="en-US" sz="1800" dirty="0" smtClean="0"/>
+              <a:t>": { "@id": "</a:t>
+            </a:r>
+            <a:r>
+              <a:rPr lang="en-US" sz="1800" dirty="0" err="1" smtClean="0"/>
+              <a:t>iot:TemperatureUnit</a:t>
+            </a:r>
+            <a:r>
+              <a:rPr lang="en-US" sz="1800" dirty="0" smtClean="0"/>
+              <a:t>" },</a:t>
+            </a:r>
+          </a:p>
+          <a:p>
+            <a:pPr>
+              <a:buNone/>
+            </a:pPr>
+            <a:r>
+              <a:rPr lang="en-US" sz="1800" dirty="0" smtClean="0"/>
+              <a:t>		"</a:t>
+            </a:r>
+            <a:r>
+              <a:rPr lang="en-US" sz="1800" dirty="0" err="1" smtClean="0"/>
+              <a:t>schema:minValue</a:t>
+            </a:r>
+            <a:r>
+              <a:rPr lang="en-US" sz="1800" dirty="0" smtClean="0"/>
+              <a:t>": "</a:t>
+            </a:r>
+            <a:r>
+              <a:rPr lang="en-US" sz="1800" dirty="0" err="1" smtClean="0"/>
+              <a:t>schema:Float</a:t>
+            </a:r>
+            <a:r>
+              <a:rPr lang="en-US" sz="1800" dirty="0" smtClean="0"/>
+              <a:t>",</a:t>
+            </a:r>
+          </a:p>
+          <a:p>
+            <a:pPr>
+              <a:buNone/>
+            </a:pPr>
+            <a:r>
+              <a:rPr lang="en-US" sz="1800" dirty="0" smtClean="0"/>
+              <a:t>		"</a:t>
+            </a:r>
+            <a:r>
+              <a:rPr lang="en-US" sz="1800" dirty="0" err="1" smtClean="0"/>
+              <a:t>schema:maxValue</a:t>
+            </a:r>
+            <a:r>
+              <a:rPr lang="en-US" sz="1800" dirty="0" smtClean="0"/>
+              <a:t>": "</a:t>
+            </a:r>
+            <a:r>
+              <a:rPr lang="en-US" sz="1800" dirty="0" err="1" smtClean="0"/>
+              <a:t>schema:Float</a:t>
+            </a:r>
+            <a:r>
+              <a:rPr lang="en-US" sz="1800" dirty="0" smtClean="0"/>
+              <a:t>"</a:t>
+            </a:r>
+          </a:p>
+          <a:p>
+            <a:pPr>
+              <a:buNone/>
+            </a:pPr>
+            <a:r>
+              <a:rPr lang="en-US" sz="1800" dirty="0" smtClean="0"/>
+              <a:t>    }</a:t>
+            </a:r>
+            <a:endParaRPr lang="en-US" sz="1800" dirty="0"/>
           </a:p>
         </p:txBody>
       </p:sp>
     </p:spTree>
     <p:extLst>
       <p:ext uri="{BB962C8B-B14F-4D97-AF65-F5344CB8AC3E}">
-        <p14:creationId xmlns:p14="http://schemas.microsoft.com/office/powerpoint/2010/main" val="1567271012"/>
+        <p14:creationId xmlns:p14="http://schemas.microsoft.com/office/powerpoint/2010/main" val="650353689"/>
       </p:ext>
     </p:extLst>
   </p:cSld>
   <p:clrMapOvr>
     <a:masterClrMapping/>
   </p:clrMapOvr>
+  <p:timing>
+    <p:tnLst>
+      <p:par>
+        <p:cTn id="1" dur="indefinite" restart="never" nodeType="tmRoot"/>
+      </p:par>
+    </p:tnLst>
+  </p:timing>
 </p:sld>
 </file>
 
@@ -4100,7 +7152,7 @@
       </p:grpSpPr>
       <p:sp>
         <p:nvSpPr>
-          <p:cNvPr id="2" name="Title 1"/>
+          <p:cNvPr id="2" name="Titel 1"/>
           <p:cNvSpPr>
             <a:spLocks noGrp="1"/>
           </p:cNvSpPr>
@@ -4115,7 +7167,7 @@
           <a:p>
             <a:r>
               <a:rPr lang="en-US" dirty="0" smtClean="0"/>
-              <a:t>User Guide </a:t>
+              <a:t>Haystack vocabulary in iot.schema.org</a:t>
             </a:r>
             <a:endParaRPr lang="en-US" dirty="0"/>
           </a:p>
@@ -4123,12 +7175,12 @@
       </p:sp>
       <p:sp>
         <p:nvSpPr>
-          <p:cNvPr id="3" name="Content Placeholder 2"/>
-          <p:cNvSpPr>
-            <a:spLocks noGrp="1"/>
-          </p:cNvSpPr>
-          <p:nvPr>
-            <p:ph idx="1"/>
+          <p:cNvPr id="3" name="Textplatzhalter 2"/>
+          <p:cNvSpPr>
+            <a:spLocks noGrp="1"/>
+          </p:cNvSpPr>
+          <p:nvPr>
+            <p:ph type="body" idx="1"/>
           </p:nvPr>
         </p:nvSpPr>
         <p:spPr/>
@@ -4138,61 +7190,29 @@
           <a:p>
             <a:r>
               <a:rPr lang="en-US" dirty="0" smtClean="0"/>
-              <a:t>How to use </a:t>
-            </a:r>
-            <a:r>
-              <a:rPr lang="en-US" dirty="0" err="1" smtClean="0"/>
-              <a:t>iot.schema.org</a:t>
-            </a:r>
-            <a:r>
-              <a:rPr lang="en-US" dirty="0" smtClean="0"/>
-              <a:t> definitions in systems</a:t>
-            </a:r>
-          </a:p>
-          <a:p>
-            <a:r>
-              <a:rPr lang="en-US" dirty="0" smtClean="0"/>
-              <a:t>Semantic annotation and categories</a:t>
-            </a:r>
-          </a:p>
-          <a:p>
-            <a:r>
-              <a:rPr lang="en-US" dirty="0" smtClean="0"/>
-              <a:t>Annotation examples in TD, other formats</a:t>
-            </a:r>
-          </a:p>
-          <a:p>
-            <a:r>
-              <a:rPr lang="en-US" dirty="0"/>
-              <a:t>Discovery and </a:t>
-            </a:r>
-            <a:r>
-              <a:rPr lang="en-US" dirty="0" smtClean="0"/>
-              <a:t>filtering</a:t>
-            </a:r>
-          </a:p>
-          <a:p>
-            <a:r>
-              <a:rPr lang="en-US" dirty="0" smtClean="0"/>
-              <a:t>Feature of Interest annotation </a:t>
+              <a:t>Extension of iot.schema.org</a:t>
             </a:r>
             <a:endParaRPr lang="en-US" dirty="0"/>
-          </a:p>
-          <a:p>
-            <a:endParaRPr lang="en-US" dirty="0" smtClean="0"/>
           </a:p>
         </p:txBody>
       </p:sp>
     </p:spTree>
     <p:extLst>
       <p:ext uri="{BB962C8B-B14F-4D97-AF65-F5344CB8AC3E}">
-        <p14:creationId xmlns:p14="http://schemas.microsoft.com/office/powerpoint/2010/main" val="279690758"/>
+        <p14:creationId xmlns:p14="http://schemas.microsoft.com/office/powerpoint/2010/main" val="1950171440"/>
       </p:ext>
     </p:extLst>
   </p:cSld>
   <p:clrMapOvr>
     <a:masterClrMapping/>
   </p:clrMapOvr>
+  <p:timing>
+    <p:tnLst>
+      <p:par>
+        <p:cTn id="1" dur="indefinite" restart="never" nodeType="tmRoot"/>
+      </p:par>
+    </p:tnLst>
+  </p:timing>
 </p:sld>
 </file>
 
@@ -4215,7 +7235,7 @@
       </p:grpSpPr>
       <p:sp>
         <p:nvSpPr>
-          <p:cNvPr id="2" name="Title 1"/>
+          <p:cNvPr id="2" name="Titel 1"/>
           <p:cNvSpPr>
             <a:spLocks noGrp="1"/>
           </p:cNvSpPr>
@@ -4225,20 +7245,29 @@
         </p:nvSpPr>
         <p:spPr/>
         <p:txBody>
-          <a:bodyPr/>
-          <a:lstStyle/>
-          <a:p>
-            <a:r>
-              <a:rPr lang="en-US" dirty="0" smtClean="0"/>
-              <a:t>Developer Guide</a:t>
-            </a:r>
-            <a:endParaRPr lang="en-US" dirty="0"/>
-          </a:p>
-        </p:txBody>
-      </p:sp>
-      <p:sp>
-        <p:nvSpPr>
-          <p:cNvPr id="3" name="Content Placeholder 2"/>
+          <a:bodyPr>
+            <a:normAutofit/>
+          </a:bodyPr>
+          <a:lstStyle/>
+          <a:p>
+            <a:r>
+              <a:rPr lang="de-DE" sz="3200" dirty="0" smtClean="0"/>
+              <a:t>Project </a:t>
+            </a:r>
+            <a:r>
+              <a:rPr lang="de-DE" sz="3200" dirty="0" err="1" smtClean="0"/>
+              <a:t>Haystack</a:t>
+            </a:r>
+            <a:r>
+              <a:rPr lang="de-DE" sz="3200" dirty="0" smtClean="0"/>
+              <a:t> </a:t>
+            </a:r>
+          </a:p>
+        </p:txBody>
+      </p:sp>
+      <p:sp>
+        <p:nvSpPr>
+          <p:cNvPr id="3" name="Inhaltsplatzhalter 2"/>
           <p:cNvSpPr>
             <a:spLocks noGrp="1"/>
           </p:cNvSpPr>
@@ -4248,34 +7277,35 @@
         </p:nvSpPr>
         <p:spPr/>
         <p:txBody>
-          <a:bodyPr/>
-          <a:lstStyle/>
-          <a:p>
-            <a:r>
-              <a:rPr lang="en-US" dirty="0" smtClean="0"/>
-              <a:t>How to create and contribute </a:t>
-            </a:r>
-            <a:r>
-              <a:rPr lang="en-US" dirty="0" err="1" smtClean="0"/>
-              <a:t>iot.schema.org</a:t>
-            </a:r>
-            <a:r>
-              <a:rPr lang="en-US" dirty="0" smtClean="0"/>
-              <a:t> definitions</a:t>
-            </a:r>
-          </a:p>
-          <a:p>
-            <a:r>
-              <a:rPr lang="en-US" dirty="0" smtClean="0"/>
-              <a:t>Best practices for definitions</a:t>
-            </a:r>
+          <a:bodyPr>
+            <a:normAutofit/>
+          </a:bodyPr>
+          <a:lstStyle/>
+          <a:p>
+            <a:r>
+              <a:rPr lang="en-US" sz="2500" dirty="0" smtClean="0"/>
+              <a:t>Aims to standardize semantic data models to unlock the value of data generated by building equipment.</a:t>
+            </a:r>
+          </a:p>
+          <a:p>
+            <a:r>
+              <a:rPr lang="en-US" sz="2500" dirty="0" smtClean="0"/>
+              <a:t>It is an open source initiative to enable Internet of Things applications.</a:t>
+            </a:r>
+          </a:p>
+          <a:p>
+            <a:r>
+              <a:rPr lang="en-US" sz="2500" dirty="0" smtClean="0"/>
+              <a:t>Applications include automation, control, energy, HVAC, lighting, and other environmental systems.</a:t>
+            </a:r>
+            <a:endParaRPr lang="de-DE" sz="2500" dirty="0" smtClean="0"/>
           </a:p>
         </p:txBody>
       </p:sp>
     </p:spTree>
     <p:extLst>
       <p:ext uri="{BB962C8B-B14F-4D97-AF65-F5344CB8AC3E}">
-        <p14:creationId xmlns:p14="http://schemas.microsoft.com/office/powerpoint/2010/main" val="1706777517"/>
+        <p14:creationId xmlns:p14="http://schemas.microsoft.com/office/powerpoint/2010/main" val="1635971566"/>
       </p:ext>
     </p:extLst>
   </p:cSld>
@@ -4544,4 +7574,265 @@
     </a:ext>
   </a:extLst>
 </a:theme>
+</file>
+
+<file path=ppt/theme/theme2.xml><?xml version="1.0" encoding="utf-8"?>
+<a:theme xmlns:a="http://schemas.openxmlformats.org/drawingml/2006/main" name="Office Theme">
+  <a:themeElements>
+    <a:clrScheme name="Office">
+      <a:dk1>
+        <a:sysClr val="windowText" lastClr="000000"/>
+      </a:dk1>
+      <a:lt1>
+        <a:sysClr val="window" lastClr="FFFFFF"/>
+      </a:lt1>
+      <a:dk2>
+        <a:srgbClr val="44546A"/>
+      </a:dk2>
+      <a:lt2>
+        <a:srgbClr val="E7E6E6"/>
+      </a:lt2>
+      <a:accent1>
+        <a:srgbClr val="4472C4"/>
+      </a:accent1>
+      <a:accent2>
+        <a:srgbClr val="ED7D31"/>
+      </a:accent2>
+      <a:accent3>
+        <a:srgbClr val="A5A5A5"/>
+      </a:accent3>
+      <a:accent4>
+        <a:srgbClr val="FFC000"/>
+      </a:accent4>
+      <a:accent5>
+        <a:srgbClr val="5B9BD5"/>
+      </a:accent5>
+      <a:accent6>
+        <a:srgbClr val="70AD47"/>
+      </a:accent6>
+      <a:hlink>
+        <a:srgbClr val="0563C1"/>
+      </a:hlink>
+      <a:folHlink>
+        <a:srgbClr val="954F72"/>
+      </a:folHlink>
+    </a:clrScheme>
+    <a:fontScheme name="Office">
+      <a:majorFont>
+        <a:latin typeface="Calibri Light" panose="020F0302020204030204"/>
+        <a:ea typeface=""/>
+        <a:cs typeface=""/>
+        <a:font script="Jpan" typeface="Yu Gothic Light"/>
+        <a:font script="Hang" typeface="맑은 고딕"/>
+        <a:font script="Hans" typeface="DengXian Light"/>
+        <a:font script="Hant" typeface="新細明體"/>
+        <a:font script="Arab" typeface="Times New Roman"/>
+        <a:font script="Hebr" typeface="Times New Roman"/>
+        <a:font script="Thai" typeface="Angsana New"/>
+        <a:font script="Ethi" typeface="Nyala"/>
+        <a:font script="Beng" typeface="Vrinda"/>
+        <a:font script="Gujr" typeface="Shruti"/>
+        <a:font script="Khmr" typeface="MoolBoran"/>
+        <a:font script="Knda" typeface="Tunga"/>
+        <a:font script="Guru" typeface="Raavi"/>
+        <a:font script="Cans" typeface="Euphemia"/>
+        <a:font script="Cher" typeface="Plantagenet Cherokee"/>
+        <a:font script="Yiii" typeface="Microsoft Yi Baiti"/>
+        <a:font script="Tibt" typeface="Microsoft Himalaya"/>
+        <a:font script="Thaa" typeface="MV Boli"/>
+        <a:font script="Deva" typeface="Mangal"/>
+        <a:font script="Telu" typeface="Gautami"/>
+        <a:font script="Taml" typeface="Latha"/>
+        <a:font script="Syrc" typeface="Estrangelo Edessa"/>
+        <a:font script="Orya" typeface="Kalinga"/>
+        <a:font script="Mlym" typeface="Kartika"/>
+        <a:font script="Laoo" typeface="DokChampa"/>
+        <a:font script="Sinh" typeface="Iskoola Pota"/>
+        <a:font script="Mong" typeface="Mongolian Baiti"/>
+        <a:font script="Viet" typeface="Times New Roman"/>
+        <a:font script="Uigh" typeface="Microsoft Uighur"/>
+        <a:font script="Geor" typeface="Sylfaen"/>
+      </a:majorFont>
+      <a:minorFont>
+        <a:latin typeface="Calibri" panose="020F0502020204030204"/>
+        <a:ea typeface=""/>
+        <a:cs typeface=""/>
+        <a:font script="Jpan" typeface="Yu Gothic"/>
+        <a:font script="Hang" typeface="맑은 고딕"/>
+        <a:font script="Hans" typeface="DengXian"/>
+        <a:font script="Hant" typeface="新細明體"/>
+        <a:font script="Arab" typeface="Arial"/>
+        <a:font script="Hebr" typeface="Arial"/>
+        <a:font script="Thai" typeface="Cordia New"/>
+        <a:font script="Ethi" typeface="Nyala"/>
+        <a:font script="Beng" typeface="Vrinda"/>
+        <a:font script="Gujr" typeface="Shruti"/>
+        <a:font script="Khmr" typeface="DaunPenh"/>
+        <a:font script="Knda" typeface="Tunga"/>
+        <a:font script="Guru" typeface="Raavi"/>
+        <a:font script="Cans" typeface="Euphemia"/>
+        <a:font script="Cher" typeface="Plantagenet Cherokee"/>
+        <a:font script="Yiii" typeface="Microsoft Yi Baiti"/>
+        <a:font script="Tibt" typeface="Microsoft Himalaya"/>
+        <a:font script="Thaa" typeface="MV Boli"/>
+        <a:font script="Deva" typeface="Mangal"/>
+        <a:font script="Telu" typeface="Gautami"/>
+        <a:font script="Taml" typeface="Latha"/>
+        <a:font script="Syrc" typeface="Estrangelo Edessa"/>
+        <a:font script="Orya" typeface="Kalinga"/>
+        <a:font script="Mlym" typeface="Kartika"/>
+        <a:font script="Laoo" typeface="DokChampa"/>
+        <a:font script="Sinh" typeface="Iskoola Pota"/>
+        <a:font script="Mong" typeface="Mongolian Baiti"/>
+        <a:font script="Viet" typeface="Arial"/>
+        <a:font script="Uigh" typeface="Microsoft Uighur"/>
+        <a:font script="Geor" typeface="Sylfaen"/>
+      </a:minorFont>
+    </a:fontScheme>
+    <a:fmtScheme name="Office">
+      <a:fillStyleLst>
+        <a:solidFill>
+          <a:schemeClr val="phClr"/>
+        </a:solidFill>
+        <a:gradFill rotWithShape="1">
+          <a:gsLst>
+            <a:gs pos="0">
+              <a:schemeClr val="phClr">
+                <a:lumMod val="110000"/>
+                <a:satMod val="105000"/>
+                <a:tint val="67000"/>
+              </a:schemeClr>
+            </a:gs>
+            <a:gs pos="50000">
+              <a:schemeClr val="phClr">
+                <a:lumMod val="105000"/>
+                <a:satMod val="103000"/>
+                <a:tint val="73000"/>
+              </a:schemeClr>
+            </a:gs>
+            <a:gs pos="100000">
+              <a:schemeClr val="phClr">
+                <a:lumMod val="105000"/>
+                <a:satMod val="109000"/>
+                <a:tint val="81000"/>
+              </a:schemeClr>
+            </a:gs>
+          </a:gsLst>
+          <a:lin ang="5400000" scaled="0"/>
+        </a:gradFill>
+        <a:gradFill rotWithShape="1">
+          <a:gsLst>
+            <a:gs pos="0">
+              <a:schemeClr val="phClr">
+                <a:satMod val="103000"/>
+                <a:lumMod val="102000"/>
+                <a:tint val="94000"/>
+              </a:schemeClr>
+            </a:gs>
+            <a:gs pos="50000">
+              <a:schemeClr val="phClr">
+                <a:satMod val="110000"/>
+                <a:lumMod val="100000"/>
+                <a:shade val="100000"/>
+              </a:schemeClr>
+            </a:gs>
+            <a:gs pos="100000">
+              <a:schemeClr val="phClr">
+                <a:lumMod val="99000"/>
+                <a:satMod val="120000"/>
+                <a:shade val="78000"/>
+              </a:schemeClr>
+            </a:gs>
+          </a:gsLst>
+          <a:lin ang="5400000" scaled="0"/>
+        </a:gradFill>
+      </a:fillStyleLst>
+      <a:lnStyleLst>
+        <a:ln w="6350" cap="flat" cmpd="sng" algn="ctr">
+          <a:solidFill>
+            <a:schemeClr val="phClr"/>
+          </a:solidFill>
+          <a:prstDash val="solid"/>
+          <a:miter lim="800000"/>
+        </a:ln>
+        <a:ln w="12700" cap="flat" cmpd="sng" algn="ctr">
+          <a:solidFill>
+            <a:schemeClr val="phClr"/>
+          </a:solidFill>
+          <a:prstDash val="solid"/>
+          <a:miter lim="800000"/>
+        </a:ln>
+        <a:ln w="19050" cap="flat" cmpd="sng" algn="ctr">
+          <a:solidFill>
+            <a:schemeClr val="phClr"/>
+          </a:solidFill>
+          <a:prstDash val="solid"/>
+          <a:miter lim="800000"/>
+        </a:ln>
+      </a:lnStyleLst>
+      <a:effectStyleLst>
+        <a:effectStyle>
+          <a:effectLst/>
+        </a:effectStyle>
+        <a:effectStyle>
+          <a:effectLst/>
+        </a:effectStyle>
+        <a:effectStyle>
+          <a:effectLst>
+            <a:outerShdw blurRad="57150" dist="19050" dir="5400000" algn="ctr" rotWithShape="0">
+              <a:srgbClr val="000000">
+                <a:alpha val="63000"/>
+              </a:srgbClr>
+            </a:outerShdw>
+          </a:effectLst>
+        </a:effectStyle>
+      </a:effectStyleLst>
+      <a:bgFillStyleLst>
+        <a:solidFill>
+          <a:schemeClr val="phClr"/>
+        </a:solidFill>
+        <a:solidFill>
+          <a:schemeClr val="phClr">
+            <a:tint val="95000"/>
+            <a:satMod val="170000"/>
+          </a:schemeClr>
+        </a:solidFill>
+        <a:gradFill rotWithShape="1">
+          <a:gsLst>
+            <a:gs pos="0">
+              <a:schemeClr val="phClr">
+                <a:tint val="93000"/>
+                <a:satMod val="150000"/>
+                <a:shade val="98000"/>
+                <a:lumMod val="102000"/>
+              </a:schemeClr>
+            </a:gs>
+            <a:gs pos="50000">
+              <a:schemeClr val="phClr">
+                <a:tint val="98000"/>
+                <a:satMod val="130000"/>
+                <a:shade val="90000"/>
+                <a:lumMod val="103000"/>
+              </a:schemeClr>
+            </a:gs>
+            <a:gs pos="100000">
+              <a:schemeClr val="phClr">
+                <a:shade val="63000"/>
+                <a:satMod val="120000"/>
+              </a:schemeClr>
+            </a:gs>
+          </a:gsLst>
+          <a:lin ang="5400000" scaled="0"/>
+        </a:gradFill>
+      </a:bgFillStyleLst>
+    </a:fmtScheme>
+  </a:themeElements>
+  <a:objectDefaults/>
+  <a:extraClrSchemeLst/>
+  <a:extLst>
+    <a:ext uri="{05A4C25C-085E-4340-85A3-A5531E510DB2}">
+      <thm15:themeFamily xmlns:thm15="http://schemas.microsoft.com/office/thememl/2012/main" name="Office Theme" id="{62F939B6-93AF-4DB8-9C6B-D6C7DFDC589F}" vid="{4A3C46E8-61CC-4603-A589-7422A47A8E4A}"/>
+    </a:ext>
+  </a:extLst>
+</a:theme>
 </file>
--- a/iotschema-17may20218.pptx
+++ b/iotschema-17may20218.pptx
@@ -5,7 +5,7 @@
     <p:sldMasterId id="2147483660" r:id="rId1"/>
   </p:sldMasterIdLst>
   <p:notesMasterIdLst>
-    <p:notesMasterId r:id="rId25"/>
+    <p:notesMasterId r:id="rId26"/>
   </p:notesMasterIdLst>
   <p:sldIdLst>
     <p:sldId id="256" r:id="rId2"/>
@@ -30,7 +30,8 @@
     <p:sldId id="263" r:id="rId21"/>
     <p:sldId id="264" r:id="rId22"/>
     <p:sldId id="267" r:id="rId23"/>
-    <p:sldId id="268" r:id="rId24"/>
+    <p:sldId id="283" r:id="rId24"/>
+    <p:sldId id="268" r:id="rId25"/>
   </p:sldIdLst>
   <p:sldSz cx="9144000" cy="6858000" type="letter"/>
   <p:notesSz cx="6858000" cy="9144000"/>
@@ -6080,6 +6081,133 @@
 </file>
 
 <file path=ppt/slides/slide23.xml><?xml version="1.0" encoding="utf-8"?>
+<p:sld xmlns:a="http://schemas.openxmlformats.org/drawingml/2006/main" xmlns:r="http://schemas.openxmlformats.org/officeDocument/2006/relationships" xmlns:p="http://schemas.openxmlformats.org/presentationml/2006/main">
+  <p:cSld>
+    <p:spTree>
+      <p:nvGrpSpPr>
+        <p:cNvPr id="1" name=""/>
+        <p:cNvGrpSpPr/>
+        <p:nvPr/>
+      </p:nvGrpSpPr>
+      <p:grpSpPr>
+        <a:xfrm>
+          <a:off x="0" y="0"/>
+          <a:ext cx="0" cy="0"/>
+          <a:chOff x="0" y="0"/>
+          <a:chExt cx="0" cy="0"/>
+        </a:xfrm>
+      </p:grpSpPr>
+      <p:sp>
+        <p:nvSpPr>
+          <p:cNvPr id="2" name="Title 1"/>
+          <p:cNvSpPr>
+            <a:spLocks noGrp="1"/>
+          </p:cNvSpPr>
+          <p:nvPr>
+            <p:ph type="title"/>
+          </p:nvPr>
+        </p:nvSpPr>
+        <p:spPr/>
+        <p:txBody>
+          <a:bodyPr/>
+          <a:lstStyle/>
+          <a:p>
+            <a:r>
+              <a:rPr lang="en-US" dirty="0" smtClean="0"/>
+              <a:t>Upcoming Semantic Interop Events</a:t>
+            </a:r>
+            <a:endParaRPr lang="en-US" dirty="0"/>
+          </a:p>
+        </p:txBody>
+      </p:sp>
+      <p:sp>
+        <p:nvSpPr>
+          <p:cNvPr id="3" name="Content Placeholder 2"/>
+          <p:cNvSpPr>
+            <a:spLocks noGrp="1"/>
+          </p:cNvSpPr>
+          <p:nvPr>
+            <p:ph idx="1"/>
+          </p:nvPr>
+        </p:nvSpPr>
+        <p:spPr>
+          <a:xfrm>
+            <a:off x="628650" y="2043834"/>
+            <a:ext cx="7886700" cy="4351338"/>
+          </a:xfrm>
+        </p:spPr>
+        <p:txBody>
+          <a:bodyPr/>
+          <a:lstStyle/>
+          <a:p>
+            <a:r>
+              <a:rPr lang="en-US" dirty="0" smtClean="0"/>
+              <a:t>W3C Web of Things </a:t>
+            </a:r>
+            <a:r>
+              <a:rPr lang="en-US" dirty="0" err="1" smtClean="0"/>
+              <a:t>Plugfest</a:t>
+            </a:r>
+            <a:endParaRPr lang="en-US" dirty="0" smtClean="0"/>
+          </a:p>
+          <a:p>
+            <a:pPr lvl="1"/>
+            <a:r>
+              <a:rPr lang="en-US" dirty="0" smtClean="0"/>
+              <a:t>South Korea, June 30</a:t>
+            </a:r>
+            <a:r>
+              <a:rPr lang="en-US" baseline="30000" dirty="0" smtClean="0"/>
+              <a:t>th</a:t>
+            </a:r>
+            <a:r>
+              <a:rPr lang="en-US" dirty="0" smtClean="0"/>
+              <a:t> and July 1</a:t>
+            </a:r>
+            <a:r>
+              <a:rPr lang="en-US" baseline="30000" dirty="0" smtClean="0"/>
+              <a:t>st</a:t>
+            </a:r>
+            <a:endParaRPr lang="en-US" dirty="0" smtClean="0"/>
+          </a:p>
+          <a:p>
+            <a:r>
+              <a:rPr lang="en-US" dirty="0" smtClean="0"/>
+              <a:t>WISHI </a:t>
+            </a:r>
+            <a:r>
+              <a:rPr lang="en-US" dirty="0" err="1" smtClean="0"/>
+              <a:t>Plugfest</a:t>
+            </a:r>
+            <a:r>
+              <a:rPr lang="en-US" dirty="0" smtClean="0"/>
+              <a:t>/Hackathon at IETF 102</a:t>
+            </a:r>
+          </a:p>
+          <a:p>
+            <a:pPr lvl="1"/>
+            <a:r>
+              <a:rPr lang="en-US" dirty="0" smtClean="0"/>
+              <a:t>Montreal, July 14th and 15th</a:t>
+            </a:r>
+            <a:endParaRPr lang="en-US" dirty="0"/>
+          </a:p>
+        </p:txBody>
+      </p:sp>
+    </p:spTree>
+    <p:extLst>
+      <p:ext uri="{BB962C8B-B14F-4D97-AF65-F5344CB8AC3E}">
+        <p14:creationId xmlns:p14="http://schemas.microsoft.com/office/powerpoint/2010/main" val="911280416"/>
+      </p:ext>
+    </p:extLst>
+  </p:cSld>
+  <p:clrMapOvr>
+    <a:masterClrMapping/>
+  </p:clrMapOvr>
+</p:sld>
+</file>
+
+<file path=ppt/slides/slide24.xml><?xml version="1.0" encoding="utf-8"?>
 <p:sld xmlns:a="http://schemas.openxmlformats.org/drawingml/2006/main" xmlns:r="http://schemas.openxmlformats.org/officeDocument/2006/relationships" xmlns:p="http://schemas.openxmlformats.org/presentationml/2006/main">
   <p:cSld>
     <p:spTree>

--- a/iotschema-17may20218.pptx
+++ b/iotschema-17may20218.pptx
@@ -132,7 +132,7 @@
   </p:defaultTextStyle>
   <p:extLst>
     <p:ext uri="{EFAFB233-063F-42B5-8137-9DF3F51BA10A}">
-      <p15:sldGuideLst xmlns:p15="http://schemas.microsoft.com/office/powerpoint/2012/main"/>
+      <p15:sldGuideLst xmlns:p15="http://schemas.microsoft.com/office/powerpoint/2012/main" xmlns=""/>
     </p:ext>
   </p:extLst>
 </p:presentation>
@@ -220,7 +220,8 @@
           <a:p>
             <a:fld id="{17C8783D-F440-ED43-8E82-B584645D9A87}" type="datetimeFigureOut">
               <a:rPr lang="en-US" smtClean="0"/>
-              <a:t>5/16/18</a:t>
+              <a:pPr/>
+              <a:t>5/17/2018</a:t>
             </a:fld>
             <a:endParaRPr lang="en-US"/>
           </a:p>
@@ -379,7 +380,8 @@
           <a:p>
             <a:fld id="{A53D0683-6165-0C4A-9295-086A6FCA8D0C}" type="slidenum">
               <a:rPr lang="en-US" smtClean="0"/>
-              <a:t>‹#›</a:t>
+              <a:pPr/>
+              <a:t>‹Nr.›</a:t>
             </a:fld>
             <a:endParaRPr lang="en-US"/>
           </a:p>
@@ -388,7 +390,7 @@
     </p:spTree>
     <p:extLst>
       <p:ext uri="{BB962C8B-B14F-4D97-AF65-F5344CB8AC3E}">
-        <p14:creationId xmlns:p14="http://schemas.microsoft.com/office/powerpoint/2010/main" val="1441227132"/>
+        <p14:creationId xmlns:p14="http://schemas.microsoft.com/office/powerpoint/2010/main" xmlns="" val="1441227132"/>
       </p:ext>
     </p:extLst>
   </p:cSld>
@@ -619,7 +621,8 @@
           <a:p>
             <a:fld id="{A37A7497-B40A-2944-AF6C-6A4B11C9A644}" type="datetimeFigureOut">
               <a:rPr lang="en-US" smtClean="0"/>
-              <a:t>5/16/18</a:t>
+              <a:pPr/>
+              <a:t>5/17/2018</a:t>
             </a:fld>
             <a:endParaRPr lang="en-US"/>
           </a:p>
@@ -661,7 +664,8 @@
           <a:p>
             <a:fld id="{8E4E1ED5-99F9-634F-AEAC-E940F1B4F904}" type="slidenum">
               <a:rPr lang="en-US" smtClean="0"/>
-              <a:t>‹#›</a:t>
+              <a:pPr/>
+              <a:t>‹Nr.›</a:t>
             </a:fld>
             <a:endParaRPr lang="en-US"/>
           </a:p>
@@ -784,7 +788,8 @@
           <a:p>
             <a:fld id="{A37A7497-B40A-2944-AF6C-6A4B11C9A644}" type="datetimeFigureOut">
               <a:rPr lang="en-US" smtClean="0"/>
-              <a:t>5/16/18</a:t>
+              <a:pPr/>
+              <a:t>5/17/2018</a:t>
             </a:fld>
             <a:endParaRPr lang="en-US"/>
           </a:p>
@@ -826,7 +831,8 @@
           <a:p>
             <a:fld id="{8E4E1ED5-99F9-634F-AEAC-E940F1B4F904}" type="slidenum">
               <a:rPr lang="en-US" smtClean="0"/>
-              <a:t>‹#›</a:t>
+              <a:pPr/>
+              <a:t>‹Nr.›</a:t>
             </a:fld>
             <a:endParaRPr lang="en-US"/>
           </a:p>
@@ -959,7 +965,8 @@
           <a:p>
             <a:fld id="{A37A7497-B40A-2944-AF6C-6A4B11C9A644}" type="datetimeFigureOut">
               <a:rPr lang="en-US" smtClean="0"/>
-              <a:t>5/16/18</a:t>
+              <a:pPr/>
+              <a:t>5/17/2018</a:t>
             </a:fld>
             <a:endParaRPr lang="en-US"/>
           </a:p>
@@ -1001,7 +1008,8 @@
           <a:p>
             <a:fld id="{8E4E1ED5-99F9-634F-AEAC-E940F1B4F904}" type="slidenum">
               <a:rPr lang="en-US" smtClean="0"/>
-              <a:t>‹#›</a:t>
+              <a:pPr/>
+              <a:t>‹Nr.›</a:t>
             </a:fld>
             <a:endParaRPr lang="en-US"/>
           </a:p>
@@ -1124,7 +1132,8 @@
           <a:p>
             <a:fld id="{A37A7497-B40A-2944-AF6C-6A4B11C9A644}" type="datetimeFigureOut">
               <a:rPr lang="en-US" smtClean="0"/>
-              <a:t>5/16/18</a:t>
+              <a:pPr/>
+              <a:t>5/17/2018</a:t>
             </a:fld>
             <a:endParaRPr lang="en-US"/>
           </a:p>
@@ -1166,7 +1175,8 @@
           <a:p>
             <a:fld id="{8E4E1ED5-99F9-634F-AEAC-E940F1B4F904}" type="slidenum">
               <a:rPr lang="en-US" smtClean="0"/>
-              <a:t>‹#›</a:t>
+              <a:pPr/>
+              <a:t>‹Nr.›</a:t>
             </a:fld>
             <a:endParaRPr lang="en-US"/>
           </a:p>
@@ -1363,7 +1373,8 @@
           <a:p>
             <a:fld id="{A37A7497-B40A-2944-AF6C-6A4B11C9A644}" type="datetimeFigureOut">
               <a:rPr lang="en-US" smtClean="0"/>
-              <a:t>5/16/18</a:t>
+              <a:pPr/>
+              <a:t>5/17/2018</a:t>
             </a:fld>
             <a:endParaRPr lang="en-US"/>
           </a:p>
@@ -1405,7 +1416,8 @@
           <a:p>
             <a:fld id="{8E4E1ED5-99F9-634F-AEAC-E940F1B4F904}" type="slidenum">
               <a:rPr lang="en-US" smtClean="0"/>
-              <a:t>‹#›</a:t>
+              <a:pPr/>
+              <a:t>‹Nr.›</a:t>
             </a:fld>
             <a:endParaRPr lang="en-US"/>
           </a:p>
@@ -1590,7 +1602,8 @@
           <a:p>
             <a:fld id="{A37A7497-B40A-2944-AF6C-6A4B11C9A644}" type="datetimeFigureOut">
               <a:rPr lang="en-US" smtClean="0"/>
-              <a:t>5/16/18</a:t>
+              <a:pPr/>
+              <a:t>5/17/2018</a:t>
             </a:fld>
             <a:endParaRPr lang="en-US"/>
           </a:p>
@@ -1632,7 +1645,8 @@
           <a:p>
             <a:fld id="{8E4E1ED5-99F9-634F-AEAC-E940F1B4F904}" type="slidenum">
               <a:rPr lang="en-US" smtClean="0"/>
-              <a:t>‹#›</a:t>
+              <a:pPr/>
+              <a:t>‹Nr.›</a:t>
             </a:fld>
             <a:endParaRPr lang="en-US"/>
           </a:p>
@@ -1952,7 +1966,8 @@
           <a:p>
             <a:fld id="{A37A7497-B40A-2944-AF6C-6A4B11C9A644}" type="datetimeFigureOut">
               <a:rPr lang="en-US" smtClean="0"/>
-              <a:t>5/16/18</a:t>
+              <a:pPr/>
+              <a:t>5/17/2018</a:t>
             </a:fld>
             <a:endParaRPr lang="en-US"/>
           </a:p>
@@ -1994,7 +2009,8 @@
           <a:p>
             <a:fld id="{8E4E1ED5-99F9-634F-AEAC-E940F1B4F904}" type="slidenum">
               <a:rPr lang="en-US" smtClean="0"/>
-              <a:t>‹#›</a:t>
+              <a:pPr/>
+              <a:t>‹Nr.›</a:t>
             </a:fld>
             <a:endParaRPr lang="en-US"/>
           </a:p>
@@ -2065,7 +2081,8 @@
           <a:p>
             <a:fld id="{A37A7497-B40A-2944-AF6C-6A4B11C9A644}" type="datetimeFigureOut">
               <a:rPr lang="en-US" smtClean="0"/>
-              <a:t>5/16/18</a:t>
+              <a:pPr/>
+              <a:t>5/17/2018</a:t>
             </a:fld>
             <a:endParaRPr lang="en-US"/>
           </a:p>
@@ -2107,7 +2124,8 @@
           <a:p>
             <a:fld id="{8E4E1ED5-99F9-634F-AEAC-E940F1B4F904}" type="slidenum">
               <a:rPr lang="en-US" smtClean="0"/>
-              <a:t>‹#›</a:t>
+              <a:pPr/>
+              <a:t>‹Nr.›</a:t>
             </a:fld>
             <a:endParaRPr lang="en-US"/>
           </a:p>
@@ -2155,7 +2173,8 @@
           <a:p>
             <a:fld id="{A37A7497-B40A-2944-AF6C-6A4B11C9A644}" type="datetimeFigureOut">
               <a:rPr lang="en-US" smtClean="0"/>
-              <a:t>5/16/18</a:t>
+              <a:pPr/>
+              <a:t>5/17/2018</a:t>
             </a:fld>
             <a:endParaRPr lang="en-US"/>
           </a:p>
@@ -2197,7 +2216,8 @@
           <a:p>
             <a:fld id="{8E4E1ED5-99F9-634F-AEAC-E940F1B4F904}" type="slidenum">
               <a:rPr lang="en-US" smtClean="0"/>
-              <a:t>‹#›</a:t>
+              <a:pPr/>
+              <a:t>‹Nr.›</a:t>
             </a:fld>
             <a:endParaRPr lang="en-US"/>
           </a:p>
@@ -2427,7 +2447,8 @@
           <a:p>
             <a:fld id="{A37A7497-B40A-2944-AF6C-6A4B11C9A644}" type="datetimeFigureOut">
               <a:rPr lang="en-US" smtClean="0"/>
-              <a:t>5/16/18</a:t>
+              <a:pPr/>
+              <a:t>5/17/2018</a:t>
             </a:fld>
             <a:endParaRPr lang="en-US"/>
           </a:p>
@@ -2469,7 +2490,8 @@
           <a:p>
             <a:fld id="{8E4E1ED5-99F9-634F-AEAC-E940F1B4F904}" type="slidenum">
               <a:rPr lang="en-US" smtClean="0"/>
-              <a:t>‹#›</a:t>
+              <a:pPr/>
+              <a:t>‹Nr.›</a:t>
             </a:fld>
             <a:endParaRPr lang="en-US"/>
           </a:p>
@@ -2679,7 +2701,8 @@
           <a:p>
             <a:fld id="{A37A7497-B40A-2944-AF6C-6A4B11C9A644}" type="datetimeFigureOut">
               <a:rPr lang="en-US" smtClean="0"/>
-              <a:t>5/16/18</a:t>
+              <a:pPr/>
+              <a:t>5/17/2018</a:t>
             </a:fld>
             <a:endParaRPr lang="en-US"/>
           </a:p>
@@ -2721,7 +2744,8 @@
           <a:p>
             <a:fld id="{8E4E1ED5-99F9-634F-AEAC-E940F1B4F904}" type="slidenum">
               <a:rPr lang="en-US" smtClean="0"/>
-              <a:t>‹#›</a:t>
+              <a:pPr/>
+              <a:t>‹Nr.›</a:t>
             </a:fld>
             <a:endParaRPr lang="en-US"/>
           </a:p>
@@ -2887,7 +2911,8 @@
           <a:p>
             <a:fld id="{A37A7497-B40A-2944-AF6C-6A4B11C9A644}" type="datetimeFigureOut">
               <a:rPr lang="en-US" smtClean="0"/>
-              <a:t>5/16/18</a:t>
+              <a:pPr/>
+              <a:t>5/17/2018</a:t>
             </a:fld>
             <a:endParaRPr lang="en-US"/>
           </a:p>
@@ -2965,7 +2990,8 @@
           <a:p>
             <a:fld id="{8E4E1ED5-99F9-634F-AEAC-E940F1B4F904}" type="slidenum">
               <a:rPr lang="en-US" smtClean="0"/>
-              <a:t>‹#›</a:t>
+              <a:pPr/>
+              <a:t>‹Nr.›</a:t>
             </a:fld>
             <a:endParaRPr lang="en-US"/>
           </a:p>
@@ -2974,7 +3000,7 @@
     </p:spTree>
     <p:extLst>
       <p:ext uri="{BB962C8B-B14F-4D97-AF65-F5344CB8AC3E}">
-        <p14:creationId xmlns:p14="http://schemas.microsoft.com/office/powerpoint/2010/main" val="899253639"/>
+        <p14:creationId xmlns:p14="http://schemas.microsoft.com/office/powerpoint/2010/main" xmlns="" val="899253639"/>
       </p:ext>
     </p:extLst>
   </p:cSld>
@@ -3352,13 +3378,20 @@
     </p:spTree>
     <p:extLst>
       <p:ext uri="{BB962C8B-B14F-4D97-AF65-F5344CB8AC3E}">
-        <p14:creationId xmlns:p14="http://schemas.microsoft.com/office/powerpoint/2010/main" val="1435968375"/>
+        <p14:creationId xmlns:p14="http://schemas.microsoft.com/office/powerpoint/2010/main" xmlns="" val="1435968375"/>
       </p:ext>
     </p:extLst>
   </p:cSld>
   <p:clrMapOvr>
     <a:masterClrMapping/>
   </p:clrMapOvr>
+  <p:timing>
+    <p:tnLst>
+      <p:par>
+        <p:cTn id="1" dur="indefinite" restart="never" nodeType="tmRoot"/>
+      </p:par>
+    </p:tnLst>
+  </p:timing>
 </p:sld>
 </file>
 
@@ -3420,7 +3453,7 @@
         <p:spPr/>
         <p:txBody>
           <a:bodyPr>
-            <a:normAutofit fontScale="85000" lnSpcReduction="20000"/>
+            <a:normAutofit fontScale="77500" lnSpcReduction="20000"/>
           </a:bodyPr>
           <a:lstStyle/>
           <a:p>
@@ -3449,7 +3482,15 @@
             </a:pPr>
             <a:r>
               <a:rPr lang="en-US" sz="2500" dirty="0" smtClean="0"/>
-              <a:t>       sites, equipment, sensor points, etc.</a:t>
+              <a:t>     </a:t>
+            </a:r>
+            <a:r>
+              <a:rPr lang="en-US" sz="2500" dirty="0" smtClean="0"/>
+              <a:t> sites</a:t>
+            </a:r>
+            <a:r>
+              <a:rPr lang="en-US" sz="2500" dirty="0" smtClean="0"/>
+              <a:t>, equipment, sensor points, etc.</a:t>
             </a:r>
           </a:p>
           <a:p>
@@ -3498,7 +3539,15 @@
             </a:pPr>
             <a:r>
               <a:rPr lang="en-US" sz="2500" dirty="0" smtClean="0"/>
-              <a:t>       to model a logical grouping, e.g. chiller plant.</a:t>
+              <a:t>      </a:t>
+            </a:r>
+            <a:r>
+              <a:rPr lang="en-US" sz="2500" dirty="0" smtClean="0"/>
+              <a:t>to </a:t>
+            </a:r>
+            <a:r>
+              <a:rPr lang="en-US" sz="2500" dirty="0" smtClean="0"/>
+              <a:t>model a logical grouping, e.g. chiller plant.</a:t>
             </a:r>
           </a:p>
           <a:p>
@@ -3837,7 +3886,7 @@
     </p:spTree>
     <p:extLst>
       <p:ext uri="{BB962C8B-B14F-4D97-AF65-F5344CB8AC3E}">
-        <p14:creationId xmlns:p14="http://schemas.microsoft.com/office/powerpoint/2010/main" val="1540977221"/>
+        <p14:creationId xmlns:p14="http://schemas.microsoft.com/office/powerpoint/2010/main" xmlns="" val="1540977221"/>
       </p:ext>
     </p:extLst>
   </p:cSld>
@@ -3897,14 +3946,14 @@
       </p:sp>
       <p:pic>
         <p:nvPicPr>
-          <p:cNvPr id="1026" name="Picture 2" descr="D:\Work\Work on WoT Embedded Semantic Framework\Repositories\siemens-semantic-models\Haystack-iot.schema\Haystack-iotschema.png"/>
+          <p:cNvPr id="1027" name="Picture 3" descr="D:\Work\Work on WoT Embedded Semantic Framework\Repositories\siemens-semantic-models\Haystack-iot.schema\Haystack-iotschema.png"/>
           <p:cNvPicPr>
             <a:picLocks noChangeAspect="1" noChangeArrowheads="1"/>
           </p:cNvPicPr>
           <p:nvPr/>
         </p:nvPicPr>
         <p:blipFill>
-          <a:blip r:embed="rId2" cstate="print"/>
+          <a:blip r:embed="rId2"/>
           <a:srcRect/>
           <a:stretch>
             <a:fillRect/>
@@ -3912,8 +3961,8 @@
         </p:blipFill>
         <p:spPr bwMode="auto">
           <a:xfrm>
-            <a:off x="1115616" y="1484784"/>
-            <a:ext cx="6984776" cy="5128063"/>
+            <a:off x="1083452" y="1576386"/>
+            <a:ext cx="6610366" cy="4853180"/>
           </a:xfrm>
           <a:prstGeom prst="rect">
             <a:avLst/>
@@ -3924,7 +3973,7 @@
     </p:spTree>
     <p:extLst>
       <p:ext uri="{BB962C8B-B14F-4D97-AF65-F5344CB8AC3E}">
-        <p14:creationId xmlns:p14="http://schemas.microsoft.com/office/powerpoint/2010/main" val="551370527"/>
+        <p14:creationId xmlns:p14="http://schemas.microsoft.com/office/powerpoint/2010/main" xmlns="" val="551370527"/>
       </p:ext>
     </p:extLst>
   </p:cSld>
@@ -3996,7 +4045,7 @@
         <p:spPr/>
         <p:txBody>
           <a:bodyPr>
-            <a:normAutofit fontScale="77500" lnSpcReduction="20000"/>
+            <a:normAutofit fontScale="85000" lnSpcReduction="20000"/>
           </a:bodyPr>
           <a:lstStyle/>
           <a:p>
@@ -4324,13 +4373,20 @@
     </p:spTree>
     <p:extLst>
       <p:ext uri="{BB962C8B-B14F-4D97-AF65-F5344CB8AC3E}">
-        <p14:creationId xmlns:p14="http://schemas.microsoft.com/office/powerpoint/2010/main" val="492510484"/>
+        <p14:creationId xmlns:p14="http://schemas.microsoft.com/office/powerpoint/2010/main" xmlns="" val="492510484"/>
       </p:ext>
     </p:extLst>
   </p:cSld>
   <p:clrMapOvr>
     <a:masterClrMapping/>
   </p:clrMapOvr>
+  <p:timing>
+    <p:tnLst>
+      <p:par>
+        <p:cTn id="1" dur="indefinite" restart="never" nodeType="tmRoot"/>
+      </p:par>
+    </p:tnLst>
+  </p:timing>
 </p:sld>
 </file>
 
@@ -4389,7 +4445,7 @@
         <p:spPr/>
         <p:txBody>
           <a:bodyPr>
-            <a:normAutofit fontScale="70000" lnSpcReduction="20000"/>
+            <a:normAutofit fontScale="85000" lnSpcReduction="20000"/>
           </a:bodyPr>
           <a:lstStyle/>
           <a:p>
@@ -4907,7 +4963,7 @@
     </p:spTree>
     <p:extLst>
       <p:ext uri="{BB962C8B-B14F-4D97-AF65-F5344CB8AC3E}">
-        <p14:creationId xmlns:p14="http://schemas.microsoft.com/office/powerpoint/2010/main" val="1221729050"/>
+        <p14:creationId xmlns:p14="http://schemas.microsoft.com/office/powerpoint/2010/main" xmlns="" val="1221729050"/>
       </p:ext>
     </p:extLst>
   </p:cSld>
@@ -4983,7 +5039,7 @@
     </p:spTree>
     <p:extLst>
       <p:ext uri="{BB962C8B-B14F-4D97-AF65-F5344CB8AC3E}">
-        <p14:creationId xmlns:p14="http://schemas.microsoft.com/office/powerpoint/2010/main" val="1508994383"/>
+        <p14:creationId xmlns:p14="http://schemas.microsoft.com/office/powerpoint/2010/main" xmlns="" val="1508994383"/>
       </p:ext>
     </p:extLst>
   </p:cSld>
@@ -5100,7 +5156,7 @@
     </p:spTree>
     <p:extLst>
       <p:ext uri="{BB962C8B-B14F-4D97-AF65-F5344CB8AC3E}">
-        <p14:creationId xmlns:p14="http://schemas.microsoft.com/office/powerpoint/2010/main" val="1837432274"/>
+        <p14:creationId xmlns:p14="http://schemas.microsoft.com/office/powerpoint/2010/main" xmlns="" val="1837432274"/>
       </p:ext>
     </p:extLst>
   </p:cSld>
@@ -5238,7 +5294,7 @@
     </p:spTree>
     <p:extLst>
       <p:ext uri="{BB962C8B-B14F-4D97-AF65-F5344CB8AC3E}">
-        <p14:creationId xmlns:p14="http://schemas.microsoft.com/office/powerpoint/2010/main" val="665506004"/>
+        <p14:creationId xmlns:p14="http://schemas.microsoft.com/office/powerpoint/2010/main" xmlns="" val="665506004"/>
       </p:ext>
     </p:extLst>
   </p:cSld>
@@ -5326,7 +5382,7 @@
     </p:spTree>
     <p:extLst>
       <p:ext uri="{BB962C8B-B14F-4D97-AF65-F5344CB8AC3E}">
-        <p14:creationId xmlns:p14="http://schemas.microsoft.com/office/powerpoint/2010/main" val="2115880194"/>
+        <p14:creationId xmlns:p14="http://schemas.microsoft.com/office/powerpoint/2010/main" xmlns="" val="2115880194"/>
       </p:ext>
     </p:extLst>
   </p:cSld>
@@ -5424,7 +5480,7 @@
     </p:spTree>
     <p:extLst>
       <p:ext uri="{BB962C8B-B14F-4D97-AF65-F5344CB8AC3E}">
-        <p14:creationId xmlns:p14="http://schemas.microsoft.com/office/powerpoint/2010/main" val="1003335686"/>
+        <p14:creationId xmlns:p14="http://schemas.microsoft.com/office/powerpoint/2010/main" xmlns="" val="1003335686"/>
       </p:ext>
     </p:extLst>
   </p:cSld>
@@ -5530,7 +5586,7 @@
     </p:spTree>
     <p:extLst>
       <p:ext uri="{BB962C8B-B14F-4D97-AF65-F5344CB8AC3E}">
-        <p14:creationId xmlns:p14="http://schemas.microsoft.com/office/powerpoint/2010/main" val="1567271012"/>
+        <p14:creationId xmlns:p14="http://schemas.microsoft.com/office/powerpoint/2010/main" xmlns="" val="1567271012"/>
       </p:ext>
     </p:extLst>
   </p:cSld>
@@ -5603,11 +5659,7 @@
           <a:p>
             <a:r>
               <a:rPr lang="en-US" dirty="0" smtClean="0"/>
-              <a:t>Updated </a:t>
-            </a:r>
-            <a:r>
-              <a:rPr lang="en-US" dirty="0" smtClean="0"/>
-              <a:t>meta model/ontology with </a:t>
+              <a:t>Updated meta model/ontology with </a:t>
             </a:r>
             <a:r>
               <a:rPr lang="en-US" dirty="0" err="1" smtClean="0"/>
@@ -5640,11 +5692,7 @@
           <a:p>
             <a:r>
               <a:rPr lang="en-US" dirty="0" smtClean="0"/>
-              <a:t>Organizational </a:t>
-            </a:r>
-            <a:r>
-              <a:rPr lang="en-US" dirty="0" smtClean="0"/>
-              <a:t>updates</a:t>
+              <a:t>Organizational updates</a:t>
             </a:r>
           </a:p>
           <a:p>
@@ -5664,13 +5712,20 @@
     </p:spTree>
     <p:extLst>
       <p:ext uri="{BB962C8B-B14F-4D97-AF65-F5344CB8AC3E}">
-        <p14:creationId xmlns:p14="http://schemas.microsoft.com/office/powerpoint/2010/main" val="2020261940"/>
+        <p14:creationId xmlns:p14="http://schemas.microsoft.com/office/powerpoint/2010/main" xmlns="" val="2020261940"/>
       </p:ext>
     </p:extLst>
   </p:cSld>
   <p:clrMapOvr>
     <a:masterClrMapping/>
   </p:clrMapOvr>
+  <p:timing>
+    <p:tnLst>
+      <p:par>
+        <p:cTn id="1" dur="indefinite" restart="never" nodeType="tmRoot"/>
+      </p:par>
+    </p:tnLst>
+  </p:timing>
 </p:sld>
 </file>
 
@@ -5779,7 +5834,7 @@
     </p:spTree>
     <p:extLst>
       <p:ext uri="{BB962C8B-B14F-4D97-AF65-F5344CB8AC3E}">
-        <p14:creationId xmlns:p14="http://schemas.microsoft.com/office/powerpoint/2010/main" val="279690758"/>
+        <p14:creationId xmlns:p14="http://schemas.microsoft.com/office/powerpoint/2010/main" xmlns="" val="279690758"/>
       </p:ext>
     </p:extLst>
   </p:cSld>
@@ -5868,7 +5923,7 @@
     </p:spTree>
     <p:extLst>
       <p:ext uri="{BB962C8B-B14F-4D97-AF65-F5344CB8AC3E}">
-        <p14:creationId xmlns:p14="http://schemas.microsoft.com/office/powerpoint/2010/main" val="1706777517"/>
+        <p14:creationId xmlns:p14="http://schemas.microsoft.com/office/powerpoint/2010/main" xmlns="" val="1706777517"/>
       </p:ext>
     </p:extLst>
   </p:cSld>
@@ -6070,7 +6125,7 @@
     </p:spTree>
     <p:extLst>
       <p:ext uri="{BB962C8B-B14F-4D97-AF65-F5344CB8AC3E}">
-        <p14:creationId xmlns:p14="http://schemas.microsoft.com/office/powerpoint/2010/main" val="465878758"/>
+        <p14:creationId xmlns:p14="http://schemas.microsoft.com/office/powerpoint/2010/main" xmlns="" val="465878758"/>
       </p:ext>
     </p:extLst>
   </p:cSld>
@@ -6197,7 +6252,7 @@
     </p:spTree>
     <p:extLst>
       <p:ext uri="{BB962C8B-B14F-4D97-AF65-F5344CB8AC3E}">
-        <p14:creationId xmlns:p14="http://schemas.microsoft.com/office/powerpoint/2010/main" val="911280416"/>
+        <p14:creationId xmlns:p14="http://schemas.microsoft.com/office/powerpoint/2010/main" xmlns="" val="911280416"/>
       </p:ext>
     </p:extLst>
   </p:cSld>
@@ -6269,7 +6324,7 @@
     </p:spTree>
     <p:extLst>
       <p:ext uri="{BB962C8B-B14F-4D97-AF65-F5344CB8AC3E}">
-        <p14:creationId xmlns:p14="http://schemas.microsoft.com/office/powerpoint/2010/main" val="1258282975"/>
+        <p14:creationId xmlns:p14="http://schemas.microsoft.com/office/powerpoint/2010/main" xmlns="" val="1258282975"/>
       </p:ext>
     </p:extLst>
   </p:cSld>
@@ -6384,7 +6439,7 @@
     </p:spTree>
     <p:extLst>
       <p:ext uri="{BB962C8B-B14F-4D97-AF65-F5344CB8AC3E}">
-        <p14:creationId xmlns:p14="http://schemas.microsoft.com/office/powerpoint/2010/main" val="925745159"/>
+        <p14:creationId xmlns:p14="http://schemas.microsoft.com/office/powerpoint/2010/main" xmlns="" val="925745159"/>
       </p:ext>
     </p:extLst>
   </p:cSld>
@@ -6477,7 +6532,7 @@
     </p:spTree>
     <p:extLst>
       <p:ext uri="{BB962C8B-B14F-4D97-AF65-F5344CB8AC3E}">
-        <p14:creationId xmlns:p14="http://schemas.microsoft.com/office/powerpoint/2010/main" val="479864798"/>
+        <p14:creationId xmlns:p14="http://schemas.microsoft.com/office/powerpoint/2010/main" xmlns="" val="479864798"/>
       </p:ext>
     </p:extLst>
   </p:cSld>
@@ -6602,7 +6657,7 @@
     </p:spTree>
     <p:extLst>
       <p:ext uri="{BB962C8B-B14F-4D97-AF65-F5344CB8AC3E}">
-        <p14:creationId xmlns:p14="http://schemas.microsoft.com/office/powerpoint/2010/main" val="1286565501"/>
+        <p14:creationId xmlns:p14="http://schemas.microsoft.com/office/powerpoint/2010/main" xmlns="" val="1286565501"/>
       </p:ext>
     </p:extLst>
   </p:cSld>
@@ -6689,7 +6744,7 @@
     </p:spTree>
     <p:extLst>
       <p:ext uri="{BB962C8B-B14F-4D97-AF65-F5344CB8AC3E}">
-        <p14:creationId xmlns:p14="http://schemas.microsoft.com/office/powerpoint/2010/main" val="293533664"/>
+        <p14:creationId xmlns:p14="http://schemas.microsoft.com/office/powerpoint/2010/main" xmlns="" val="293533664"/>
       </p:ext>
     </p:extLst>
   </p:cSld>
@@ -6766,7 +6821,7 @@
         </p:spPr>
         <p:txBody>
           <a:bodyPr>
-            <a:normAutofit fontScale="85000" lnSpcReduction="20000"/>
+            <a:normAutofit fontScale="62500" lnSpcReduction="20000"/>
           </a:bodyPr>
           <a:lstStyle/>
           <a:p>
@@ -7244,7 +7299,7 @@
     </p:spTree>
     <p:extLst>
       <p:ext uri="{BB962C8B-B14F-4D97-AF65-F5344CB8AC3E}">
-        <p14:creationId xmlns:p14="http://schemas.microsoft.com/office/powerpoint/2010/main" val="650353689"/>
+        <p14:creationId xmlns:p14="http://schemas.microsoft.com/office/powerpoint/2010/main" xmlns="" val="650353689"/>
       </p:ext>
     </p:extLst>
   </p:cSld>
@@ -7327,7 +7382,7 @@
     </p:spTree>
     <p:extLst>
       <p:ext uri="{BB962C8B-B14F-4D97-AF65-F5344CB8AC3E}">
-        <p14:creationId xmlns:p14="http://schemas.microsoft.com/office/powerpoint/2010/main" val="1950171440"/>
+        <p14:creationId xmlns:p14="http://schemas.microsoft.com/office/powerpoint/2010/main" xmlns="" val="1950171440"/>
       </p:ext>
     </p:extLst>
   </p:cSld>
@@ -7433,13 +7488,20 @@
     </p:spTree>
     <p:extLst>
       <p:ext uri="{BB962C8B-B14F-4D97-AF65-F5344CB8AC3E}">
-        <p14:creationId xmlns:p14="http://schemas.microsoft.com/office/powerpoint/2010/main" val="1635971566"/>
+        <p14:creationId xmlns:p14="http://schemas.microsoft.com/office/powerpoint/2010/main" xmlns="" val="1635971566"/>
       </p:ext>
     </p:extLst>
   </p:cSld>
   <p:clrMapOvr>
     <a:masterClrMapping/>
   </p:clrMapOvr>
+  <p:timing>
+    <p:tnLst>
+      <p:par>
+        <p:cTn id="1" dur="indefinite" restart="never" nodeType="tmRoot"/>
+      </p:par>
+    </p:tnLst>
+  </p:timing>
 </p:sld>
 </file>
 
@@ -7486,7 +7548,7 @@
     </a:clrScheme>
     <a:fontScheme name="Office Theme">
       <a:majorFont>
-        <a:latin typeface="Calibri Light" panose="020F0302020204030204"/>
+        <a:latin typeface="Calibri Light"/>
         <a:ea typeface=""/>
         <a:cs typeface=""/>
         <a:font script="Jpan" typeface="游ゴシック Light"/>
@@ -7521,7 +7583,7 @@
         <a:font script="Geor" typeface="Sylfaen"/>
       </a:majorFont>
       <a:minorFont>
-        <a:latin typeface="Calibri" panose="020F0502020204030204"/>
+        <a:latin typeface="Calibri"/>
         <a:ea typeface=""/>
         <a:cs typeface=""/>
         <a:font script="Jpan" typeface="游ゴシック"/>
@@ -7698,7 +7760,7 @@
   <a:extraClrSchemeLst/>
   <a:extLst>
     <a:ext uri="{05A4C25C-085E-4340-85A3-A5531E510DB2}">
-      <thm15:themeFamily xmlns:thm15="http://schemas.microsoft.com/office/thememl/2012/main" name="Office Theme" id="{62F939B6-93AF-4DB8-9C6B-D6C7DFDC589F}" vid="{4A3C46E8-61CC-4603-A589-7422A47A8E4A}"/>
+      <thm15:themeFamily xmlns:thm15="http://schemas.microsoft.com/office/thememl/2012/main" xmlns="" name="Office Theme" id="{62F939B6-93AF-4DB8-9C6B-D6C7DFDC589F}" vid="{4A3C46E8-61CC-4603-A589-7422A47A8E4A}"/>
     </a:ext>
   </a:extLst>
 </a:theme>
@@ -7747,7 +7809,7 @@
     </a:clrScheme>
     <a:fontScheme name="Office">
       <a:majorFont>
-        <a:latin typeface="Calibri Light" panose="020F0302020204030204"/>
+        <a:latin typeface="Calibri Light"/>
         <a:ea typeface=""/>
         <a:cs typeface=""/>
         <a:font script="Jpan" typeface="Yu Gothic Light"/>
@@ -7782,7 +7844,7 @@
         <a:font script="Geor" typeface="Sylfaen"/>
       </a:majorFont>
       <a:minorFont>
-        <a:latin typeface="Calibri" panose="020F0502020204030204"/>
+        <a:latin typeface="Calibri"/>
         <a:ea typeface=""/>
         <a:cs typeface=""/>
         <a:font script="Jpan" typeface="Yu Gothic"/>
@@ -7959,7 +8021,7 @@
   <a:extraClrSchemeLst/>
   <a:extLst>
     <a:ext uri="{05A4C25C-085E-4340-85A3-A5531E510DB2}">
-      <thm15:themeFamily xmlns:thm15="http://schemas.microsoft.com/office/thememl/2012/main" name="Office Theme" id="{62F939B6-93AF-4DB8-9C6B-D6C7DFDC589F}" vid="{4A3C46E8-61CC-4603-A589-7422A47A8E4A}"/>
+      <thm15:themeFamily xmlns:thm15="http://schemas.microsoft.com/office/thememl/2012/main" xmlns="" name="Office Theme" id="{62F939B6-93AF-4DB8-9C6B-D6C7DFDC589F}" vid="{4A3C46E8-61CC-4603-A589-7422A47A8E4A}"/>
     </a:ext>
   </a:extLst>
 </a:theme>

--- a/iotschema-17may20218.pptx
+++ b/iotschema-17may20218.pptx
@@ -3359,6 +3359,13 @@
   <p:clrMapOvr>
     <a:masterClrMapping/>
   </p:clrMapOvr>
+  <p:timing>
+    <p:tnLst>
+      <p:par>
+        <p:cTn id="1" dur="indefinite" restart="never" nodeType="tmRoot"/>
+      </p:par>
+    </p:tnLst>
+  </p:timing>
 </p:sld>
 </file>
 
@@ -4331,6 +4338,13 @@
   <p:clrMapOvr>
     <a:masterClrMapping/>
   </p:clrMapOvr>
+  <p:timing>
+    <p:tnLst>
+      <p:par>
+        <p:cTn id="1" dur="indefinite" restart="never" nodeType="tmRoot"/>
+      </p:par>
+    </p:tnLst>
+  </p:timing>
 </p:sld>
 </file>
 
@@ -4914,6 +4928,13 @@
   <p:clrMapOvr>
     <a:masterClrMapping/>
   </p:clrMapOvr>
+  <p:timing>
+    <p:tnLst>
+      <p:par>
+        <p:cTn id="1" dur="indefinite" restart="never" nodeType="tmRoot"/>
+      </p:par>
+    </p:tnLst>
+  </p:timing>
 </p:sld>
 </file>
 
@@ -5107,6 +5128,13 @@
   <p:clrMapOvr>
     <a:masterClrMapping/>
   </p:clrMapOvr>
+  <p:timing>
+    <p:tnLst>
+      <p:par>
+        <p:cTn id="1" dur="indefinite" restart="never" nodeType="tmRoot"/>
+      </p:par>
+    </p:tnLst>
+  </p:timing>
 </p:sld>
 </file>
 
@@ -5245,6 +5273,13 @@
   <p:clrMapOvr>
     <a:masterClrMapping/>
   </p:clrMapOvr>
+  <p:timing>
+    <p:tnLst>
+      <p:par>
+        <p:cTn id="1" dur="indefinite" restart="never" nodeType="tmRoot"/>
+      </p:par>
+    </p:tnLst>
+  </p:timing>
 </p:sld>
 </file>
 
@@ -5333,6 +5368,13 @@
   <p:clrMapOvr>
     <a:masterClrMapping/>
   </p:clrMapOvr>
+  <p:timing>
+    <p:tnLst>
+      <p:par>
+        <p:cTn id="1" dur="indefinite" restart="never" nodeType="tmRoot"/>
+      </p:par>
+    </p:tnLst>
+  </p:timing>
 </p:sld>
 </file>
 
@@ -5431,6 +5473,13 @@
   <p:clrMapOvr>
     <a:masterClrMapping/>
   </p:clrMapOvr>
+  <p:timing>
+    <p:tnLst>
+      <p:par>
+        <p:cTn id="1" dur="indefinite" restart="never" nodeType="tmRoot"/>
+      </p:par>
+    </p:tnLst>
+  </p:timing>
 </p:sld>
 </file>
 
@@ -5537,6 +5586,13 @@
   <p:clrMapOvr>
     <a:masterClrMapping/>
   </p:clrMapOvr>
+  <p:timing>
+    <p:tnLst>
+      <p:par>
+        <p:cTn id="1" dur="indefinite" restart="never" nodeType="tmRoot"/>
+      </p:par>
+    </p:tnLst>
+  </p:timing>
 </p:sld>
 </file>
 
@@ -5597,8 +5653,40 @@
           <a:p>
             <a:r>
               <a:rPr lang="en-US" dirty="0" smtClean="0"/>
-              <a:t>Review the agenda, items to add</a:t>
-            </a:r>
+              <a:t>Review the agenda, items to </a:t>
+            </a:r>
+            <a:r>
+              <a:rPr lang="en-US" dirty="0" smtClean="0"/>
+              <a:t>add</a:t>
+            </a:r>
+          </a:p>
+          <a:p>
+            <a:pPr lvl="1"/>
+            <a:r>
+              <a:rPr lang="en-US" dirty="0"/>
+              <a:t>J</a:t>
+            </a:r>
+            <a:r>
+              <a:rPr lang="en-US" dirty="0" smtClean="0"/>
+              <a:t>ason </a:t>
+            </a:r>
+            <a:r>
+              <a:rPr lang="en-US" dirty="0" err="1" smtClean="0"/>
+              <a:t>Koh</a:t>
+            </a:r>
+            <a:r>
+              <a:rPr lang="en-US" dirty="0" smtClean="0"/>
+              <a:t> </a:t>
+            </a:r>
+            <a:r>
+              <a:rPr lang="mr-IN" dirty="0" smtClean="0"/>
+              <a:t>–</a:t>
+            </a:r>
+            <a:r>
+              <a:rPr lang="en-US" dirty="0" smtClean="0"/>
+              <a:t> Brick Ontology (added below)</a:t>
+            </a:r>
+            <a:endParaRPr lang="en-US" dirty="0" smtClean="0"/>
           </a:p>
           <a:p>
             <a:r>
@@ -5623,6 +5711,13 @@
             <a:r>
               <a:rPr lang="en-US" dirty="0" err="1" smtClean="0"/>
               <a:t>iot.schema.org</a:t>
+            </a:r>
+            <a:endParaRPr lang="en-US" dirty="0" smtClean="0"/>
+          </a:p>
+          <a:p>
+            <a:r>
+              <a:rPr lang="en-US" dirty="0" smtClean="0"/>
+              <a:t>Brick Ontology</a:t>
             </a:r>
             <a:endParaRPr lang="en-US" dirty="0" smtClean="0"/>
           </a:p>
@@ -5671,6 +5766,13 @@
   <p:clrMapOvr>
     <a:masterClrMapping/>
   </p:clrMapOvr>
+  <p:timing>
+    <p:tnLst>
+      <p:par>
+        <p:cTn id="1" dur="indefinite" restart="never" nodeType="tmRoot"/>
+      </p:par>
+    </p:tnLst>
+  </p:timing>
 </p:sld>
 </file>
 
@@ -5786,6 +5888,13 @@
   <p:clrMapOvr>
     <a:masterClrMapping/>
   </p:clrMapOvr>
+  <p:timing>
+    <p:tnLst>
+      <p:par>
+        <p:cTn id="1" dur="indefinite" restart="never" nodeType="tmRoot"/>
+      </p:par>
+    </p:tnLst>
+  </p:timing>
 </p:sld>
 </file>
 
@@ -5875,6 +5984,13 @@
   <p:clrMapOvr>
     <a:masterClrMapping/>
   </p:clrMapOvr>
+  <p:timing>
+    <p:tnLst>
+      <p:par>
+        <p:cTn id="1" dur="indefinite" restart="never" nodeType="tmRoot"/>
+      </p:par>
+    </p:tnLst>
+  </p:timing>
 </p:sld>
 </file>
 
@@ -6077,6 +6193,13 @@
   <p:clrMapOvr>
     <a:masterClrMapping/>
   </p:clrMapOvr>
+  <p:timing>
+    <p:tnLst>
+      <p:par>
+        <p:cTn id="1" dur="indefinite" restart="never" nodeType="tmRoot"/>
+      </p:par>
+    </p:tnLst>
+  </p:timing>
 </p:sld>
 </file>
 
@@ -6204,6 +6327,13 @@
   <p:clrMapOvr>
     <a:masterClrMapping/>
   </p:clrMapOvr>
+  <p:timing>
+    <p:tnLst>
+      <p:par>
+        <p:cTn id="1" dur="indefinite" restart="never" nodeType="tmRoot"/>
+      </p:par>
+    </p:tnLst>
+  </p:timing>
 </p:sld>
 </file>
 
@@ -6276,6 +6406,13 @@
   <p:clrMapOvr>
     <a:masterClrMapping/>
   </p:clrMapOvr>
+  <p:timing>
+    <p:tnLst>
+      <p:par>
+        <p:cTn id="1" dur="indefinite" restart="never" nodeType="tmRoot"/>
+      </p:par>
+    </p:tnLst>
+  </p:timing>
 </p:sld>
 </file>
 
@@ -7440,6 +7577,13 @@
   <p:clrMapOvr>
     <a:masterClrMapping/>
   </p:clrMapOvr>
+  <p:timing>
+    <p:tnLst>
+      <p:par>
+        <p:cTn id="1" dur="indefinite" restart="never" nodeType="tmRoot"/>
+      </p:par>
+    </p:tnLst>
+  </p:timing>
 </p:sld>
 </file>
 
